--- a/results/Figures_for_CNGV_manuscript/Gmean_Emean_heuristic.pptx
+++ b/results/Figures_for_CNGV_manuscript/Gmean_Emean_heuristic.pptx
@@ -2,12 +2,15 @@
 <file path=ppt/presentation.xml><?xml version="1.0" encoding="utf-8"?>
 <p:presentation xmlns:a="http://schemas.openxmlformats.org/drawingml/2006/main" xmlns:r="http://schemas.openxmlformats.org/officeDocument/2006/relationships" xmlns:p="http://schemas.openxmlformats.org/presentationml/2006/main" saveSubsetFonts="1" autoCompressPictures="0">
   <p:sldMasterIdLst>
-    <p:sldMasterId id="2147483660" r:id="rId1"/>
+    <p:sldMasterId id="2147483672" r:id="rId1"/>
   </p:sldMasterIdLst>
+  <p:notesMasterIdLst>
+    <p:notesMasterId r:id="rId3"/>
+  </p:notesMasterIdLst>
   <p:sldIdLst>
     <p:sldId id="256" r:id="rId2"/>
   </p:sldIdLst>
-  <p:sldSz cx="9144000" cy="6858000" type="screen4x3"/>
+  <p:sldSz cx="6858000" cy="12192000"/>
   <p:notesSz cx="6858000" cy="9144000"/>
   <p:defaultTextStyle>
     <a:defPPr>
@@ -104,7 +107,445 @@
       </a:defRPr>
     </a:lvl9pPr>
   </p:defaultTextStyle>
+  <p:extLst>
+    <p:ext uri="{EFAFB233-063F-42B5-8137-9DF3F51BA10A}">
+      <p15:sldGuideLst xmlns:p15="http://schemas.microsoft.com/office/powerpoint/2012/main"/>
+    </p:ext>
+  </p:extLst>
 </p:presentation>
+</file>
+
+<file path=ppt/notesMasters/notesMaster1.xml><?xml version="1.0" encoding="utf-8"?>
+<p:notesMaster xmlns:a="http://schemas.openxmlformats.org/drawingml/2006/main" xmlns:r="http://schemas.openxmlformats.org/officeDocument/2006/relationships" xmlns:p="http://schemas.openxmlformats.org/presentationml/2006/main">
+  <p:cSld>
+    <p:bg>
+      <p:bgRef idx="1001">
+        <a:schemeClr val="bg1"/>
+      </p:bgRef>
+    </p:bg>
+    <p:spTree>
+      <p:nvGrpSpPr>
+        <p:cNvPr id="1" name=""/>
+        <p:cNvGrpSpPr/>
+        <p:nvPr/>
+      </p:nvGrpSpPr>
+      <p:grpSpPr>
+        <a:xfrm>
+          <a:off x="0" y="0"/>
+          <a:ext cx="0" cy="0"/>
+          <a:chOff x="0" y="0"/>
+          <a:chExt cx="0" cy="0"/>
+        </a:xfrm>
+      </p:grpSpPr>
+      <p:sp>
+        <p:nvSpPr>
+          <p:cNvPr id="2" name="Header Placeholder 1"/>
+          <p:cNvSpPr>
+            <a:spLocks noGrp="1"/>
+          </p:cNvSpPr>
+          <p:nvPr>
+            <p:ph type="hdr" sz="quarter"/>
+          </p:nvPr>
+        </p:nvSpPr>
+        <p:spPr>
+          <a:xfrm>
+            <a:off x="0" y="0"/>
+            <a:ext cx="2971800" cy="458788"/>
+          </a:xfrm>
+          <a:prstGeom prst="rect">
+            <a:avLst/>
+          </a:prstGeom>
+        </p:spPr>
+        <p:txBody>
+          <a:bodyPr vert="horz" lIns="91440" tIns="45720" rIns="91440" bIns="45720" rtlCol="0"/>
+          <a:lstStyle>
+            <a:lvl1pPr algn="l">
+              <a:defRPr sz="1200"/>
+            </a:lvl1pPr>
+          </a:lstStyle>
+          <a:p>
+            <a:endParaRPr lang="en-US"/>
+          </a:p>
+        </p:txBody>
+      </p:sp>
+      <p:sp>
+        <p:nvSpPr>
+          <p:cNvPr id="3" name="Date Placeholder 2"/>
+          <p:cNvSpPr>
+            <a:spLocks noGrp="1"/>
+          </p:cNvSpPr>
+          <p:nvPr>
+            <p:ph type="dt" idx="1"/>
+          </p:nvPr>
+        </p:nvSpPr>
+        <p:spPr>
+          <a:xfrm>
+            <a:off x="3884613" y="0"/>
+            <a:ext cx="2971800" cy="458788"/>
+          </a:xfrm>
+          <a:prstGeom prst="rect">
+            <a:avLst/>
+          </a:prstGeom>
+        </p:spPr>
+        <p:txBody>
+          <a:bodyPr vert="horz" lIns="91440" tIns="45720" rIns="91440" bIns="45720" rtlCol="0"/>
+          <a:lstStyle>
+            <a:lvl1pPr algn="r">
+              <a:defRPr sz="1200"/>
+            </a:lvl1pPr>
+          </a:lstStyle>
+          <a:p>
+            <a:fld id="{51A00CCF-9DCE-A94A-8C6B-8513C63414D1}" type="datetimeFigureOut">
+              <a:rPr lang="en-US" smtClean="0"/>
+              <a:t>1/21/20</a:t>
+            </a:fld>
+            <a:endParaRPr lang="en-US"/>
+          </a:p>
+        </p:txBody>
+      </p:sp>
+      <p:sp>
+        <p:nvSpPr>
+          <p:cNvPr id="4" name="Slide Image Placeholder 3"/>
+          <p:cNvSpPr>
+            <a:spLocks noGrp="1" noRot="1" noChangeAspect="1"/>
+          </p:cNvSpPr>
+          <p:nvPr>
+            <p:ph type="sldImg" idx="2"/>
+          </p:nvPr>
+        </p:nvSpPr>
+        <p:spPr>
+          <a:xfrm>
+            <a:off x="2560638" y="1143000"/>
+            <a:ext cx="1736725" cy="3086100"/>
+          </a:xfrm>
+          <a:prstGeom prst="rect">
+            <a:avLst/>
+          </a:prstGeom>
+          <a:noFill/>
+          <a:ln w="12700">
+            <a:solidFill>
+              <a:prstClr val="black"/>
+            </a:solidFill>
+          </a:ln>
+        </p:spPr>
+        <p:txBody>
+          <a:bodyPr vert="horz" lIns="91440" tIns="45720" rIns="91440" bIns="45720" rtlCol="0" anchor="ctr"/>
+          <a:lstStyle/>
+          <a:p>
+            <a:endParaRPr lang="en-US"/>
+          </a:p>
+        </p:txBody>
+      </p:sp>
+      <p:sp>
+        <p:nvSpPr>
+          <p:cNvPr id="5" name="Notes Placeholder 4"/>
+          <p:cNvSpPr>
+            <a:spLocks noGrp="1"/>
+          </p:cNvSpPr>
+          <p:nvPr>
+            <p:ph type="body" sz="quarter" idx="3"/>
+          </p:nvPr>
+        </p:nvSpPr>
+        <p:spPr>
+          <a:xfrm>
+            <a:off x="685800" y="4400550"/>
+            <a:ext cx="5486400" cy="3600450"/>
+          </a:xfrm>
+          <a:prstGeom prst="rect">
+            <a:avLst/>
+          </a:prstGeom>
+        </p:spPr>
+        <p:txBody>
+          <a:bodyPr vert="horz" lIns="91440" tIns="45720" rIns="91440" bIns="45720" rtlCol="0"/>
+          <a:lstStyle/>
+          <a:p>
+            <a:pPr lvl="0"/>
+            <a:r>
+              <a:rPr lang="en-US"/>
+              <a:t>Click to edit Master text styles</a:t>
+            </a:r>
+          </a:p>
+          <a:p>
+            <a:pPr lvl="1"/>
+            <a:r>
+              <a:rPr lang="en-US"/>
+              <a:t>Second level</a:t>
+            </a:r>
+          </a:p>
+          <a:p>
+            <a:pPr lvl="2"/>
+            <a:r>
+              <a:rPr lang="en-US"/>
+              <a:t>Third level</a:t>
+            </a:r>
+          </a:p>
+          <a:p>
+            <a:pPr lvl="3"/>
+            <a:r>
+              <a:rPr lang="en-US"/>
+              <a:t>Fourth level</a:t>
+            </a:r>
+          </a:p>
+          <a:p>
+            <a:pPr lvl="4"/>
+            <a:r>
+              <a:rPr lang="en-US"/>
+              <a:t>Fifth level</a:t>
+            </a:r>
+          </a:p>
+        </p:txBody>
+      </p:sp>
+      <p:sp>
+        <p:nvSpPr>
+          <p:cNvPr id="6" name="Footer Placeholder 5"/>
+          <p:cNvSpPr>
+            <a:spLocks noGrp="1"/>
+          </p:cNvSpPr>
+          <p:nvPr>
+            <p:ph type="ftr" sz="quarter" idx="4"/>
+          </p:nvPr>
+        </p:nvSpPr>
+        <p:spPr>
+          <a:xfrm>
+            <a:off x="0" y="8685213"/>
+            <a:ext cx="2971800" cy="458787"/>
+          </a:xfrm>
+          <a:prstGeom prst="rect">
+            <a:avLst/>
+          </a:prstGeom>
+        </p:spPr>
+        <p:txBody>
+          <a:bodyPr vert="horz" lIns="91440" tIns="45720" rIns="91440" bIns="45720" rtlCol="0" anchor="b"/>
+          <a:lstStyle>
+            <a:lvl1pPr algn="l">
+              <a:defRPr sz="1200"/>
+            </a:lvl1pPr>
+          </a:lstStyle>
+          <a:p>
+            <a:endParaRPr lang="en-US"/>
+          </a:p>
+        </p:txBody>
+      </p:sp>
+      <p:sp>
+        <p:nvSpPr>
+          <p:cNvPr id="7" name="Slide Number Placeholder 6"/>
+          <p:cNvSpPr>
+            <a:spLocks noGrp="1"/>
+          </p:cNvSpPr>
+          <p:nvPr>
+            <p:ph type="sldNum" sz="quarter" idx="5"/>
+          </p:nvPr>
+        </p:nvSpPr>
+        <p:spPr>
+          <a:xfrm>
+            <a:off x="3884613" y="8685213"/>
+            <a:ext cx="2971800" cy="458787"/>
+          </a:xfrm>
+          <a:prstGeom prst="rect">
+            <a:avLst/>
+          </a:prstGeom>
+        </p:spPr>
+        <p:txBody>
+          <a:bodyPr vert="horz" lIns="91440" tIns="45720" rIns="91440" bIns="45720" rtlCol="0" anchor="b"/>
+          <a:lstStyle>
+            <a:lvl1pPr algn="r">
+              <a:defRPr sz="1200"/>
+            </a:lvl1pPr>
+          </a:lstStyle>
+          <a:p>
+            <a:fld id="{20FE9F24-B074-2948-81BF-42D47E39D43B}" type="slidenum">
+              <a:rPr lang="en-US" smtClean="0"/>
+              <a:t>‹#›</a:t>
+            </a:fld>
+            <a:endParaRPr lang="en-US"/>
+          </a:p>
+        </p:txBody>
+      </p:sp>
+    </p:spTree>
+    <p:extLst>
+      <p:ext uri="{BB962C8B-B14F-4D97-AF65-F5344CB8AC3E}">
+        <p14:creationId xmlns:p14="http://schemas.microsoft.com/office/powerpoint/2010/main" val="2862928169"/>
+      </p:ext>
+    </p:extLst>
+  </p:cSld>
+  <p:clrMap bg1="lt1" tx1="dk1" bg2="lt2" tx2="dk2" accent1="accent1" accent2="accent2" accent3="accent3" accent4="accent4" accent5="accent5" accent6="accent6" hlink="hlink" folHlink="folHlink"/>
+  <p:notesStyle>
+    <a:lvl1pPr marL="0" algn="l" defTabSz="914400" rtl="0" eaLnBrk="1" latinLnBrk="0" hangingPunct="1">
+      <a:defRPr sz="1200" kern="1200">
+        <a:solidFill>
+          <a:schemeClr val="tx1"/>
+        </a:solidFill>
+        <a:latin typeface="+mn-lt"/>
+        <a:ea typeface="+mn-ea"/>
+        <a:cs typeface="+mn-cs"/>
+      </a:defRPr>
+    </a:lvl1pPr>
+    <a:lvl2pPr marL="457200" algn="l" defTabSz="914400" rtl="0" eaLnBrk="1" latinLnBrk="0" hangingPunct="1">
+      <a:defRPr sz="1200" kern="1200">
+        <a:solidFill>
+          <a:schemeClr val="tx1"/>
+        </a:solidFill>
+        <a:latin typeface="+mn-lt"/>
+        <a:ea typeface="+mn-ea"/>
+        <a:cs typeface="+mn-cs"/>
+      </a:defRPr>
+    </a:lvl2pPr>
+    <a:lvl3pPr marL="914400" algn="l" defTabSz="914400" rtl="0" eaLnBrk="1" latinLnBrk="0" hangingPunct="1">
+      <a:defRPr sz="1200" kern="1200">
+        <a:solidFill>
+          <a:schemeClr val="tx1"/>
+        </a:solidFill>
+        <a:latin typeface="+mn-lt"/>
+        <a:ea typeface="+mn-ea"/>
+        <a:cs typeface="+mn-cs"/>
+      </a:defRPr>
+    </a:lvl3pPr>
+    <a:lvl4pPr marL="1371600" algn="l" defTabSz="914400" rtl="0" eaLnBrk="1" latinLnBrk="0" hangingPunct="1">
+      <a:defRPr sz="1200" kern="1200">
+        <a:solidFill>
+          <a:schemeClr val="tx1"/>
+        </a:solidFill>
+        <a:latin typeface="+mn-lt"/>
+        <a:ea typeface="+mn-ea"/>
+        <a:cs typeface="+mn-cs"/>
+      </a:defRPr>
+    </a:lvl4pPr>
+    <a:lvl5pPr marL="1828800" algn="l" defTabSz="914400" rtl="0" eaLnBrk="1" latinLnBrk="0" hangingPunct="1">
+      <a:defRPr sz="1200" kern="1200">
+        <a:solidFill>
+          <a:schemeClr val="tx1"/>
+        </a:solidFill>
+        <a:latin typeface="+mn-lt"/>
+        <a:ea typeface="+mn-ea"/>
+        <a:cs typeface="+mn-cs"/>
+      </a:defRPr>
+    </a:lvl5pPr>
+    <a:lvl6pPr marL="2286000" algn="l" defTabSz="914400" rtl="0" eaLnBrk="1" latinLnBrk="0" hangingPunct="1">
+      <a:defRPr sz="1200" kern="1200">
+        <a:solidFill>
+          <a:schemeClr val="tx1"/>
+        </a:solidFill>
+        <a:latin typeface="+mn-lt"/>
+        <a:ea typeface="+mn-ea"/>
+        <a:cs typeface="+mn-cs"/>
+      </a:defRPr>
+    </a:lvl6pPr>
+    <a:lvl7pPr marL="2743200" algn="l" defTabSz="914400" rtl="0" eaLnBrk="1" latinLnBrk="0" hangingPunct="1">
+      <a:defRPr sz="1200" kern="1200">
+        <a:solidFill>
+          <a:schemeClr val="tx1"/>
+        </a:solidFill>
+        <a:latin typeface="+mn-lt"/>
+        <a:ea typeface="+mn-ea"/>
+        <a:cs typeface="+mn-cs"/>
+      </a:defRPr>
+    </a:lvl7pPr>
+    <a:lvl8pPr marL="3200400" algn="l" defTabSz="914400" rtl="0" eaLnBrk="1" latinLnBrk="0" hangingPunct="1">
+      <a:defRPr sz="1200" kern="1200">
+        <a:solidFill>
+          <a:schemeClr val="tx1"/>
+        </a:solidFill>
+        <a:latin typeface="+mn-lt"/>
+        <a:ea typeface="+mn-ea"/>
+        <a:cs typeface="+mn-cs"/>
+      </a:defRPr>
+    </a:lvl8pPr>
+    <a:lvl9pPr marL="3657600" algn="l" defTabSz="914400" rtl="0" eaLnBrk="1" latinLnBrk="0" hangingPunct="1">
+      <a:defRPr sz="1200" kern="1200">
+        <a:solidFill>
+          <a:schemeClr val="tx1"/>
+        </a:solidFill>
+        <a:latin typeface="+mn-lt"/>
+        <a:ea typeface="+mn-ea"/>
+        <a:cs typeface="+mn-cs"/>
+      </a:defRPr>
+    </a:lvl9pPr>
+  </p:notesStyle>
+</p:notesMaster>
+</file>
+
+<file path=ppt/notesSlides/notesSlide1.xml><?xml version="1.0" encoding="utf-8"?>
+<p:notes xmlns:a="http://schemas.openxmlformats.org/drawingml/2006/main" xmlns:r="http://schemas.openxmlformats.org/officeDocument/2006/relationships" xmlns:p="http://schemas.openxmlformats.org/presentationml/2006/main">
+  <p:cSld>
+    <p:spTree>
+      <p:nvGrpSpPr>
+        <p:cNvPr id="1" name=""/>
+        <p:cNvGrpSpPr/>
+        <p:nvPr/>
+      </p:nvGrpSpPr>
+      <p:grpSpPr>
+        <a:xfrm>
+          <a:off x="0" y="0"/>
+          <a:ext cx="0" cy="0"/>
+          <a:chOff x="0" y="0"/>
+          <a:chExt cx="0" cy="0"/>
+        </a:xfrm>
+      </p:grpSpPr>
+      <p:sp>
+        <p:nvSpPr>
+          <p:cNvPr id="2" name="Slide Image Placeholder 1"/>
+          <p:cNvSpPr>
+            <a:spLocks noGrp="1" noRot="1" noChangeAspect="1"/>
+          </p:cNvSpPr>
+          <p:nvPr>
+            <p:ph type="sldImg"/>
+          </p:nvPr>
+        </p:nvSpPr>
+        <p:spPr/>
+      </p:sp>
+      <p:sp>
+        <p:nvSpPr>
+          <p:cNvPr id="3" name="Notes Placeholder 2"/>
+          <p:cNvSpPr>
+            <a:spLocks noGrp="1"/>
+          </p:cNvSpPr>
+          <p:nvPr>
+            <p:ph type="body" idx="1"/>
+          </p:nvPr>
+        </p:nvSpPr>
+        <p:spPr/>
+        <p:txBody>
+          <a:bodyPr/>
+          <a:lstStyle/>
+          <a:p>
+            <a:endParaRPr lang="en-US" dirty="0"/>
+          </a:p>
+        </p:txBody>
+      </p:sp>
+      <p:sp>
+        <p:nvSpPr>
+          <p:cNvPr id="4" name="Slide Number Placeholder 3"/>
+          <p:cNvSpPr>
+            <a:spLocks noGrp="1"/>
+          </p:cNvSpPr>
+          <p:nvPr>
+            <p:ph type="sldNum" sz="quarter" idx="5"/>
+          </p:nvPr>
+        </p:nvSpPr>
+        <p:spPr/>
+        <p:txBody>
+          <a:bodyPr/>
+          <a:lstStyle/>
+          <a:p>
+            <a:fld id="{20FE9F24-B074-2948-81BF-42D47E39D43B}" type="slidenum">
+              <a:rPr lang="en-US" smtClean="0"/>
+              <a:t>1</a:t>
+            </a:fld>
+            <a:endParaRPr lang="en-US"/>
+          </a:p>
+        </p:txBody>
+      </p:sp>
+    </p:spTree>
+    <p:extLst>
+      <p:ext uri="{BB962C8B-B14F-4D97-AF65-F5344CB8AC3E}">
+        <p14:creationId xmlns:p14="http://schemas.microsoft.com/office/powerpoint/2010/main" val="3262246197"/>
+      </p:ext>
+    </p:extLst>
+  </p:cSld>
+  <p:clrMapOvr>
+    <a:masterClrMapping/>
+  </p:clrMapOvr>
+</p:notes>
 </file>
 
 <file path=ppt/slideLayouts/slideLayout1.xml><?xml version="1.0" encoding="utf-8"?>
@@ -136,15 +577,15 @@
         </p:nvSpPr>
         <p:spPr>
           <a:xfrm>
-            <a:off x="685800" y="1122364"/>
-            <a:ext cx="7772400" cy="2387600"/>
+            <a:off x="514350" y="1995312"/>
+            <a:ext cx="5829300" cy="4244622"/>
           </a:xfrm>
         </p:spPr>
         <p:txBody>
           <a:bodyPr anchor="b"/>
           <a:lstStyle>
             <a:lvl1pPr algn="ctr">
-              <a:defRPr sz="6000"/>
+              <a:defRPr sz="4500"/>
             </a:lvl1pPr>
           </a:lstStyle>
           <a:p>
@@ -168,8 +609,8 @@
         </p:nvSpPr>
         <p:spPr>
           <a:xfrm>
-            <a:off x="1143000" y="3602038"/>
-            <a:ext cx="6858000" cy="1655762"/>
+            <a:off x="857250" y="6403623"/>
+            <a:ext cx="5143500" cy="2943577"/>
           </a:xfrm>
         </p:spPr>
         <p:txBody>
@@ -177,39 +618,39 @@
           <a:lstStyle>
             <a:lvl1pPr marL="0" indent="0" algn="ctr">
               <a:buNone/>
-              <a:defRPr sz="2400"/>
+              <a:defRPr sz="1800"/>
             </a:lvl1pPr>
-            <a:lvl2pPr marL="457189" indent="0" algn="ctr">
+            <a:lvl2pPr marL="342900" indent="0" algn="ctr">
               <a:buNone/>
-              <a:defRPr sz="2000"/>
+              <a:defRPr sz="1500"/>
             </a:lvl2pPr>
-            <a:lvl3pPr marL="914377" indent="0" algn="ctr">
+            <a:lvl3pPr marL="685800" indent="0" algn="ctr">
               <a:buNone/>
-              <a:defRPr sz="1800"/>
+              <a:defRPr sz="1350"/>
             </a:lvl3pPr>
-            <a:lvl4pPr marL="1371566" indent="0" algn="ctr">
+            <a:lvl4pPr marL="1028700" indent="0" algn="ctr">
               <a:buNone/>
-              <a:defRPr sz="1600"/>
+              <a:defRPr sz="1200"/>
             </a:lvl4pPr>
-            <a:lvl5pPr marL="1828754" indent="0" algn="ctr">
+            <a:lvl5pPr marL="1371600" indent="0" algn="ctr">
               <a:buNone/>
-              <a:defRPr sz="1600"/>
+              <a:defRPr sz="1200"/>
             </a:lvl5pPr>
-            <a:lvl6pPr marL="2285943" indent="0" algn="ctr">
+            <a:lvl6pPr marL="1714500" indent="0" algn="ctr">
               <a:buNone/>
-              <a:defRPr sz="1600"/>
+              <a:defRPr sz="1200"/>
             </a:lvl6pPr>
-            <a:lvl7pPr marL="2743131" indent="0" algn="ctr">
+            <a:lvl7pPr marL="2057400" indent="0" algn="ctr">
               <a:buNone/>
-              <a:defRPr sz="1600"/>
+              <a:defRPr sz="1200"/>
             </a:lvl7pPr>
-            <a:lvl8pPr marL="3200320" indent="0" algn="ctr">
+            <a:lvl8pPr marL="2400300" indent="0" algn="ctr">
               <a:buNone/>
-              <a:defRPr sz="1600"/>
+              <a:defRPr sz="1200"/>
             </a:lvl8pPr>
-            <a:lvl9pPr marL="3657509" indent="0" algn="ctr">
+            <a:lvl9pPr marL="2743200" indent="0" algn="ctr">
               <a:buNone/>
-              <a:defRPr sz="1600"/>
+              <a:defRPr sz="1200"/>
             </a:lvl9pPr>
           </a:lstStyle>
           <a:p>
@@ -238,7 +679,7 @@
           <a:p>
             <a:fld id="{BA07304A-289A-AD4C-8B4A-00EF3C0F3C79}" type="datetimeFigureOut">
               <a:rPr lang="en-US" smtClean="0"/>
-              <a:t>1/2/20</a:t>
+              <a:t>1/21/20</a:t>
             </a:fld>
             <a:endParaRPr lang="en-US"/>
           </a:p>
@@ -289,7 +730,7 @@
     </p:spTree>
     <p:extLst>
       <p:ext uri="{BB962C8B-B14F-4D97-AF65-F5344CB8AC3E}">
-        <p14:creationId xmlns:p14="http://schemas.microsoft.com/office/powerpoint/2010/main" val="3518164018"/>
+        <p14:creationId xmlns:p14="http://schemas.microsoft.com/office/powerpoint/2010/main" val="3613021814"/>
       </p:ext>
     </p:extLst>
   </p:cSld>
@@ -408,7 +849,7 @@
           <a:p>
             <a:fld id="{BA07304A-289A-AD4C-8B4A-00EF3C0F3C79}" type="datetimeFigureOut">
               <a:rPr lang="en-US" smtClean="0"/>
-              <a:t>1/2/20</a:t>
+              <a:t>1/21/20</a:t>
             </a:fld>
             <a:endParaRPr lang="en-US"/>
           </a:p>
@@ -459,7 +900,7 @@
     </p:spTree>
     <p:extLst>
       <p:ext uri="{BB962C8B-B14F-4D97-AF65-F5344CB8AC3E}">
-        <p14:creationId xmlns:p14="http://schemas.microsoft.com/office/powerpoint/2010/main" val="1357142027"/>
+        <p14:creationId xmlns:p14="http://schemas.microsoft.com/office/powerpoint/2010/main" val="645299039"/>
       </p:ext>
     </p:extLst>
   </p:cSld>
@@ -498,8 +939,8 @@
         </p:nvSpPr>
         <p:spPr>
           <a:xfrm>
-            <a:off x="6543676" y="365126"/>
-            <a:ext cx="1971675" cy="5811838"/>
+            <a:off x="4907757" y="649111"/>
+            <a:ext cx="1478756" cy="10332156"/>
           </a:xfrm>
         </p:spPr>
         <p:txBody>
@@ -526,8 +967,8 @@
         </p:nvSpPr>
         <p:spPr>
           <a:xfrm>
-            <a:off x="628651" y="365126"/>
-            <a:ext cx="5800725" cy="5811838"/>
+            <a:off x="471488" y="649111"/>
+            <a:ext cx="4350544" cy="10332156"/>
           </a:xfrm>
         </p:spPr>
         <p:txBody>
@@ -588,7 +1029,7 @@
           <a:p>
             <a:fld id="{BA07304A-289A-AD4C-8B4A-00EF3C0F3C79}" type="datetimeFigureOut">
               <a:rPr lang="en-US" smtClean="0"/>
-              <a:t>1/2/20</a:t>
+              <a:t>1/21/20</a:t>
             </a:fld>
             <a:endParaRPr lang="en-US"/>
           </a:p>
@@ -639,7 +1080,7 @@
     </p:spTree>
     <p:extLst>
       <p:ext uri="{BB962C8B-B14F-4D97-AF65-F5344CB8AC3E}">
-        <p14:creationId xmlns:p14="http://schemas.microsoft.com/office/powerpoint/2010/main" val="2445296104"/>
+        <p14:creationId xmlns:p14="http://schemas.microsoft.com/office/powerpoint/2010/main" val="3575979487"/>
       </p:ext>
     </p:extLst>
   </p:cSld>
@@ -758,7 +1199,7 @@
           <a:p>
             <a:fld id="{BA07304A-289A-AD4C-8B4A-00EF3C0F3C79}" type="datetimeFigureOut">
               <a:rPr lang="en-US" smtClean="0"/>
-              <a:t>1/2/20</a:t>
+              <a:t>1/21/20</a:t>
             </a:fld>
             <a:endParaRPr lang="en-US"/>
           </a:p>
@@ -809,7 +1250,7 @@
     </p:spTree>
     <p:extLst>
       <p:ext uri="{BB962C8B-B14F-4D97-AF65-F5344CB8AC3E}">
-        <p14:creationId xmlns:p14="http://schemas.microsoft.com/office/powerpoint/2010/main" val="2245068069"/>
+        <p14:creationId xmlns:p14="http://schemas.microsoft.com/office/powerpoint/2010/main" val="607318454"/>
       </p:ext>
     </p:extLst>
   </p:cSld>
@@ -848,15 +1289,15 @@
         </p:nvSpPr>
         <p:spPr>
           <a:xfrm>
-            <a:off x="623889" y="1709740"/>
-            <a:ext cx="7886700" cy="2852737"/>
+            <a:off x="467916" y="3039537"/>
+            <a:ext cx="5915025" cy="5071532"/>
           </a:xfrm>
         </p:spPr>
         <p:txBody>
           <a:bodyPr anchor="b"/>
           <a:lstStyle>
             <a:lvl1pPr>
-              <a:defRPr sz="6000"/>
+              <a:defRPr sz="4500"/>
             </a:lvl1pPr>
           </a:lstStyle>
           <a:p>
@@ -880,8 +1321,8 @@
         </p:nvSpPr>
         <p:spPr>
           <a:xfrm>
-            <a:off x="623889" y="4589465"/>
-            <a:ext cx="7886700" cy="1500187"/>
+            <a:off x="467916" y="8159048"/>
+            <a:ext cx="5915025" cy="2666999"/>
           </a:xfrm>
         </p:spPr>
         <p:txBody>
@@ -889,15 +1330,15 @@
           <a:lstStyle>
             <a:lvl1pPr marL="0" indent="0">
               <a:buNone/>
-              <a:defRPr sz="2400">
+              <a:defRPr sz="1800">
                 <a:solidFill>
                   <a:schemeClr val="tx1"/>
                 </a:solidFill>
               </a:defRPr>
             </a:lvl1pPr>
-            <a:lvl2pPr marL="457189" indent="0">
+            <a:lvl2pPr marL="342900" indent="0">
               <a:buNone/>
-              <a:defRPr sz="2000">
+              <a:defRPr sz="1500">
                 <a:solidFill>
                   <a:schemeClr val="tx1">
                     <a:tint val="75000"/>
@@ -905,9 +1346,9 @@
                 </a:solidFill>
               </a:defRPr>
             </a:lvl2pPr>
-            <a:lvl3pPr marL="914377" indent="0">
+            <a:lvl3pPr marL="685800" indent="0">
               <a:buNone/>
-              <a:defRPr sz="1800">
+              <a:defRPr sz="1350">
                 <a:solidFill>
                   <a:schemeClr val="tx1">
                     <a:tint val="75000"/>
@@ -915,9 +1356,9 @@
                 </a:solidFill>
               </a:defRPr>
             </a:lvl3pPr>
-            <a:lvl4pPr marL="1371566" indent="0">
+            <a:lvl4pPr marL="1028700" indent="0">
               <a:buNone/>
-              <a:defRPr sz="1600">
+              <a:defRPr sz="1200">
                 <a:solidFill>
                   <a:schemeClr val="tx1">
                     <a:tint val="75000"/>
@@ -925,9 +1366,9 @@
                 </a:solidFill>
               </a:defRPr>
             </a:lvl4pPr>
-            <a:lvl5pPr marL="1828754" indent="0">
+            <a:lvl5pPr marL="1371600" indent="0">
               <a:buNone/>
-              <a:defRPr sz="1600">
+              <a:defRPr sz="1200">
                 <a:solidFill>
                   <a:schemeClr val="tx1">
                     <a:tint val="75000"/>
@@ -935,9 +1376,9 @@
                 </a:solidFill>
               </a:defRPr>
             </a:lvl5pPr>
-            <a:lvl6pPr marL="2285943" indent="0">
+            <a:lvl6pPr marL="1714500" indent="0">
               <a:buNone/>
-              <a:defRPr sz="1600">
+              <a:defRPr sz="1200">
                 <a:solidFill>
                   <a:schemeClr val="tx1">
                     <a:tint val="75000"/>
@@ -945,9 +1386,9 @@
                 </a:solidFill>
               </a:defRPr>
             </a:lvl6pPr>
-            <a:lvl7pPr marL="2743131" indent="0">
+            <a:lvl7pPr marL="2057400" indent="0">
               <a:buNone/>
-              <a:defRPr sz="1600">
+              <a:defRPr sz="1200">
                 <a:solidFill>
                   <a:schemeClr val="tx1">
                     <a:tint val="75000"/>
@@ -955,9 +1396,9 @@
                 </a:solidFill>
               </a:defRPr>
             </a:lvl7pPr>
-            <a:lvl8pPr marL="3200320" indent="0">
+            <a:lvl8pPr marL="2400300" indent="0">
               <a:buNone/>
-              <a:defRPr sz="1600">
+              <a:defRPr sz="1200">
                 <a:solidFill>
                   <a:schemeClr val="tx1">
                     <a:tint val="75000"/>
@@ -965,9 +1406,9 @@
                 </a:solidFill>
               </a:defRPr>
             </a:lvl8pPr>
-            <a:lvl9pPr marL="3657509" indent="0">
+            <a:lvl9pPr marL="2743200" indent="0">
               <a:buNone/>
-              <a:defRPr sz="1600">
+              <a:defRPr sz="1200">
                 <a:solidFill>
                   <a:schemeClr val="tx1">
                     <a:tint val="75000"/>
@@ -1002,7 +1443,7 @@
           <a:p>
             <a:fld id="{BA07304A-289A-AD4C-8B4A-00EF3C0F3C79}" type="datetimeFigureOut">
               <a:rPr lang="en-US" smtClean="0"/>
-              <a:t>1/2/20</a:t>
+              <a:t>1/21/20</a:t>
             </a:fld>
             <a:endParaRPr lang="en-US"/>
           </a:p>
@@ -1053,7 +1494,7 @@
     </p:spTree>
     <p:extLst>
       <p:ext uri="{BB962C8B-B14F-4D97-AF65-F5344CB8AC3E}">
-        <p14:creationId xmlns:p14="http://schemas.microsoft.com/office/powerpoint/2010/main" val="36720512"/>
+        <p14:creationId xmlns:p14="http://schemas.microsoft.com/office/powerpoint/2010/main" val="670754140"/>
       </p:ext>
     </p:extLst>
   </p:cSld>
@@ -1115,8 +1556,8 @@
         </p:nvSpPr>
         <p:spPr>
           <a:xfrm>
-            <a:off x="628651" y="1825625"/>
-            <a:ext cx="3886200" cy="4351338"/>
+            <a:off x="471488" y="3245556"/>
+            <a:ext cx="2914650" cy="7735712"/>
           </a:xfrm>
         </p:spPr>
         <p:txBody>
@@ -1172,8 +1613,8 @@
         </p:nvSpPr>
         <p:spPr>
           <a:xfrm>
-            <a:off x="4629151" y="1825625"/>
-            <a:ext cx="3886200" cy="4351338"/>
+            <a:off x="3471863" y="3245556"/>
+            <a:ext cx="2914650" cy="7735712"/>
           </a:xfrm>
         </p:spPr>
         <p:txBody>
@@ -1234,7 +1675,7 @@
           <a:p>
             <a:fld id="{BA07304A-289A-AD4C-8B4A-00EF3C0F3C79}" type="datetimeFigureOut">
               <a:rPr lang="en-US" smtClean="0"/>
-              <a:t>1/2/20</a:t>
+              <a:t>1/21/20</a:t>
             </a:fld>
             <a:endParaRPr lang="en-US"/>
           </a:p>
@@ -1285,7 +1726,7 @@
     </p:spTree>
     <p:extLst>
       <p:ext uri="{BB962C8B-B14F-4D97-AF65-F5344CB8AC3E}">
-        <p14:creationId xmlns:p14="http://schemas.microsoft.com/office/powerpoint/2010/main" val="2890600681"/>
+        <p14:creationId xmlns:p14="http://schemas.microsoft.com/office/powerpoint/2010/main" val="3170402697"/>
       </p:ext>
     </p:extLst>
   </p:cSld>
@@ -1324,8 +1765,8 @@
         </p:nvSpPr>
         <p:spPr>
           <a:xfrm>
-            <a:off x="629842" y="365127"/>
-            <a:ext cx="7886700" cy="1325563"/>
+            <a:off x="472381" y="649114"/>
+            <a:ext cx="5915025" cy="2356556"/>
           </a:xfrm>
         </p:spPr>
         <p:txBody>
@@ -1352,8 +1793,8 @@
         </p:nvSpPr>
         <p:spPr>
           <a:xfrm>
-            <a:off x="629842" y="1681164"/>
-            <a:ext cx="3868340" cy="823912"/>
+            <a:off x="472381" y="2988734"/>
+            <a:ext cx="2901255" cy="1464732"/>
           </a:xfrm>
         </p:spPr>
         <p:txBody>
@@ -1361,39 +1802,39 @@
           <a:lstStyle>
             <a:lvl1pPr marL="0" indent="0">
               <a:buNone/>
-              <a:defRPr sz="2400" b="1"/>
+              <a:defRPr sz="1800" b="1"/>
             </a:lvl1pPr>
-            <a:lvl2pPr marL="457189" indent="0">
+            <a:lvl2pPr marL="342900" indent="0">
               <a:buNone/>
-              <a:defRPr sz="2000" b="1"/>
+              <a:defRPr sz="1500" b="1"/>
             </a:lvl2pPr>
-            <a:lvl3pPr marL="914377" indent="0">
+            <a:lvl3pPr marL="685800" indent="0">
               <a:buNone/>
-              <a:defRPr sz="1800" b="1"/>
+              <a:defRPr sz="1350" b="1"/>
             </a:lvl3pPr>
-            <a:lvl4pPr marL="1371566" indent="0">
+            <a:lvl4pPr marL="1028700" indent="0">
               <a:buNone/>
-              <a:defRPr sz="1600" b="1"/>
+              <a:defRPr sz="1200" b="1"/>
             </a:lvl4pPr>
-            <a:lvl5pPr marL="1828754" indent="0">
+            <a:lvl5pPr marL="1371600" indent="0">
               <a:buNone/>
-              <a:defRPr sz="1600" b="1"/>
+              <a:defRPr sz="1200" b="1"/>
             </a:lvl5pPr>
-            <a:lvl6pPr marL="2285943" indent="0">
+            <a:lvl6pPr marL="1714500" indent="0">
               <a:buNone/>
-              <a:defRPr sz="1600" b="1"/>
+              <a:defRPr sz="1200" b="1"/>
             </a:lvl6pPr>
-            <a:lvl7pPr marL="2743131" indent="0">
+            <a:lvl7pPr marL="2057400" indent="0">
               <a:buNone/>
-              <a:defRPr sz="1600" b="1"/>
+              <a:defRPr sz="1200" b="1"/>
             </a:lvl7pPr>
-            <a:lvl8pPr marL="3200320" indent="0">
+            <a:lvl8pPr marL="2400300" indent="0">
               <a:buNone/>
-              <a:defRPr sz="1600" b="1"/>
+              <a:defRPr sz="1200" b="1"/>
             </a:lvl8pPr>
-            <a:lvl9pPr marL="3657509" indent="0">
+            <a:lvl9pPr marL="2743200" indent="0">
               <a:buNone/>
-              <a:defRPr sz="1600" b="1"/>
+              <a:defRPr sz="1200" b="1"/>
             </a:lvl9pPr>
           </a:lstStyle>
           <a:p>
@@ -1417,8 +1858,8 @@
         </p:nvSpPr>
         <p:spPr>
           <a:xfrm>
-            <a:off x="629842" y="2505075"/>
-            <a:ext cx="3868340" cy="3684588"/>
+            <a:off x="472381" y="4453467"/>
+            <a:ext cx="2901255" cy="6550379"/>
           </a:xfrm>
         </p:spPr>
         <p:txBody>
@@ -1474,8 +1915,8 @@
         </p:nvSpPr>
         <p:spPr>
           <a:xfrm>
-            <a:off x="4629151" y="1681164"/>
-            <a:ext cx="3887391" cy="823912"/>
+            <a:off x="3471863" y="2988734"/>
+            <a:ext cx="2915543" cy="1464732"/>
           </a:xfrm>
         </p:spPr>
         <p:txBody>
@@ -1483,39 +1924,39 @@
           <a:lstStyle>
             <a:lvl1pPr marL="0" indent="0">
               <a:buNone/>
-              <a:defRPr sz="2400" b="1"/>
+              <a:defRPr sz="1800" b="1"/>
             </a:lvl1pPr>
-            <a:lvl2pPr marL="457189" indent="0">
+            <a:lvl2pPr marL="342900" indent="0">
               <a:buNone/>
-              <a:defRPr sz="2000" b="1"/>
+              <a:defRPr sz="1500" b="1"/>
             </a:lvl2pPr>
-            <a:lvl3pPr marL="914377" indent="0">
+            <a:lvl3pPr marL="685800" indent="0">
               <a:buNone/>
-              <a:defRPr sz="1800" b="1"/>
+              <a:defRPr sz="1350" b="1"/>
             </a:lvl3pPr>
-            <a:lvl4pPr marL="1371566" indent="0">
+            <a:lvl4pPr marL="1028700" indent="0">
               <a:buNone/>
-              <a:defRPr sz="1600" b="1"/>
+              <a:defRPr sz="1200" b="1"/>
             </a:lvl4pPr>
-            <a:lvl5pPr marL="1828754" indent="0">
+            <a:lvl5pPr marL="1371600" indent="0">
               <a:buNone/>
-              <a:defRPr sz="1600" b="1"/>
+              <a:defRPr sz="1200" b="1"/>
             </a:lvl5pPr>
-            <a:lvl6pPr marL="2285943" indent="0">
+            <a:lvl6pPr marL="1714500" indent="0">
               <a:buNone/>
-              <a:defRPr sz="1600" b="1"/>
+              <a:defRPr sz="1200" b="1"/>
             </a:lvl6pPr>
-            <a:lvl7pPr marL="2743131" indent="0">
+            <a:lvl7pPr marL="2057400" indent="0">
               <a:buNone/>
-              <a:defRPr sz="1600" b="1"/>
+              <a:defRPr sz="1200" b="1"/>
             </a:lvl7pPr>
-            <a:lvl8pPr marL="3200320" indent="0">
+            <a:lvl8pPr marL="2400300" indent="0">
               <a:buNone/>
-              <a:defRPr sz="1600" b="1"/>
+              <a:defRPr sz="1200" b="1"/>
             </a:lvl8pPr>
-            <a:lvl9pPr marL="3657509" indent="0">
+            <a:lvl9pPr marL="2743200" indent="0">
               <a:buNone/>
-              <a:defRPr sz="1600" b="1"/>
+              <a:defRPr sz="1200" b="1"/>
             </a:lvl9pPr>
           </a:lstStyle>
           <a:p>
@@ -1539,8 +1980,8 @@
         </p:nvSpPr>
         <p:spPr>
           <a:xfrm>
-            <a:off x="4629151" y="2505075"/>
-            <a:ext cx="3887391" cy="3684588"/>
+            <a:off x="3471863" y="4453467"/>
+            <a:ext cx="2915543" cy="6550379"/>
           </a:xfrm>
         </p:spPr>
         <p:txBody>
@@ -1601,7 +2042,7 @@
           <a:p>
             <a:fld id="{BA07304A-289A-AD4C-8B4A-00EF3C0F3C79}" type="datetimeFigureOut">
               <a:rPr lang="en-US" smtClean="0"/>
-              <a:t>1/2/20</a:t>
+              <a:t>1/21/20</a:t>
             </a:fld>
             <a:endParaRPr lang="en-US"/>
           </a:p>
@@ -1652,7 +2093,7 @@
     </p:spTree>
     <p:extLst>
       <p:ext uri="{BB962C8B-B14F-4D97-AF65-F5344CB8AC3E}">
-        <p14:creationId xmlns:p14="http://schemas.microsoft.com/office/powerpoint/2010/main" val="3027647239"/>
+        <p14:creationId xmlns:p14="http://schemas.microsoft.com/office/powerpoint/2010/main" val="3222002724"/>
       </p:ext>
     </p:extLst>
   </p:cSld>
@@ -1719,7 +2160,7 @@
           <a:p>
             <a:fld id="{BA07304A-289A-AD4C-8B4A-00EF3C0F3C79}" type="datetimeFigureOut">
               <a:rPr lang="en-US" smtClean="0"/>
-              <a:t>1/2/20</a:t>
+              <a:t>1/21/20</a:t>
             </a:fld>
             <a:endParaRPr lang="en-US"/>
           </a:p>
@@ -1770,7 +2211,7 @@
     </p:spTree>
     <p:extLst>
       <p:ext uri="{BB962C8B-B14F-4D97-AF65-F5344CB8AC3E}">
-        <p14:creationId xmlns:p14="http://schemas.microsoft.com/office/powerpoint/2010/main" val="464579158"/>
+        <p14:creationId xmlns:p14="http://schemas.microsoft.com/office/powerpoint/2010/main" val="860565606"/>
       </p:ext>
     </p:extLst>
   </p:cSld>
@@ -1814,7 +2255,7 @@
           <a:p>
             <a:fld id="{BA07304A-289A-AD4C-8B4A-00EF3C0F3C79}" type="datetimeFigureOut">
               <a:rPr lang="en-US" smtClean="0"/>
-              <a:t>1/2/20</a:t>
+              <a:t>1/21/20</a:t>
             </a:fld>
             <a:endParaRPr lang="en-US"/>
           </a:p>
@@ -1865,7 +2306,7 @@
     </p:spTree>
     <p:extLst>
       <p:ext uri="{BB962C8B-B14F-4D97-AF65-F5344CB8AC3E}">
-        <p14:creationId xmlns:p14="http://schemas.microsoft.com/office/powerpoint/2010/main" val="2973513756"/>
+        <p14:creationId xmlns:p14="http://schemas.microsoft.com/office/powerpoint/2010/main" val="4219122365"/>
       </p:ext>
     </p:extLst>
   </p:cSld>
@@ -1904,15 +2345,15 @@
         </p:nvSpPr>
         <p:spPr>
           <a:xfrm>
-            <a:off x="629841" y="457200"/>
-            <a:ext cx="2949179" cy="1600200"/>
+            <a:off x="472381" y="812800"/>
+            <a:ext cx="2211884" cy="2844800"/>
           </a:xfrm>
         </p:spPr>
         <p:txBody>
           <a:bodyPr anchor="b"/>
           <a:lstStyle>
             <a:lvl1pPr>
-              <a:defRPr sz="3200"/>
+              <a:defRPr sz="2400"/>
             </a:lvl1pPr>
           </a:lstStyle>
           <a:p>
@@ -1936,39 +2377,39 @@
         </p:nvSpPr>
         <p:spPr>
           <a:xfrm>
-            <a:off x="3887391" y="987427"/>
-            <a:ext cx="4629151" cy="4873625"/>
+            <a:off x="2915543" y="1755425"/>
+            <a:ext cx="3471863" cy="8664222"/>
           </a:xfrm>
         </p:spPr>
         <p:txBody>
           <a:bodyPr/>
           <a:lstStyle>
             <a:lvl1pPr>
-              <a:defRPr sz="3200"/>
+              <a:defRPr sz="2400"/>
             </a:lvl1pPr>
             <a:lvl2pPr>
-              <a:defRPr sz="2800"/>
+              <a:defRPr sz="2100"/>
             </a:lvl2pPr>
             <a:lvl3pPr>
-              <a:defRPr sz="2400"/>
+              <a:defRPr sz="1800"/>
             </a:lvl3pPr>
             <a:lvl4pPr>
-              <a:defRPr sz="2000"/>
+              <a:defRPr sz="1500"/>
             </a:lvl4pPr>
             <a:lvl5pPr>
-              <a:defRPr sz="2000"/>
+              <a:defRPr sz="1500"/>
             </a:lvl5pPr>
             <a:lvl6pPr>
-              <a:defRPr sz="2000"/>
+              <a:defRPr sz="1500"/>
             </a:lvl6pPr>
             <a:lvl7pPr>
-              <a:defRPr sz="2000"/>
+              <a:defRPr sz="1500"/>
             </a:lvl7pPr>
             <a:lvl8pPr>
-              <a:defRPr sz="2000"/>
+              <a:defRPr sz="1500"/>
             </a:lvl8pPr>
             <a:lvl9pPr>
-              <a:defRPr sz="2000"/>
+              <a:defRPr sz="1500"/>
             </a:lvl9pPr>
           </a:lstStyle>
           <a:p>
@@ -2021,8 +2462,8 @@
         </p:nvSpPr>
         <p:spPr>
           <a:xfrm>
-            <a:off x="629841" y="2057400"/>
-            <a:ext cx="2949179" cy="3811588"/>
+            <a:off x="472381" y="3657600"/>
+            <a:ext cx="2211884" cy="6776156"/>
           </a:xfrm>
         </p:spPr>
         <p:txBody>
@@ -2030,39 +2471,39 @@
           <a:lstStyle>
             <a:lvl1pPr marL="0" indent="0">
               <a:buNone/>
-              <a:defRPr sz="1600"/>
+              <a:defRPr sz="1200"/>
             </a:lvl1pPr>
-            <a:lvl2pPr marL="457189" indent="0">
+            <a:lvl2pPr marL="342900" indent="0">
               <a:buNone/>
-              <a:defRPr sz="1400"/>
+              <a:defRPr sz="1050"/>
             </a:lvl2pPr>
-            <a:lvl3pPr marL="914377" indent="0">
+            <a:lvl3pPr marL="685800" indent="0">
               <a:buNone/>
-              <a:defRPr sz="1200"/>
+              <a:defRPr sz="900"/>
             </a:lvl3pPr>
-            <a:lvl4pPr marL="1371566" indent="0">
+            <a:lvl4pPr marL="1028700" indent="0">
               <a:buNone/>
-              <a:defRPr sz="1000"/>
+              <a:defRPr sz="750"/>
             </a:lvl4pPr>
-            <a:lvl5pPr marL="1828754" indent="0">
+            <a:lvl5pPr marL="1371600" indent="0">
               <a:buNone/>
-              <a:defRPr sz="1000"/>
+              <a:defRPr sz="750"/>
             </a:lvl5pPr>
-            <a:lvl6pPr marL="2285943" indent="0">
+            <a:lvl6pPr marL="1714500" indent="0">
               <a:buNone/>
-              <a:defRPr sz="1000"/>
+              <a:defRPr sz="750"/>
             </a:lvl6pPr>
-            <a:lvl7pPr marL="2743131" indent="0">
+            <a:lvl7pPr marL="2057400" indent="0">
               <a:buNone/>
-              <a:defRPr sz="1000"/>
+              <a:defRPr sz="750"/>
             </a:lvl7pPr>
-            <a:lvl8pPr marL="3200320" indent="0">
+            <a:lvl8pPr marL="2400300" indent="0">
               <a:buNone/>
-              <a:defRPr sz="1000"/>
+              <a:defRPr sz="750"/>
             </a:lvl8pPr>
-            <a:lvl9pPr marL="3657509" indent="0">
+            <a:lvl9pPr marL="2743200" indent="0">
               <a:buNone/>
-              <a:defRPr sz="1000"/>
+              <a:defRPr sz="750"/>
             </a:lvl9pPr>
           </a:lstStyle>
           <a:p>
@@ -2091,7 +2532,7 @@
           <a:p>
             <a:fld id="{BA07304A-289A-AD4C-8B4A-00EF3C0F3C79}" type="datetimeFigureOut">
               <a:rPr lang="en-US" smtClean="0"/>
-              <a:t>1/2/20</a:t>
+              <a:t>1/21/20</a:t>
             </a:fld>
             <a:endParaRPr lang="en-US"/>
           </a:p>
@@ -2142,7 +2583,7 @@
     </p:spTree>
     <p:extLst>
       <p:ext uri="{BB962C8B-B14F-4D97-AF65-F5344CB8AC3E}">
-        <p14:creationId xmlns:p14="http://schemas.microsoft.com/office/powerpoint/2010/main" val="2738675538"/>
+        <p14:creationId xmlns:p14="http://schemas.microsoft.com/office/powerpoint/2010/main" val="3944682310"/>
       </p:ext>
     </p:extLst>
   </p:cSld>
@@ -2181,15 +2622,15 @@
         </p:nvSpPr>
         <p:spPr>
           <a:xfrm>
-            <a:off x="629841" y="457200"/>
-            <a:ext cx="2949179" cy="1600200"/>
+            <a:off x="472381" y="812800"/>
+            <a:ext cx="2211884" cy="2844800"/>
           </a:xfrm>
         </p:spPr>
         <p:txBody>
           <a:bodyPr anchor="b"/>
           <a:lstStyle>
             <a:lvl1pPr>
-              <a:defRPr sz="3200"/>
+              <a:defRPr sz="2400"/>
             </a:lvl1pPr>
           </a:lstStyle>
           <a:p>
@@ -2213,8 +2654,8 @@
         </p:nvSpPr>
         <p:spPr>
           <a:xfrm>
-            <a:off x="3887391" y="987427"/>
-            <a:ext cx="4629151" cy="4873625"/>
+            <a:off x="2915543" y="1755425"/>
+            <a:ext cx="3471863" cy="8664222"/>
           </a:xfrm>
         </p:spPr>
         <p:txBody>
@@ -2222,39 +2663,39 @@
           <a:lstStyle>
             <a:lvl1pPr marL="0" indent="0">
               <a:buNone/>
-              <a:defRPr sz="3200"/>
+              <a:defRPr sz="2400"/>
             </a:lvl1pPr>
-            <a:lvl2pPr marL="457189" indent="0">
+            <a:lvl2pPr marL="342900" indent="0">
               <a:buNone/>
-              <a:defRPr sz="2800"/>
+              <a:defRPr sz="2100"/>
             </a:lvl2pPr>
-            <a:lvl3pPr marL="914377" indent="0">
+            <a:lvl3pPr marL="685800" indent="0">
               <a:buNone/>
-              <a:defRPr sz="2400"/>
+              <a:defRPr sz="1800"/>
             </a:lvl3pPr>
-            <a:lvl4pPr marL="1371566" indent="0">
+            <a:lvl4pPr marL="1028700" indent="0">
               <a:buNone/>
-              <a:defRPr sz="2000"/>
+              <a:defRPr sz="1500"/>
             </a:lvl4pPr>
-            <a:lvl5pPr marL="1828754" indent="0">
+            <a:lvl5pPr marL="1371600" indent="0">
               <a:buNone/>
-              <a:defRPr sz="2000"/>
+              <a:defRPr sz="1500"/>
             </a:lvl5pPr>
-            <a:lvl6pPr marL="2285943" indent="0">
+            <a:lvl6pPr marL="1714500" indent="0">
               <a:buNone/>
-              <a:defRPr sz="2000"/>
+              <a:defRPr sz="1500"/>
             </a:lvl6pPr>
-            <a:lvl7pPr marL="2743131" indent="0">
+            <a:lvl7pPr marL="2057400" indent="0">
               <a:buNone/>
-              <a:defRPr sz="2000"/>
+              <a:defRPr sz="1500"/>
             </a:lvl7pPr>
-            <a:lvl8pPr marL="3200320" indent="0">
+            <a:lvl8pPr marL="2400300" indent="0">
               <a:buNone/>
-              <a:defRPr sz="2000"/>
+              <a:defRPr sz="1500"/>
             </a:lvl8pPr>
-            <a:lvl9pPr marL="3657509" indent="0">
+            <a:lvl9pPr marL="2743200" indent="0">
               <a:buNone/>
-              <a:defRPr sz="2000"/>
+              <a:defRPr sz="1500"/>
             </a:lvl9pPr>
           </a:lstStyle>
           <a:p>
@@ -2278,8 +2719,8 @@
         </p:nvSpPr>
         <p:spPr>
           <a:xfrm>
-            <a:off x="629841" y="2057400"/>
-            <a:ext cx="2949179" cy="3811588"/>
+            <a:off x="472381" y="3657600"/>
+            <a:ext cx="2211884" cy="6776156"/>
           </a:xfrm>
         </p:spPr>
         <p:txBody>
@@ -2287,39 +2728,39 @@
           <a:lstStyle>
             <a:lvl1pPr marL="0" indent="0">
               <a:buNone/>
-              <a:defRPr sz="1600"/>
+              <a:defRPr sz="1200"/>
             </a:lvl1pPr>
-            <a:lvl2pPr marL="457189" indent="0">
+            <a:lvl2pPr marL="342900" indent="0">
               <a:buNone/>
-              <a:defRPr sz="1400"/>
+              <a:defRPr sz="1050"/>
             </a:lvl2pPr>
-            <a:lvl3pPr marL="914377" indent="0">
+            <a:lvl3pPr marL="685800" indent="0">
               <a:buNone/>
-              <a:defRPr sz="1200"/>
+              <a:defRPr sz="900"/>
             </a:lvl3pPr>
-            <a:lvl4pPr marL="1371566" indent="0">
+            <a:lvl4pPr marL="1028700" indent="0">
               <a:buNone/>
-              <a:defRPr sz="1000"/>
+              <a:defRPr sz="750"/>
             </a:lvl4pPr>
-            <a:lvl5pPr marL="1828754" indent="0">
+            <a:lvl5pPr marL="1371600" indent="0">
               <a:buNone/>
-              <a:defRPr sz="1000"/>
+              <a:defRPr sz="750"/>
             </a:lvl5pPr>
-            <a:lvl6pPr marL="2285943" indent="0">
+            <a:lvl6pPr marL="1714500" indent="0">
               <a:buNone/>
-              <a:defRPr sz="1000"/>
+              <a:defRPr sz="750"/>
             </a:lvl6pPr>
-            <a:lvl7pPr marL="2743131" indent="0">
+            <a:lvl7pPr marL="2057400" indent="0">
               <a:buNone/>
-              <a:defRPr sz="1000"/>
+              <a:defRPr sz="750"/>
             </a:lvl7pPr>
-            <a:lvl8pPr marL="3200320" indent="0">
+            <a:lvl8pPr marL="2400300" indent="0">
               <a:buNone/>
-              <a:defRPr sz="1000"/>
+              <a:defRPr sz="750"/>
             </a:lvl8pPr>
-            <a:lvl9pPr marL="3657509" indent="0">
+            <a:lvl9pPr marL="2743200" indent="0">
               <a:buNone/>
-              <a:defRPr sz="1000"/>
+              <a:defRPr sz="750"/>
             </a:lvl9pPr>
           </a:lstStyle>
           <a:p>
@@ -2348,7 +2789,7 @@
           <a:p>
             <a:fld id="{BA07304A-289A-AD4C-8B4A-00EF3C0F3C79}" type="datetimeFigureOut">
               <a:rPr lang="en-US" smtClean="0"/>
-              <a:t>1/2/20</a:t>
+              <a:t>1/21/20</a:t>
             </a:fld>
             <a:endParaRPr lang="en-US"/>
           </a:p>
@@ -2399,7 +2840,7 @@
     </p:spTree>
     <p:extLst>
       <p:ext uri="{BB962C8B-B14F-4D97-AF65-F5344CB8AC3E}">
-        <p14:creationId xmlns:p14="http://schemas.microsoft.com/office/powerpoint/2010/main" val="2693081864"/>
+        <p14:creationId xmlns:p14="http://schemas.microsoft.com/office/powerpoint/2010/main" val="2152961202"/>
       </p:ext>
     </p:extLst>
   </p:cSld>
@@ -2443,8 +2884,8 @@
         </p:nvSpPr>
         <p:spPr>
           <a:xfrm>
-            <a:off x="628651" y="365127"/>
-            <a:ext cx="7886700" cy="1325563"/>
+            <a:off x="471488" y="649114"/>
+            <a:ext cx="5915025" cy="2356556"/>
           </a:xfrm>
           <a:prstGeom prst="rect">
             <a:avLst/>
@@ -2476,8 +2917,8 @@
         </p:nvSpPr>
         <p:spPr>
           <a:xfrm>
-            <a:off x="628651" y="1825625"/>
-            <a:ext cx="7886700" cy="4351338"/>
+            <a:off x="471488" y="3245556"/>
+            <a:ext cx="5915025" cy="7735712"/>
           </a:xfrm>
           <a:prstGeom prst="rect">
             <a:avLst/>
@@ -2538,8 +2979,8 @@
         </p:nvSpPr>
         <p:spPr>
           <a:xfrm>
-            <a:off x="628651" y="6356352"/>
-            <a:ext cx="2057400" cy="365125"/>
+            <a:off x="471488" y="11300181"/>
+            <a:ext cx="1543050" cy="649111"/>
           </a:xfrm>
           <a:prstGeom prst="rect">
             <a:avLst/>
@@ -2549,7 +2990,7 @@
           <a:bodyPr vert="horz" lIns="91440" tIns="45720" rIns="91440" bIns="45720" rtlCol="0" anchor="ctr"/>
           <a:lstStyle>
             <a:lvl1pPr algn="l">
-              <a:defRPr sz="1200">
+              <a:defRPr sz="900">
                 <a:solidFill>
                   <a:schemeClr val="tx1">
                     <a:tint val="75000"/>
@@ -2561,7 +3002,7 @@
           <a:p>
             <a:fld id="{BA07304A-289A-AD4C-8B4A-00EF3C0F3C79}" type="datetimeFigureOut">
               <a:rPr lang="en-US" smtClean="0"/>
-              <a:t>1/2/20</a:t>
+              <a:t>1/21/20</a:t>
             </a:fld>
             <a:endParaRPr lang="en-US"/>
           </a:p>
@@ -2579,8 +3020,8 @@
         </p:nvSpPr>
         <p:spPr>
           <a:xfrm>
-            <a:off x="3028951" y="6356352"/>
-            <a:ext cx="3086100" cy="365125"/>
+            <a:off x="2271713" y="11300181"/>
+            <a:ext cx="2314575" cy="649111"/>
           </a:xfrm>
           <a:prstGeom prst="rect">
             <a:avLst/>
@@ -2590,7 +3031,7 @@
           <a:bodyPr vert="horz" lIns="91440" tIns="45720" rIns="91440" bIns="45720" rtlCol="0" anchor="ctr"/>
           <a:lstStyle>
             <a:lvl1pPr algn="ctr">
-              <a:defRPr sz="1200">
+              <a:defRPr sz="900">
                 <a:solidFill>
                   <a:schemeClr val="tx1">
                     <a:tint val="75000"/>
@@ -2616,8 +3057,8 @@
         </p:nvSpPr>
         <p:spPr>
           <a:xfrm>
-            <a:off x="6457951" y="6356352"/>
-            <a:ext cx="2057400" cy="365125"/>
+            <a:off x="4843463" y="11300181"/>
+            <a:ext cx="1543050" cy="649111"/>
           </a:xfrm>
           <a:prstGeom prst="rect">
             <a:avLst/>
@@ -2627,7 +3068,7 @@
           <a:bodyPr vert="horz" lIns="91440" tIns="45720" rIns="91440" bIns="45720" rtlCol="0" anchor="ctr"/>
           <a:lstStyle>
             <a:lvl1pPr algn="r">
-              <a:defRPr sz="1200">
+              <a:defRPr sz="900">
                 <a:solidFill>
                   <a:schemeClr val="tx1">
                     <a:tint val="75000"/>
@@ -2648,27 +3089,27 @@
     </p:spTree>
     <p:extLst>
       <p:ext uri="{BB962C8B-B14F-4D97-AF65-F5344CB8AC3E}">
-        <p14:creationId xmlns:p14="http://schemas.microsoft.com/office/powerpoint/2010/main" val="456072269"/>
+        <p14:creationId xmlns:p14="http://schemas.microsoft.com/office/powerpoint/2010/main" val="475953587"/>
       </p:ext>
     </p:extLst>
   </p:cSld>
   <p:clrMap bg1="lt1" tx1="dk1" bg2="lt2" tx2="dk2" accent1="accent1" accent2="accent2" accent3="accent3" accent4="accent4" accent5="accent5" accent6="accent6" hlink="hlink" folHlink="folHlink"/>
   <p:sldLayoutIdLst>
-    <p:sldLayoutId id="2147483661" r:id="rId1"/>
-    <p:sldLayoutId id="2147483662" r:id="rId2"/>
-    <p:sldLayoutId id="2147483663" r:id="rId3"/>
-    <p:sldLayoutId id="2147483664" r:id="rId4"/>
-    <p:sldLayoutId id="2147483665" r:id="rId5"/>
-    <p:sldLayoutId id="2147483666" r:id="rId6"/>
-    <p:sldLayoutId id="2147483667" r:id="rId7"/>
-    <p:sldLayoutId id="2147483668" r:id="rId8"/>
-    <p:sldLayoutId id="2147483669" r:id="rId9"/>
-    <p:sldLayoutId id="2147483670" r:id="rId10"/>
-    <p:sldLayoutId id="2147483671" r:id="rId11"/>
+    <p:sldLayoutId id="2147483673" r:id="rId1"/>
+    <p:sldLayoutId id="2147483674" r:id="rId2"/>
+    <p:sldLayoutId id="2147483675" r:id="rId3"/>
+    <p:sldLayoutId id="2147483676" r:id="rId4"/>
+    <p:sldLayoutId id="2147483677" r:id="rId5"/>
+    <p:sldLayoutId id="2147483678" r:id="rId6"/>
+    <p:sldLayoutId id="2147483679" r:id="rId7"/>
+    <p:sldLayoutId id="2147483680" r:id="rId8"/>
+    <p:sldLayoutId id="2147483681" r:id="rId9"/>
+    <p:sldLayoutId id="2147483682" r:id="rId10"/>
+    <p:sldLayoutId id="2147483683" r:id="rId11"/>
   </p:sldLayoutIdLst>
   <p:txStyles>
     <p:titleStyle>
-      <a:lvl1pPr algn="l" defTabSz="914377" rtl="0" eaLnBrk="1" latinLnBrk="0" hangingPunct="1">
+      <a:lvl1pPr algn="l" defTabSz="685800" rtl="0" eaLnBrk="1" latinLnBrk="0" hangingPunct="1">
         <a:lnSpc>
           <a:spcPct val="90000"/>
         </a:lnSpc>
@@ -2676,7 +3117,7 @@
           <a:spcPct val="0"/>
         </a:spcBef>
         <a:buNone/>
-        <a:defRPr sz="4400" kern="1200">
+        <a:defRPr sz="3300" kern="1200">
           <a:solidFill>
             <a:schemeClr val="tx1"/>
           </a:solidFill>
@@ -2687,16 +3128,16 @@
       </a:lvl1pPr>
     </p:titleStyle>
     <p:bodyStyle>
-      <a:lvl1pPr marL="228594" indent="-228594" algn="l" defTabSz="914377" rtl="0" eaLnBrk="1" latinLnBrk="0" hangingPunct="1">
+      <a:lvl1pPr marL="171450" indent="-171450" algn="l" defTabSz="685800" rtl="0" eaLnBrk="1" latinLnBrk="0" hangingPunct="1">
         <a:lnSpc>
           <a:spcPct val="90000"/>
         </a:lnSpc>
         <a:spcBef>
-          <a:spcPts val="1000"/>
+          <a:spcPts val="750"/>
         </a:spcBef>
         <a:buFont typeface="Arial" panose="020B0604020202020204" pitchFamily="34" charset="0"/>
         <a:buChar char="•"/>
-        <a:defRPr sz="2800" kern="1200">
+        <a:defRPr sz="2100" kern="1200">
           <a:solidFill>
             <a:schemeClr val="tx1"/>
           </a:solidFill>
@@ -2705,48 +3146,12 @@
           <a:cs typeface="+mn-cs"/>
         </a:defRPr>
       </a:lvl1pPr>
-      <a:lvl2pPr marL="685783" indent="-228594" algn="l" defTabSz="914377" rtl="0" eaLnBrk="1" latinLnBrk="0" hangingPunct="1">
+      <a:lvl2pPr marL="514350" indent="-171450" algn="l" defTabSz="685800" rtl="0" eaLnBrk="1" latinLnBrk="0" hangingPunct="1">
         <a:lnSpc>
           <a:spcPct val="90000"/>
         </a:lnSpc>
         <a:spcBef>
-          <a:spcPts val="500"/>
-        </a:spcBef>
-        <a:buFont typeface="Arial" panose="020B0604020202020204" pitchFamily="34" charset="0"/>
-        <a:buChar char="•"/>
-        <a:defRPr sz="2400" kern="1200">
-          <a:solidFill>
-            <a:schemeClr val="tx1"/>
-          </a:solidFill>
-          <a:latin typeface="+mn-lt"/>
-          <a:ea typeface="+mn-ea"/>
-          <a:cs typeface="+mn-cs"/>
-        </a:defRPr>
-      </a:lvl2pPr>
-      <a:lvl3pPr marL="1142971" indent="-228594" algn="l" defTabSz="914377" rtl="0" eaLnBrk="1" latinLnBrk="0" hangingPunct="1">
-        <a:lnSpc>
-          <a:spcPct val="90000"/>
-        </a:lnSpc>
-        <a:spcBef>
-          <a:spcPts val="500"/>
-        </a:spcBef>
-        <a:buFont typeface="Arial" panose="020B0604020202020204" pitchFamily="34" charset="0"/>
-        <a:buChar char="•"/>
-        <a:defRPr sz="2000" kern="1200">
-          <a:solidFill>
-            <a:schemeClr val="tx1"/>
-          </a:solidFill>
-          <a:latin typeface="+mn-lt"/>
-          <a:ea typeface="+mn-ea"/>
-          <a:cs typeface="+mn-cs"/>
-        </a:defRPr>
-      </a:lvl3pPr>
-      <a:lvl4pPr marL="1600160" indent="-228594" algn="l" defTabSz="914377" rtl="0" eaLnBrk="1" latinLnBrk="0" hangingPunct="1">
-        <a:lnSpc>
-          <a:spcPct val="90000"/>
-        </a:lnSpc>
-        <a:spcBef>
-          <a:spcPts val="500"/>
+          <a:spcPts val="375"/>
         </a:spcBef>
         <a:buFont typeface="Arial" panose="020B0604020202020204" pitchFamily="34" charset="0"/>
         <a:buChar char="•"/>
@@ -2758,17 +3163,53 @@
           <a:ea typeface="+mn-ea"/>
           <a:cs typeface="+mn-cs"/>
         </a:defRPr>
-      </a:lvl4pPr>
-      <a:lvl5pPr marL="2057349" indent="-228594" algn="l" defTabSz="914377" rtl="0" eaLnBrk="1" latinLnBrk="0" hangingPunct="1">
+      </a:lvl2pPr>
+      <a:lvl3pPr marL="857250" indent="-171450" algn="l" defTabSz="685800" rtl="0" eaLnBrk="1" latinLnBrk="0" hangingPunct="1">
         <a:lnSpc>
           <a:spcPct val="90000"/>
         </a:lnSpc>
         <a:spcBef>
-          <a:spcPts val="500"/>
+          <a:spcPts val="375"/>
         </a:spcBef>
         <a:buFont typeface="Arial" panose="020B0604020202020204" pitchFamily="34" charset="0"/>
         <a:buChar char="•"/>
-        <a:defRPr sz="1800" kern="1200">
+        <a:defRPr sz="1500" kern="1200">
+          <a:solidFill>
+            <a:schemeClr val="tx1"/>
+          </a:solidFill>
+          <a:latin typeface="+mn-lt"/>
+          <a:ea typeface="+mn-ea"/>
+          <a:cs typeface="+mn-cs"/>
+        </a:defRPr>
+      </a:lvl3pPr>
+      <a:lvl4pPr marL="1200150" indent="-171450" algn="l" defTabSz="685800" rtl="0" eaLnBrk="1" latinLnBrk="0" hangingPunct="1">
+        <a:lnSpc>
+          <a:spcPct val="90000"/>
+        </a:lnSpc>
+        <a:spcBef>
+          <a:spcPts val="375"/>
+        </a:spcBef>
+        <a:buFont typeface="Arial" panose="020B0604020202020204" pitchFamily="34" charset="0"/>
+        <a:buChar char="•"/>
+        <a:defRPr sz="1350" kern="1200">
+          <a:solidFill>
+            <a:schemeClr val="tx1"/>
+          </a:solidFill>
+          <a:latin typeface="+mn-lt"/>
+          <a:ea typeface="+mn-ea"/>
+          <a:cs typeface="+mn-cs"/>
+        </a:defRPr>
+      </a:lvl4pPr>
+      <a:lvl5pPr marL="1543050" indent="-171450" algn="l" defTabSz="685800" rtl="0" eaLnBrk="1" latinLnBrk="0" hangingPunct="1">
+        <a:lnSpc>
+          <a:spcPct val="90000"/>
+        </a:lnSpc>
+        <a:spcBef>
+          <a:spcPts val="375"/>
+        </a:spcBef>
+        <a:buFont typeface="Arial" panose="020B0604020202020204" pitchFamily="34" charset="0"/>
+        <a:buChar char="•"/>
+        <a:defRPr sz="1350" kern="1200">
           <a:solidFill>
             <a:schemeClr val="tx1"/>
           </a:solidFill>
@@ -2777,16 +3218,16 @@
           <a:cs typeface="+mn-cs"/>
         </a:defRPr>
       </a:lvl5pPr>
-      <a:lvl6pPr marL="2514537" indent="-228594" algn="l" defTabSz="914377" rtl="0" eaLnBrk="1" latinLnBrk="0" hangingPunct="1">
+      <a:lvl6pPr marL="1885950" indent="-171450" algn="l" defTabSz="685800" rtl="0" eaLnBrk="1" latinLnBrk="0" hangingPunct="1">
         <a:lnSpc>
           <a:spcPct val="90000"/>
         </a:lnSpc>
         <a:spcBef>
-          <a:spcPts val="500"/>
+          <a:spcPts val="375"/>
         </a:spcBef>
         <a:buFont typeface="Arial" panose="020B0604020202020204" pitchFamily="34" charset="0"/>
         <a:buChar char="•"/>
-        <a:defRPr sz="1800" kern="1200">
+        <a:defRPr sz="1350" kern="1200">
           <a:solidFill>
             <a:schemeClr val="tx1"/>
           </a:solidFill>
@@ -2795,16 +3236,16 @@
           <a:cs typeface="+mn-cs"/>
         </a:defRPr>
       </a:lvl6pPr>
-      <a:lvl7pPr marL="2971726" indent="-228594" algn="l" defTabSz="914377" rtl="0" eaLnBrk="1" latinLnBrk="0" hangingPunct="1">
+      <a:lvl7pPr marL="2228850" indent="-171450" algn="l" defTabSz="685800" rtl="0" eaLnBrk="1" latinLnBrk="0" hangingPunct="1">
         <a:lnSpc>
           <a:spcPct val="90000"/>
         </a:lnSpc>
         <a:spcBef>
-          <a:spcPts val="500"/>
+          <a:spcPts val="375"/>
         </a:spcBef>
         <a:buFont typeface="Arial" panose="020B0604020202020204" pitchFamily="34" charset="0"/>
         <a:buChar char="•"/>
-        <a:defRPr sz="1800" kern="1200">
+        <a:defRPr sz="1350" kern="1200">
           <a:solidFill>
             <a:schemeClr val="tx1"/>
           </a:solidFill>
@@ -2813,16 +3254,16 @@
           <a:cs typeface="+mn-cs"/>
         </a:defRPr>
       </a:lvl7pPr>
-      <a:lvl8pPr marL="3428914" indent="-228594" algn="l" defTabSz="914377" rtl="0" eaLnBrk="1" latinLnBrk="0" hangingPunct="1">
+      <a:lvl8pPr marL="2571750" indent="-171450" algn="l" defTabSz="685800" rtl="0" eaLnBrk="1" latinLnBrk="0" hangingPunct="1">
         <a:lnSpc>
           <a:spcPct val="90000"/>
         </a:lnSpc>
         <a:spcBef>
-          <a:spcPts val="500"/>
+          <a:spcPts val="375"/>
         </a:spcBef>
         <a:buFont typeface="Arial" panose="020B0604020202020204" pitchFamily="34" charset="0"/>
         <a:buChar char="•"/>
-        <a:defRPr sz="1800" kern="1200">
+        <a:defRPr sz="1350" kern="1200">
           <a:solidFill>
             <a:schemeClr val="tx1"/>
           </a:solidFill>
@@ -2831,16 +3272,16 @@
           <a:cs typeface="+mn-cs"/>
         </a:defRPr>
       </a:lvl8pPr>
-      <a:lvl9pPr marL="3886103" indent="-228594" algn="l" defTabSz="914377" rtl="0" eaLnBrk="1" latinLnBrk="0" hangingPunct="1">
+      <a:lvl9pPr marL="2914650" indent="-171450" algn="l" defTabSz="685800" rtl="0" eaLnBrk="1" latinLnBrk="0" hangingPunct="1">
         <a:lnSpc>
           <a:spcPct val="90000"/>
         </a:lnSpc>
         <a:spcBef>
-          <a:spcPts val="500"/>
+          <a:spcPts val="375"/>
         </a:spcBef>
         <a:buFont typeface="Arial" panose="020B0604020202020204" pitchFamily="34" charset="0"/>
         <a:buChar char="•"/>
-        <a:defRPr sz="1800" kern="1200">
+        <a:defRPr sz="1350" kern="1200">
           <a:solidFill>
             <a:schemeClr val="tx1"/>
           </a:solidFill>
@@ -2854,8 +3295,8 @@
       <a:defPPr>
         <a:defRPr lang="en-US"/>
       </a:defPPr>
-      <a:lvl1pPr marL="0" algn="l" defTabSz="914377" rtl="0" eaLnBrk="1" latinLnBrk="0" hangingPunct="1">
-        <a:defRPr sz="1800" kern="1200">
+      <a:lvl1pPr marL="0" algn="l" defTabSz="685800" rtl="0" eaLnBrk="1" latinLnBrk="0" hangingPunct="1">
+        <a:defRPr sz="1350" kern="1200">
           <a:solidFill>
             <a:schemeClr val="tx1"/>
           </a:solidFill>
@@ -2864,8 +3305,8 @@
           <a:cs typeface="+mn-cs"/>
         </a:defRPr>
       </a:lvl1pPr>
-      <a:lvl2pPr marL="457189" algn="l" defTabSz="914377" rtl="0" eaLnBrk="1" latinLnBrk="0" hangingPunct="1">
-        <a:defRPr sz="1800" kern="1200">
+      <a:lvl2pPr marL="342900" algn="l" defTabSz="685800" rtl="0" eaLnBrk="1" latinLnBrk="0" hangingPunct="1">
+        <a:defRPr sz="1350" kern="1200">
           <a:solidFill>
             <a:schemeClr val="tx1"/>
           </a:solidFill>
@@ -2874,8 +3315,8 @@
           <a:cs typeface="+mn-cs"/>
         </a:defRPr>
       </a:lvl2pPr>
-      <a:lvl3pPr marL="914377" algn="l" defTabSz="914377" rtl="0" eaLnBrk="1" latinLnBrk="0" hangingPunct="1">
-        <a:defRPr sz="1800" kern="1200">
+      <a:lvl3pPr marL="685800" algn="l" defTabSz="685800" rtl="0" eaLnBrk="1" latinLnBrk="0" hangingPunct="1">
+        <a:defRPr sz="1350" kern="1200">
           <a:solidFill>
             <a:schemeClr val="tx1"/>
           </a:solidFill>
@@ -2884,8 +3325,8 @@
           <a:cs typeface="+mn-cs"/>
         </a:defRPr>
       </a:lvl3pPr>
-      <a:lvl4pPr marL="1371566" algn="l" defTabSz="914377" rtl="0" eaLnBrk="1" latinLnBrk="0" hangingPunct="1">
-        <a:defRPr sz="1800" kern="1200">
+      <a:lvl4pPr marL="1028700" algn="l" defTabSz="685800" rtl="0" eaLnBrk="1" latinLnBrk="0" hangingPunct="1">
+        <a:defRPr sz="1350" kern="1200">
           <a:solidFill>
             <a:schemeClr val="tx1"/>
           </a:solidFill>
@@ -2894,8 +3335,8 @@
           <a:cs typeface="+mn-cs"/>
         </a:defRPr>
       </a:lvl4pPr>
-      <a:lvl5pPr marL="1828754" algn="l" defTabSz="914377" rtl="0" eaLnBrk="1" latinLnBrk="0" hangingPunct="1">
-        <a:defRPr sz="1800" kern="1200">
+      <a:lvl5pPr marL="1371600" algn="l" defTabSz="685800" rtl="0" eaLnBrk="1" latinLnBrk="0" hangingPunct="1">
+        <a:defRPr sz="1350" kern="1200">
           <a:solidFill>
             <a:schemeClr val="tx1"/>
           </a:solidFill>
@@ -2904,8 +3345,8 @@
           <a:cs typeface="+mn-cs"/>
         </a:defRPr>
       </a:lvl5pPr>
-      <a:lvl6pPr marL="2285943" algn="l" defTabSz="914377" rtl="0" eaLnBrk="1" latinLnBrk="0" hangingPunct="1">
-        <a:defRPr sz="1800" kern="1200">
+      <a:lvl6pPr marL="1714500" algn="l" defTabSz="685800" rtl="0" eaLnBrk="1" latinLnBrk="0" hangingPunct="1">
+        <a:defRPr sz="1350" kern="1200">
           <a:solidFill>
             <a:schemeClr val="tx1"/>
           </a:solidFill>
@@ -2914,8 +3355,8 @@
           <a:cs typeface="+mn-cs"/>
         </a:defRPr>
       </a:lvl6pPr>
-      <a:lvl7pPr marL="2743131" algn="l" defTabSz="914377" rtl="0" eaLnBrk="1" latinLnBrk="0" hangingPunct="1">
-        <a:defRPr sz="1800" kern="1200">
+      <a:lvl7pPr marL="2057400" algn="l" defTabSz="685800" rtl="0" eaLnBrk="1" latinLnBrk="0" hangingPunct="1">
+        <a:defRPr sz="1350" kern="1200">
           <a:solidFill>
             <a:schemeClr val="tx1"/>
           </a:solidFill>
@@ -2924,8 +3365,8 @@
           <a:cs typeface="+mn-cs"/>
         </a:defRPr>
       </a:lvl7pPr>
-      <a:lvl8pPr marL="3200320" algn="l" defTabSz="914377" rtl="0" eaLnBrk="1" latinLnBrk="0" hangingPunct="1">
-        <a:defRPr sz="1800" kern="1200">
+      <a:lvl8pPr marL="2400300" algn="l" defTabSz="685800" rtl="0" eaLnBrk="1" latinLnBrk="0" hangingPunct="1">
+        <a:defRPr sz="1350" kern="1200">
           <a:solidFill>
             <a:schemeClr val="tx1"/>
           </a:solidFill>
@@ -2934,8 +3375,8 @@
           <a:cs typeface="+mn-cs"/>
         </a:defRPr>
       </a:lvl8pPr>
-      <a:lvl9pPr marL="3657509" algn="l" defTabSz="914377" rtl="0" eaLnBrk="1" latinLnBrk="0" hangingPunct="1">
-        <a:defRPr sz="1800" kern="1200">
+      <a:lvl9pPr marL="2743200" algn="l" defTabSz="685800" rtl="0" eaLnBrk="1" latinLnBrk="0" hangingPunct="1">
+        <a:defRPr sz="1350" kern="1200">
           <a:solidFill>
             <a:schemeClr val="tx1"/>
           </a:solidFill>
@@ -2980,8 +3421,8 @@
         </p:nvSpPr>
         <p:spPr>
           <a:xfrm rot="16200000">
-            <a:off x="1913167" y="-261259"/>
-            <a:ext cx="5165271" cy="7380514"/>
+            <a:off x="1680912" y="-371212"/>
+            <a:ext cx="3594967" cy="5423203"/>
           </a:xfrm>
           <a:prstGeom prst="halfFrame">
             <a:avLst>
@@ -3019,7 +3460,7 @@
           <a:lstStyle/>
           <a:p>
             <a:pPr algn="ctr"/>
-            <a:endParaRPr lang="en-US">
+            <a:endParaRPr lang="en-US" sz="1013">
               <a:solidFill>
                 <a:schemeClr val="tx1"/>
               </a:solidFill>
@@ -3041,8 +3482,8 @@
         </p:nvSpPr>
         <p:spPr>
           <a:xfrm>
-            <a:off x="1873770" y="5816761"/>
-            <a:ext cx="134912" cy="389745"/>
+            <a:off x="1410466" y="4025333"/>
+            <a:ext cx="75888" cy="219232"/>
           </a:xfrm>
           <a:prstGeom prst="rect">
             <a:avLst/>
@@ -3077,7 +3518,7 @@
           <a:lstStyle/>
           <a:p>
             <a:pPr algn="ctr"/>
-            <a:endParaRPr lang="en-US"/>
+            <a:endParaRPr lang="en-US" sz="1013"/>
           </a:p>
         </p:txBody>
       </p:sp>
@@ -3095,8 +3536,8 @@
         </p:nvSpPr>
         <p:spPr>
           <a:xfrm>
-            <a:off x="6635646" y="5816760"/>
-            <a:ext cx="134912" cy="389745"/>
+            <a:off x="4951777" y="4031963"/>
+            <a:ext cx="75888" cy="219232"/>
           </a:xfrm>
           <a:prstGeom prst="rect">
             <a:avLst/>
@@ -3129,7 +3570,7 @@
           <a:lstStyle/>
           <a:p>
             <a:pPr algn="ctr"/>
-            <a:endParaRPr lang="en-US"/>
+            <a:endParaRPr lang="en-US" sz="1013"/>
           </a:p>
         </p:txBody>
       </p:sp>
@@ -3147,8 +3588,8 @@
         </p:nvSpPr>
         <p:spPr>
           <a:xfrm>
-            <a:off x="1098591" y="6145967"/>
-            <a:ext cx="1685270" cy="369332"/>
+            <a:off x="774676" y="4217594"/>
+            <a:ext cx="1349857" cy="307777"/>
           </a:xfrm>
           <a:prstGeom prst="rect">
             <a:avLst/>
@@ -3162,7 +3603,7 @@
           <a:lstStyle/>
           <a:p>
             <a:r>
-              <a:rPr lang="en-US" dirty="0">
+              <a:rPr lang="en-US" sz="1400" dirty="0">
                 <a:latin typeface="Helvetica" pitchFamily="2" charset="0"/>
               </a:rPr>
               <a:t>Environment A</a:t>
@@ -3184,8 +3625,8 @@
         </p:nvSpPr>
         <p:spPr>
           <a:xfrm>
-            <a:off x="5860467" y="6145967"/>
-            <a:ext cx="1685270" cy="369332"/>
+            <a:off x="4308922" y="4218612"/>
+            <a:ext cx="1359668" cy="307777"/>
           </a:xfrm>
           <a:prstGeom prst="rect">
             <a:avLst/>
@@ -3199,7 +3640,7 @@
           <a:lstStyle/>
           <a:p>
             <a:r>
-              <a:rPr lang="en-US" dirty="0">
+              <a:rPr lang="en-US" sz="1400" dirty="0">
                 <a:latin typeface="Helvetica" pitchFamily="2" charset="0"/>
               </a:rPr>
               <a:t>Environment B</a:t>
@@ -3221,7 +3662,7 @@
         </p:nvSpPr>
         <p:spPr>
           <a:xfrm rot="16200000">
-            <a:off x="-480087" y="3190048"/>
+            <a:off x="-507282" y="1991152"/>
             <a:ext cx="1287532" cy="369332"/>
           </a:xfrm>
           <a:prstGeom prst="rect">
@@ -3258,8 +3699,8 @@
         </p:nvSpPr>
         <p:spPr>
           <a:xfrm>
-            <a:off x="1712626" y="4834328"/>
-            <a:ext cx="457200" cy="457200"/>
+            <a:off x="1319823" y="3623035"/>
+            <a:ext cx="257175" cy="257175"/>
           </a:xfrm>
           <a:prstGeom prst="ellipse">
             <a:avLst/>
@@ -3294,7 +3735,7 @@
           <a:lstStyle/>
           <a:p>
             <a:pPr algn="ctr"/>
-            <a:endParaRPr lang="en-US"/>
+            <a:endParaRPr lang="en-US" sz="1013"/>
           </a:p>
         </p:txBody>
       </p:sp>
@@ -3312,8 +3753,8 @@
         </p:nvSpPr>
         <p:spPr>
           <a:xfrm>
-            <a:off x="6475219" y="3283992"/>
-            <a:ext cx="457200" cy="457200"/>
+            <a:off x="4864162" y="2190256"/>
+            <a:ext cx="257175" cy="257175"/>
           </a:xfrm>
           <a:prstGeom prst="ellipse">
             <a:avLst/>
@@ -3348,111 +3789,7 @@
           <a:lstStyle/>
           <a:p>
             <a:pPr algn="ctr"/>
-            <a:endParaRPr lang="en-US"/>
-          </a:p>
-        </p:txBody>
-      </p:sp>
-      <p:sp>
-        <p:nvSpPr>
-          <p:cNvPr id="12" name="Oval 11">
-            <a:extLst>
-              <a:ext uri="{FF2B5EF4-FFF2-40B4-BE49-F238E27FC236}">
-                <a16:creationId xmlns:a16="http://schemas.microsoft.com/office/drawing/2014/main" id="{222630AE-9B1C-1048-ADC2-E5A7C2665F78}"/>
-              </a:ext>
-            </a:extLst>
-          </p:cNvPr>
-          <p:cNvSpPr/>
-          <p:nvPr/>
-        </p:nvSpPr>
-        <p:spPr>
-          <a:xfrm>
-            <a:off x="1712626" y="3220337"/>
-            <a:ext cx="457200" cy="457200"/>
-          </a:xfrm>
-          <a:prstGeom prst="ellipse">
-            <a:avLst/>
-          </a:prstGeom>
-          <a:solidFill>
-            <a:srgbClr val="7030A0"/>
-          </a:solidFill>
-          <a:ln>
-            <a:noFill/>
-          </a:ln>
-        </p:spPr>
-        <p:style>
-          <a:lnRef idx="2">
-            <a:schemeClr val="accent1">
-              <a:shade val="50000"/>
-            </a:schemeClr>
-          </a:lnRef>
-          <a:fillRef idx="1">
-            <a:schemeClr val="accent1"/>
-          </a:fillRef>
-          <a:effectRef idx="0">
-            <a:schemeClr val="accent1"/>
-          </a:effectRef>
-          <a:fontRef idx="minor">
-            <a:schemeClr val="lt1"/>
-          </a:fontRef>
-        </p:style>
-        <p:txBody>
-          <a:bodyPr rtlCol="0" anchor="ctr"/>
-          <a:lstStyle/>
-          <a:p>
-            <a:pPr algn="ctr"/>
-            <a:endParaRPr lang="en-US"/>
-          </a:p>
-        </p:txBody>
-      </p:sp>
-      <p:sp>
-        <p:nvSpPr>
-          <p:cNvPr id="13" name="Oval 12">
-            <a:extLst>
-              <a:ext uri="{FF2B5EF4-FFF2-40B4-BE49-F238E27FC236}">
-                <a16:creationId xmlns:a16="http://schemas.microsoft.com/office/drawing/2014/main" id="{495D6884-6419-414C-B817-97F609117BF2}"/>
-              </a:ext>
-            </a:extLst>
-          </p:cNvPr>
-          <p:cNvSpPr/>
-          <p:nvPr/>
-        </p:nvSpPr>
-        <p:spPr>
-          <a:xfrm>
-            <a:off x="6474502" y="1633713"/>
-            <a:ext cx="457200" cy="457200"/>
-          </a:xfrm>
-          <a:prstGeom prst="ellipse">
-            <a:avLst/>
-          </a:prstGeom>
-          <a:solidFill>
-            <a:srgbClr val="7030A0"/>
-          </a:solidFill>
-          <a:ln>
-            <a:noFill/>
-          </a:ln>
-        </p:spPr>
-        <p:style>
-          <a:lnRef idx="2">
-            <a:schemeClr val="accent1">
-              <a:shade val="50000"/>
-            </a:schemeClr>
-          </a:lnRef>
-          <a:fillRef idx="1">
-            <a:schemeClr val="accent1"/>
-          </a:fillRef>
-          <a:effectRef idx="0">
-            <a:schemeClr val="accent1"/>
-          </a:effectRef>
-          <a:fontRef idx="minor">
-            <a:schemeClr val="lt1"/>
-          </a:fontRef>
-        </p:style>
-        <p:txBody>
-          <a:bodyPr rtlCol="0" anchor="ctr"/>
-          <a:lstStyle/>
-          <a:p>
-            <a:pPr algn="ctr"/>
-            <a:endParaRPr lang="en-US"/>
+            <a:endParaRPr lang="en-US" sz="1013"/>
           </a:p>
         </p:txBody>
       </p:sp>
@@ -3466,6 +3803,7 @@
             </a:extLst>
           </p:cNvPr>
           <p:cNvCxnSpPr>
+            <a:cxnSpLocks/>
             <a:stCxn id="10" idx="6"/>
             <a:endCxn id="11" idx="2"/>
           </p:cNvCxnSpPr>
@@ -3473,8 +3811,8 @@
         </p:nvCxnSpPr>
         <p:spPr>
           <a:xfrm flipV="1">
-            <a:off x="2169826" y="3512592"/>
-            <a:ext cx="4305393" cy="1550336"/>
+            <a:off x="1576998" y="2318844"/>
+            <a:ext cx="3287164" cy="1432779"/>
           </a:xfrm>
           <a:prstGeom prst="line">
             <a:avLst/>
@@ -3514,15 +3852,15 @@
           </p:cNvPr>
           <p:cNvCxnSpPr>
             <a:cxnSpLocks/>
-            <a:stCxn id="12" idx="6"/>
-            <a:endCxn id="13" idx="2"/>
+            <a:stCxn id="2" idx="3"/>
+            <a:endCxn id="49" idx="1"/>
           </p:cNvCxnSpPr>
           <p:nvPr/>
         </p:nvCxnSpPr>
         <p:spPr>
           <a:xfrm flipV="1">
-            <a:off x="2169826" y="1862313"/>
-            <a:ext cx="4304676" cy="1586624"/>
+            <a:off x="1583565" y="773167"/>
+            <a:ext cx="3280597" cy="1421304"/>
           </a:xfrm>
           <a:prstGeom prst="line">
             <a:avLst/>
@@ -3563,8 +3901,8 @@
         </p:nvSpPr>
         <p:spPr>
           <a:xfrm>
-            <a:off x="6996148" y="3344269"/>
-            <a:ext cx="1390317" cy="369332"/>
+            <a:off x="5111427" y="2194757"/>
+            <a:ext cx="872355" cy="248209"/>
           </a:xfrm>
           <a:prstGeom prst="rect">
             <a:avLst/>
@@ -3578,7 +3916,7 @@
           <a:lstStyle/>
           <a:p>
             <a:r>
-              <a:rPr lang="en-US" dirty="0">
+              <a:rPr lang="en-US" sz="1013" dirty="0">
                 <a:latin typeface="Helvetica" pitchFamily="2" charset="0"/>
               </a:rPr>
               <a:t>Genotype A</a:t>
@@ -3600,8 +3938,8 @@
         </p:nvSpPr>
         <p:spPr>
           <a:xfrm>
-            <a:off x="6990091" y="1677647"/>
-            <a:ext cx="1402948" cy="369332"/>
+            <a:off x="5081984" y="666847"/>
+            <a:ext cx="872355" cy="248209"/>
           </a:xfrm>
           <a:prstGeom prst="rect">
             <a:avLst/>
@@ -3615,7 +3953,7 @@
           <a:lstStyle/>
           <a:p>
             <a:r>
-              <a:rPr lang="en-US" dirty="0">
+              <a:rPr lang="en-US" sz="1013" dirty="0">
                 <a:latin typeface="Helvetica" pitchFamily="2" charset="0"/>
               </a:rPr>
               <a:t>Genotype B</a:t>
@@ -3637,8 +3975,8 @@
         </p:nvSpPr>
         <p:spPr>
           <a:xfrm>
-            <a:off x="1455994" y="3464886"/>
-            <a:ext cx="189176" cy="1598041"/>
+            <a:off x="1199847" y="2190256"/>
+            <a:ext cx="106412" cy="1568327"/>
           </a:xfrm>
           <a:prstGeom prst="leftBrace">
             <a:avLst/>
@@ -3668,7 +4006,7 @@
           <a:lstStyle/>
           <a:p>
             <a:pPr algn="ctr"/>
-            <a:endParaRPr lang="en-US"/>
+            <a:endParaRPr lang="en-US" sz="1013"/>
           </a:p>
         </p:txBody>
       </p:sp>
@@ -3686,8 +4024,8 @@
         </p:nvSpPr>
         <p:spPr>
           <a:xfrm>
-            <a:off x="6217870" y="1907276"/>
-            <a:ext cx="189176" cy="1598041"/>
+            <a:off x="4709158" y="772685"/>
+            <a:ext cx="106412" cy="1538323"/>
           </a:xfrm>
           <a:prstGeom prst="leftBrace">
             <a:avLst/>
@@ -3717,7 +4055,7 @@
           <a:lstStyle/>
           <a:p>
             <a:pPr algn="ctr"/>
-            <a:endParaRPr lang="en-US"/>
+            <a:endParaRPr lang="en-US" sz="1013"/>
           </a:p>
         </p:txBody>
       </p:sp>
@@ -3730,13 +4068,15 @@
               </a:ext>
             </a:extLst>
           </p:cNvPr>
-          <p:cNvCxnSpPr/>
+          <p:cNvCxnSpPr>
+            <a:cxnSpLocks/>
+          </p:cNvCxnSpPr>
           <p:nvPr/>
         </p:nvCxnSpPr>
         <p:spPr>
           <a:xfrm flipH="1">
-            <a:off x="861934" y="4254117"/>
-            <a:ext cx="594060" cy="0"/>
+            <a:off x="841309" y="2974419"/>
+            <a:ext cx="400239" cy="0"/>
           </a:xfrm>
           <a:prstGeom prst="straightConnector1">
             <a:avLst/>
@@ -3779,8 +4119,8 @@
             </p:nvSpPr>
             <p:spPr>
               <a:xfrm>
-                <a:off x="421861" y="4161591"/>
-                <a:ext cx="593999" cy="185051"/>
+                <a:off x="517082" y="2698146"/>
+                <a:ext cx="334124" cy="185051"/>
               </a:xfrm>
               <a:prstGeom prst="rect">
                 <a:avLst/>
@@ -3793,6 +4133,7 @@
               </a:bodyPr>
               <a:lstStyle/>
               <a:p>
+                <a:pPr/>
                 <a14:m>
                   <m:oMathPara xmlns:m="http://schemas.openxmlformats.org/officeDocument/2006/math">
                     <m:oMathParaPr>
@@ -3803,14 +4144,14 @@
                         <m:accPr>
                           <m:chr m:val="̅"/>
                           <m:ctrlPr>
-                            <a:rPr lang="en-US" sz="1200" i="1" smtClean="0">
+                            <a:rPr lang="en-US" sz="1200" i="1">
                               <a:latin typeface="Cambria Math" panose="02040503050406030204" pitchFamily="18" charset="0"/>
                             </a:rPr>
                           </m:ctrlPr>
                         </m:accPr>
                         <m:e>
                           <m:r>
-                            <a:rPr lang="en-US" sz="1200" b="0" i="1" smtClean="0">
+                            <a:rPr lang="en-US" sz="1200" i="1">
                               <a:latin typeface="Cambria Math" panose="02040503050406030204" pitchFamily="18" charset="0"/>
                             </a:rPr>
                             <m:t>𝐴</m:t>
@@ -3842,16 +4183,16 @@
             </p:nvSpPr>
             <p:spPr>
               <a:xfrm>
-                <a:off x="421861" y="4161591"/>
-                <a:ext cx="593999" cy="185051"/>
+                <a:off x="517082" y="2698146"/>
+                <a:ext cx="334124" cy="185051"/>
               </a:xfrm>
               <a:prstGeom prst="rect">
                 <a:avLst/>
               </a:prstGeom>
               <a:blipFill>
-                <a:blip r:embed="rId2"/>
+                <a:blip r:embed="rId3"/>
                 <a:stretch>
-                  <a:fillRect t="-13333"/>
+                  <a:fillRect t="-6250"/>
                 </a:stretch>
               </a:blipFill>
             </p:spPr>
@@ -3870,43 +4211,6 @@
           </p:sp>
         </mc:Fallback>
       </mc:AlternateContent>
-      <p:sp>
-        <p:nvSpPr>
-          <p:cNvPr id="42" name="TextBox 41">
-            <a:extLst>
-              <a:ext uri="{FF2B5EF4-FFF2-40B4-BE49-F238E27FC236}">
-                <a16:creationId xmlns:a16="http://schemas.microsoft.com/office/drawing/2014/main" id="{80C0DB2A-5506-1D4C-A0CD-65A344A26EB0}"/>
-              </a:ext>
-            </a:extLst>
-          </p:cNvPr>
-          <p:cNvSpPr txBox="1"/>
-          <p:nvPr/>
-        </p:nvSpPr>
-        <p:spPr>
-          <a:xfrm>
-            <a:off x="259907" y="4124366"/>
-            <a:ext cx="449162" cy="276999"/>
-          </a:xfrm>
-          <a:prstGeom prst="rect">
-            <a:avLst/>
-          </a:prstGeom>
-          <a:noFill/>
-        </p:spPr>
-        <p:txBody>
-          <a:bodyPr wrap="none" rtlCol="0">
-            <a:spAutoFit/>
-          </a:bodyPr>
-          <a:lstStyle/>
-          <a:p>
-            <a:r>
-              <a:rPr lang="en-US" sz="1200" dirty="0">
-                <a:latin typeface="Helvetica" pitchFamily="2" charset="0"/>
-              </a:rPr>
-              <a:t>Env</a:t>
-            </a:r>
-          </a:p>
-        </p:txBody>
-      </p:sp>
       <p:cxnSp>
         <p:nvCxnSpPr>
           <p:cNvPr id="43" name="Straight Arrow Connector 42">
@@ -3918,13 +4222,14 @@
           </p:cNvPr>
           <p:cNvCxnSpPr>
             <a:cxnSpLocks/>
+            <a:stCxn id="37" idx="1"/>
           </p:cNvCxnSpPr>
           <p:nvPr/>
         </p:nvCxnSpPr>
         <p:spPr>
           <a:xfrm flipH="1">
-            <a:off x="861934" y="2705134"/>
-            <a:ext cx="5355936" cy="0"/>
+            <a:off x="841310" y="1541847"/>
+            <a:ext cx="3867848" cy="0"/>
           </a:xfrm>
           <a:prstGeom prst="straightConnector1">
             <a:avLst/>
@@ -3967,8 +4272,8 @@
             </p:nvSpPr>
             <p:spPr>
               <a:xfrm>
-                <a:off x="419449" y="2629674"/>
-                <a:ext cx="593999" cy="185051"/>
+                <a:off x="505363" y="1461408"/>
+                <a:ext cx="334124" cy="184666"/>
               </a:xfrm>
               <a:prstGeom prst="rect">
                 <a:avLst/>
@@ -3981,6 +4286,7 @@
               </a:bodyPr>
               <a:lstStyle/>
               <a:p>
+                <a:pPr/>
                 <a14:m>
                   <m:oMathPara xmlns:m="http://schemas.openxmlformats.org/officeDocument/2006/math">
                     <m:oMathParaPr>
@@ -3991,14 +4297,14 @@
                         <m:accPr>
                           <m:chr m:val="̅"/>
                           <m:ctrlPr>
-                            <a:rPr lang="en-US" sz="1200" i="1" smtClean="0">
+                            <a:rPr lang="en-US" sz="1200" i="1">
                               <a:latin typeface="Cambria Math" panose="02040503050406030204" pitchFamily="18" charset="0"/>
                             </a:rPr>
                           </m:ctrlPr>
                         </m:accPr>
                         <m:e>
                           <m:r>
-                            <a:rPr lang="en-US" sz="1200" b="0" i="1" smtClean="0">
+                            <a:rPr lang="en-US" sz="1200" i="1">
                               <a:latin typeface="Cambria Math" panose="02040503050406030204" pitchFamily="18" charset="0"/>
                             </a:rPr>
                             <m:t>𝐵</m:t>
@@ -4030,248 +4336,8 @@
             </p:nvSpPr>
             <p:spPr>
               <a:xfrm>
-                <a:off x="419449" y="2629674"/>
-                <a:ext cx="593999" cy="185051"/>
-              </a:xfrm>
-              <a:prstGeom prst="rect">
-                <a:avLst/>
-              </a:prstGeom>
-              <a:blipFill>
-                <a:blip r:embed="rId3"/>
-                <a:stretch>
-                  <a:fillRect t="-6250"/>
-                </a:stretch>
-              </a:blipFill>
-            </p:spPr>
-            <p:txBody>
-              <a:bodyPr/>
-              <a:lstStyle/>
-              <a:p>
-                <a:r>
-                  <a:rPr lang="en-US">
-                    <a:noFill/>
-                  </a:rPr>
-                  <a:t> </a:t>
-                </a:r>
-              </a:p>
-            </p:txBody>
-          </p:sp>
-        </mc:Fallback>
-      </mc:AlternateContent>
-      <p:sp>
-        <p:nvSpPr>
-          <p:cNvPr id="46" name="TextBox 45">
-            <a:extLst>
-              <a:ext uri="{FF2B5EF4-FFF2-40B4-BE49-F238E27FC236}">
-                <a16:creationId xmlns:a16="http://schemas.microsoft.com/office/drawing/2014/main" id="{9D9408F2-CDCB-794A-B2F1-5ECBF7B57724}"/>
-              </a:ext>
-            </a:extLst>
-          </p:cNvPr>
-          <p:cNvSpPr txBox="1"/>
-          <p:nvPr/>
-        </p:nvSpPr>
-        <p:spPr>
-          <a:xfrm>
-            <a:off x="257495" y="2592449"/>
-            <a:ext cx="449162" cy="276999"/>
-          </a:xfrm>
-          <a:prstGeom prst="rect">
-            <a:avLst/>
-          </a:prstGeom>
-          <a:noFill/>
-        </p:spPr>
-        <p:txBody>
-          <a:bodyPr wrap="none" rtlCol="0">
-            <a:spAutoFit/>
-          </a:bodyPr>
-          <a:lstStyle/>
-          <a:p>
-            <a:r>
-              <a:rPr lang="en-US" sz="1200" dirty="0">
-                <a:latin typeface="Helvetica" pitchFamily="2" charset="0"/>
-              </a:rPr>
-              <a:t>Env</a:t>
-            </a:r>
-          </a:p>
-        </p:txBody>
-      </p:sp>
-      <p:sp>
-        <p:nvSpPr>
-          <p:cNvPr id="47" name="Left Brace 46">
-            <a:extLst>
-              <a:ext uri="{FF2B5EF4-FFF2-40B4-BE49-F238E27FC236}">
-                <a16:creationId xmlns:a16="http://schemas.microsoft.com/office/drawing/2014/main" id="{4C0ED6F5-FC8E-A34C-9396-30A5023AD551}"/>
-              </a:ext>
-            </a:extLst>
-          </p:cNvPr>
-          <p:cNvSpPr/>
-          <p:nvPr/>
-        </p:nvSpPr>
-        <p:spPr>
-          <a:xfrm rot="4177210">
-            <a:off x="4176774" y="274762"/>
-            <a:ext cx="194987" cy="4477954"/>
-          </a:xfrm>
-          <a:prstGeom prst="leftBrace">
-            <a:avLst>
-              <a:gd name="adj1" fmla="val 74153"/>
-              <a:gd name="adj2" fmla="val 50000"/>
-            </a:avLst>
-          </a:prstGeom>
-          <a:ln>
-            <a:solidFill>
-              <a:schemeClr val="tx1"/>
-            </a:solidFill>
-          </a:ln>
-        </p:spPr>
-        <p:style>
-          <a:lnRef idx="1">
-            <a:schemeClr val="accent1"/>
-          </a:lnRef>
-          <a:fillRef idx="0">
-            <a:schemeClr val="accent1"/>
-          </a:fillRef>
-          <a:effectRef idx="0">
-            <a:schemeClr val="accent1"/>
-          </a:effectRef>
-          <a:fontRef idx="minor">
-            <a:schemeClr val="tx1"/>
-          </a:fontRef>
-        </p:style>
-        <p:txBody>
-          <a:bodyPr rtlCol="0" anchor="ctr"/>
-          <a:lstStyle/>
-          <a:p>
-            <a:pPr algn="ctr"/>
-            <a:endParaRPr lang="en-US"/>
-          </a:p>
-        </p:txBody>
-      </p:sp>
-      <p:cxnSp>
-        <p:nvCxnSpPr>
-          <p:cNvPr id="48" name="Straight Arrow Connector 47">
-            <a:extLst>
-              <a:ext uri="{FF2B5EF4-FFF2-40B4-BE49-F238E27FC236}">
-                <a16:creationId xmlns:a16="http://schemas.microsoft.com/office/drawing/2014/main" id="{BE42C30B-756F-AE43-A217-912A20522D4F}"/>
-              </a:ext>
-            </a:extLst>
-          </p:cNvPr>
-          <p:cNvCxnSpPr>
-            <a:cxnSpLocks/>
-          </p:cNvCxnSpPr>
-          <p:nvPr/>
-        </p:nvCxnSpPr>
-        <p:spPr>
-          <a:xfrm flipH="1">
-            <a:off x="861934" y="2422820"/>
-            <a:ext cx="3382354" cy="0"/>
-          </a:xfrm>
-          <a:prstGeom prst="straightConnector1">
-            <a:avLst/>
-          </a:prstGeom>
-          <a:ln w="9525">
-            <a:solidFill>
-              <a:schemeClr val="tx1"/>
-            </a:solidFill>
-            <a:tailEnd type="triangle"/>
-          </a:ln>
-        </p:spPr>
-        <p:style>
-          <a:lnRef idx="1">
-            <a:schemeClr val="accent1"/>
-          </a:lnRef>
-          <a:fillRef idx="0">
-            <a:schemeClr val="accent1"/>
-          </a:fillRef>
-          <a:effectRef idx="0">
-            <a:schemeClr val="accent1"/>
-          </a:effectRef>
-          <a:fontRef idx="minor">
-            <a:schemeClr val="tx1"/>
-          </a:fontRef>
-        </p:style>
-      </p:cxnSp>
-      <mc:AlternateContent xmlns:mc="http://schemas.openxmlformats.org/markup-compatibility/2006">
-        <mc:Choice xmlns:a14="http://schemas.microsoft.com/office/drawing/2010/main" Requires="a14">
-          <p:sp>
-            <p:nvSpPr>
-              <p:cNvPr id="51" name="TextBox 50">
-                <a:extLst>
-                  <a:ext uri="{FF2B5EF4-FFF2-40B4-BE49-F238E27FC236}">
-                    <a16:creationId xmlns:a16="http://schemas.microsoft.com/office/drawing/2014/main" id="{8F8AFD79-805B-4E42-AE7B-C8B98308E7E9}"/>
-                  </a:ext>
-                </a:extLst>
-              </p:cNvPr>
-              <p:cNvSpPr txBox="1"/>
-              <p:nvPr/>
-            </p:nvSpPr>
-            <p:spPr>
-              <a:xfrm>
-                <a:off x="477752" y="2352385"/>
-                <a:ext cx="503424" cy="185051"/>
-              </a:xfrm>
-              <a:prstGeom prst="rect">
-                <a:avLst/>
-              </a:prstGeom>
-              <a:noFill/>
-            </p:spPr>
-            <p:txBody>
-              <a:bodyPr wrap="square" lIns="0" tIns="0" rIns="0" bIns="0" rtlCol="0">
-                <a:spAutoFit/>
-              </a:bodyPr>
-              <a:lstStyle/>
-              <a:p>
-                <a14:m>
-                  <m:oMathPara xmlns:m="http://schemas.openxmlformats.org/officeDocument/2006/math">
-                    <m:oMathParaPr>
-                      <m:jc m:val="centerGroup"/>
-                    </m:oMathParaPr>
-                    <m:oMath xmlns:m="http://schemas.openxmlformats.org/officeDocument/2006/math">
-                      <m:acc>
-                        <m:accPr>
-                          <m:chr m:val="̅"/>
-                          <m:ctrlPr>
-                            <a:rPr lang="en-US" sz="1200" i="1" smtClean="0">
-                              <a:latin typeface="Cambria Math" panose="02040503050406030204" pitchFamily="18" charset="0"/>
-                            </a:rPr>
-                          </m:ctrlPr>
-                        </m:accPr>
-                        <m:e>
-                          <m:r>
-                            <a:rPr lang="en-US" sz="1200" b="0" i="1" smtClean="0">
-                              <a:latin typeface="Cambria Math" panose="02040503050406030204" pitchFamily="18" charset="0"/>
-                            </a:rPr>
-                            <m:t>𝐵</m:t>
-                          </m:r>
-                        </m:e>
-                      </m:acc>
-                    </m:oMath>
-                  </m:oMathPara>
-                </a14:m>
-                <a:endParaRPr lang="en-US" sz="1200" dirty="0"/>
-              </a:p>
-            </p:txBody>
-          </p:sp>
-        </mc:Choice>
-        <mc:Fallback>
-          <p:sp>
-            <p:nvSpPr>
-              <p:cNvPr id="51" name="TextBox 50">
-                <a:extLst>
-                  <a:ext uri="{FF2B5EF4-FFF2-40B4-BE49-F238E27FC236}">
-                    <a16:creationId xmlns:a16="http://schemas.microsoft.com/office/drawing/2014/main" id="{8F8AFD79-805B-4E42-AE7B-C8B98308E7E9}"/>
-                  </a:ext>
-                </a:extLst>
-              </p:cNvPr>
-              <p:cNvSpPr txBox="1">
-                <a:spLocks noRot="1" noChangeAspect="1" noMove="1" noResize="1" noEditPoints="1" noAdjustHandles="1" noChangeArrowheads="1" noChangeShapeType="1" noTextEdit="1"/>
-              </p:cNvSpPr>
-              <p:nvPr/>
-            </p:nvSpPr>
-            <p:spPr>
-              <a:xfrm>
-                <a:off x="477752" y="2352385"/>
-                <a:ext cx="503424" cy="185051"/>
+                <a:off x="505363" y="1461408"/>
+                <a:ext cx="334124" cy="184666"/>
               </a:xfrm>
               <a:prstGeom prst="rect">
                 <a:avLst/>
@@ -4300,10 +4366,10 @@
       </mc:AlternateContent>
       <p:sp>
         <p:nvSpPr>
-          <p:cNvPr id="52" name="TextBox 51">
+          <p:cNvPr id="46" name="TextBox 45">
             <a:extLst>
               <a:ext uri="{FF2B5EF4-FFF2-40B4-BE49-F238E27FC236}">
-                <a16:creationId xmlns:a16="http://schemas.microsoft.com/office/drawing/2014/main" id="{1A692A83-CE63-1E4F-A8A9-E2D9111C6BC8}"/>
+                <a16:creationId xmlns:a16="http://schemas.microsoft.com/office/drawing/2014/main" id="{9D9408F2-CDCB-794A-B2F1-5ECBF7B57724}"/>
               </a:ext>
             </a:extLst>
           </p:cNvPr>
@@ -4312,8 +4378,8 @@
         </p:nvSpPr>
         <p:spPr>
           <a:xfrm>
-            <a:off x="240347" y="2306412"/>
-            <a:ext cx="474810" cy="276999"/>
+            <a:off x="231119" y="1410235"/>
+            <a:ext cx="449162" cy="276999"/>
           </a:xfrm>
           <a:prstGeom prst="rect">
             <a:avLst/>
@@ -4330,17 +4396,17 @@
               <a:rPr lang="en-US" sz="1200" dirty="0">
                 <a:latin typeface="Helvetica" pitchFamily="2" charset="0"/>
               </a:rPr>
-              <a:t>Gen</a:t>
-            </a:r>
-          </a:p>
-        </p:txBody>
-      </p:sp>
-      <p:sp>
-        <p:nvSpPr>
-          <p:cNvPr id="53" name="Left Brace 52">
+              <a:t>Env</a:t>
+            </a:r>
+          </a:p>
+        </p:txBody>
+      </p:sp>
+      <p:sp>
+        <p:nvSpPr>
+          <p:cNvPr id="47" name="Left Brace 46">
             <a:extLst>
               <a:ext uri="{FF2B5EF4-FFF2-40B4-BE49-F238E27FC236}">
-                <a16:creationId xmlns:a16="http://schemas.microsoft.com/office/drawing/2014/main" id="{88EB39C0-FFA1-EB40-9B44-3A91D16F8636}"/>
+                <a16:creationId xmlns:a16="http://schemas.microsoft.com/office/drawing/2014/main" id="{4C0ED6F5-FC8E-A34C-9396-30A5023AD551}"/>
               </a:ext>
             </a:extLst>
           </p:cNvPr>
@@ -4348,9 +4414,9 @@
           <p:nvPr/>
         </p:nvSpPr>
         <p:spPr>
-          <a:xfrm rot="4177210">
-            <a:off x="4157042" y="1885390"/>
-            <a:ext cx="194987" cy="4477954"/>
+          <a:xfrm rot="4021445">
+            <a:off x="3130717" y="-384435"/>
+            <a:ext cx="137160" cy="3566160"/>
           </a:xfrm>
           <a:prstGeom prst="leftBrace">
             <a:avLst>
@@ -4383,16 +4449,16 @@
           <a:lstStyle/>
           <a:p>
             <a:pPr algn="ctr"/>
-            <a:endParaRPr lang="en-US"/>
+            <a:endParaRPr lang="en-US" sz="1013"/>
           </a:p>
         </p:txBody>
       </p:sp>
       <p:cxnSp>
         <p:nvCxnSpPr>
-          <p:cNvPr id="54" name="Straight Arrow Connector 53">
+          <p:cNvPr id="48" name="Straight Arrow Connector 47">
             <a:extLst>
               <a:ext uri="{FF2B5EF4-FFF2-40B4-BE49-F238E27FC236}">
-                <a16:creationId xmlns:a16="http://schemas.microsoft.com/office/drawing/2014/main" id="{4E7987D6-E67D-E143-A363-BCA5D75132C2}"/>
+                <a16:creationId xmlns:a16="http://schemas.microsoft.com/office/drawing/2014/main" id="{BE42C30B-756F-AE43-A217-912A20522D4F}"/>
               </a:ext>
             </a:extLst>
           </p:cNvPr>
@@ -4403,8 +4469,8 @@
         </p:nvCxnSpPr>
         <p:spPr>
           <a:xfrm flipH="1">
-            <a:off x="861934" y="4033448"/>
-            <a:ext cx="3362622" cy="0"/>
+            <a:off x="841309" y="1328514"/>
+            <a:ext cx="2322201" cy="0"/>
           </a:xfrm>
           <a:prstGeom prst="straightConnector1">
             <a:avLst/>
@@ -4431,119 +4497,12 @@
           </a:fontRef>
         </p:style>
       </p:cxnSp>
-      <mc:AlternateContent xmlns:mc="http://schemas.openxmlformats.org/markup-compatibility/2006">
-        <mc:Choice xmlns:a14="http://schemas.microsoft.com/office/drawing/2010/main" Requires="a14">
-          <p:sp>
-            <p:nvSpPr>
-              <p:cNvPr id="57" name="TextBox 56">
-                <a:extLst>
-                  <a:ext uri="{FF2B5EF4-FFF2-40B4-BE49-F238E27FC236}">
-                    <a16:creationId xmlns:a16="http://schemas.microsoft.com/office/drawing/2014/main" id="{C3052072-C14D-AB4F-8571-DD84EFD3FC68}"/>
-                  </a:ext>
-                </a:extLst>
-              </p:cNvPr>
-              <p:cNvSpPr txBox="1"/>
-              <p:nvPr/>
-            </p:nvSpPr>
-            <p:spPr>
-              <a:xfrm>
-                <a:off x="475984" y="3948581"/>
-                <a:ext cx="503424" cy="185051"/>
-              </a:xfrm>
-              <a:prstGeom prst="rect">
-                <a:avLst/>
-              </a:prstGeom>
-              <a:noFill/>
-            </p:spPr>
-            <p:txBody>
-              <a:bodyPr wrap="square" lIns="0" tIns="0" rIns="0" bIns="0" rtlCol="0">
-                <a:spAutoFit/>
-              </a:bodyPr>
-              <a:lstStyle/>
-              <a:p>
-                <a14:m>
-                  <m:oMathPara xmlns:m="http://schemas.openxmlformats.org/officeDocument/2006/math">
-                    <m:oMathParaPr>
-                      <m:jc m:val="centerGroup"/>
-                    </m:oMathParaPr>
-                    <m:oMath xmlns:m="http://schemas.openxmlformats.org/officeDocument/2006/math">
-                      <m:acc>
-                        <m:accPr>
-                          <m:chr m:val="̅"/>
-                          <m:ctrlPr>
-                            <a:rPr lang="en-US" sz="1200" i="1" smtClean="0">
-                              <a:latin typeface="Cambria Math" panose="02040503050406030204" pitchFamily="18" charset="0"/>
-                            </a:rPr>
-                          </m:ctrlPr>
-                        </m:accPr>
-                        <m:e>
-                          <m:r>
-                            <a:rPr lang="en-US" sz="1200" b="0" i="1" smtClean="0">
-                              <a:latin typeface="Cambria Math" panose="02040503050406030204" pitchFamily="18" charset="0"/>
-                            </a:rPr>
-                            <m:t>𝐴</m:t>
-                          </m:r>
-                        </m:e>
-                      </m:acc>
-                    </m:oMath>
-                  </m:oMathPara>
-                </a14:m>
-                <a:endParaRPr lang="en-US" sz="1200" dirty="0"/>
-              </a:p>
-            </p:txBody>
-          </p:sp>
-        </mc:Choice>
-        <mc:Fallback>
-          <p:sp>
-            <p:nvSpPr>
-              <p:cNvPr id="57" name="TextBox 56">
-                <a:extLst>
-                  <a:ext uri="{FF2B5EF4-FFF2-40B4-BE49-F238E27FC236}">
-                    <a16:creationId xmlns:a16="http://schemas.microsoft.com/office/drawing/2014/main" id="{C3052072-C14D-AB4F-8571-DD84EFD3FC68}"/>
-                  </a:ext>
-                </a:extLst>
-              </p:cNvPr>
-              <p:cNvSpPr txBox="1">
-                <a:spLocks noRot="1" noChangeAspect="1" noMove="1" noResize="1" noEditPoints="1" noAdjustHandles="1" noChangeArrowheads="1" noChangeShapeType="1" noTextEdit="1"/>
-              </p:cNvSpPr>
-              <p:nvPr/>
-            </p:nvSpPr>
-            <p:spPr>
-              <a:xfrm>
-                <a:off x="475984" y="3948581"/>
-                <a:ext cx="503424" cy="185051"/>
-              </a:xfrm>
-              <a:prstGeom prst="rect">
-                <a:avLst/>
-              </a:prstGeom>
-              <a:blipFill>
-                <a:blip r:embed="rId5"/>
-                <a:stretch>
-                  <a:fillRect t="-6667"/>
-                </a:stretch>
-              </a:blipFill>
-            </p:spPr>
-            <p:txBody>
-              <a:bodyPr/>
-              <a:lstStyle/>
-              <a:p>
-                <a:r>
-                  <a:rPr lang="en-US">
-                    <a:noFill/>
-                  </a:rPr>
-                  <a:t> </a:t>
-                </a:r>
-              </a:p>
-            </p:txBody>
-          </p:sp>
-        </mc:Fallback>
-      </mc:AlternateContent>
-      <p:sp>
-        <p:nvSpPr>
-          <p:cNvPr id="58" name="TextBox 57">
+      <p:sp>
+        <p:nvSpPr>
+          <p:cNvPr id="52" name="TextBox 51">
             <a:extLst>
               <a:ext uri="{FF2B5EF4-FFF2-40B4-BE49-F238E27FC236}">
-                <a16:creationId xmlns:a16="http://schemas.microsoft.com/office/drawing/2014/main" id="{BB2AB3EA-AD8B-C74E-AEF7-BA4C1B9E6F65}"/>
+                <a16:creationId xmlns:a16="http://schemas.microsoft.com/office/drawing/2014/main" id="{1A692A83-CE63-1E4F-A8A9-E2D9111C6BC8}"/>
               </a:ext>
             </a:extLst>
           </p:cNvPr>
@@ -4552,7 +4511,7 @@
         </p:nvSpPr>
         <p:spPr>
           <a:xfrm>
-            <a:off x="238579" y="3902608"/>
+            <a:off x="232098" y="1192292"/>
             <a:ext cx="474810" cy="276999"/>
           </a:xfrm>
           <a:prstGeom prst="rect">
@@ -4575,6 +4534,50 @@
           </a:p>
         </p:txBody>
       </p:sp>
+      <p:cxnSp>
+        <p:nvCxnSpPr>
+          <p:cNvPr id="54" name="Straight Arrow Connector 53">
+            <a:extLst>
+              <a:ext uri="{FF2B5EF4-FFF2-40B4-BE49-F238E27FC236}">
+                <a16:creationId xmlns:a16="http://schemas.microsoft.com/office/drawing/2014/main" id="{4E7987D6-E67D-E143-A363-BCA5D75132C2}"/>
+              </a:ext>
+            </a:extLst>
+          </p:cNvPr>
+          <p:cNvCxnSpPr>
+            <a:cxnSpLocks/>
+          </p:cNvCxnSpPr>
+          <p:nvPr/>
+        </p:nvCxnSpPr>
+        <p:spPr>
+          <a:xfrm flipH="1">
+            <a:off x="841309" y="2859371"/>
+            <a:ext cx="2337968" cy="0"/>
+          </a:xfrm>
+          <a:prstGeom prst="straightConnector1">
+            <a:avLst/>
+          </a:prstGeom>
+          <a:ln w="9525">
+            <a:solidFill>
+              <a:schemeClr val="tx1"/>
+            </a:solidFill>
+            <a:tailEnd type="triangle"/>
+          </a:ln>
+        </p:spPr>
+        <p:style>
+          <a:lnRef idx="1">
+            <a:schemeClr val="accent1"/>
+          </a:lnRef>
+          <a:fillRef idx="0">
+            <a:schemeClr val="accent1"/>
+          </a:fillRef>
+          <a:effectRef idx="0">
+            <a:schemeClr val="accent1"/>
+          </a:effectRef>
+          <a:fontRef idx="minor">
+            <a:schemeClr val="tx1"/>
+          </a:fontRef>
+        </p:style>
+      </p:cxnSp>
       <p:grpSp>
         <p:nvGrpSpPr>
           <p:cNvPr id="61" name="Group 60">
@@ -4589,226 +4592,12 @@
         </p:nvGrpSpPr>
         <p:grpSpPr>
           <a:xfrm>
-            <a:off x="5657516" y="4346642"/>
-            <a:ext cx="2093696" cy="1250125"/>
-            <a:chOff x="4457466" y="4350087"/>
-            <a:chExt cx="2093696" cy="1250125"/>
+            <a:off x="4136712" y="2955812"/>
+            <a:ext cx="1842440" cy="997013"/>
+            <a:chOff x="5583695" y="3954975"/>
+            <a:chExt cx="3275448" cy="1772468"/>
           </a:xfrm>
         </p:grpSpPr>
-        <mc:AlternateContent xmlns:mc="http://schemas.openxmlformats.org/markup-compatibility/2006">
-          <mc:Choice xmlns:a14="http://schemas.microsoft.com/office/drawing/2010/main" Requires="a14">
-            <p:sp>
-              <p:nvSpPr>
-                <p:cNvPr id="23" name="TextBox 22">
-                  <a:extLst>
-                    <a:ext uri="{FF2B5EF4-FFF2-40B4-BE49-F238E27FC236}">
-                      <a16:creationId xmlns:a16="http://schemas.microsoft.com/office/drawing/2014/main" id="{5F7D5D2A-992E-6B4F-B6D6-A4D5A11A9F7C}"/>
-                    </a:ext>
-                  </a:extLst>
-                </p:cNvPr>
-                <p:cNvSpPr txBox="1"/>
-                <p:nvPr/>
-              </p:nvSpPr>
-              <p:spPr>
-                <a:xfrm>
-                  <a:off x="4905895" y="4715215"/>
-                  <a:ext cx="503424" cy="185051"/>
-                </a:xfrm>
-                <a:prstGeom prst="rect">
-                  <a:avLst/>
-                </a:prstGeom>
-                <a:noFill/>
-              </p:spPr>
-              <p:txBody>
-                <a:bodyPr wrap="square" lIns="0" tIns="0" rIns="0" bIns="0" rtlCol="0">
-                  <a:spAutoFit/>
-                </a:bodyPr>
-                <a:lstStyle/>
-                <a:p>
-                  <a14:m>
-                    <m:oMathPara xmlns:m="http://schemas.openxmlformats.org/officeDocument/2006/math">
-                      <m:oMathParaPr>
-                        <m:jc m:val="centerGroup"/>
-                      </m:oMathParaPr>
-                      <m:oMath xmlns:m="http://schemas.openxmlformats.org/officeDocument/2006/math">
-                        <m:acc>
-                          <m:accPr>
-                            <m:chr m:val="̅"/>
-                            <m:ctrlPr>
-                              <a:rPr lang="en-US" sz="1200" i="1" smtClean="0">
-                                <a:latin typeface="Cambria Math" panose="02040503050406030204" pitchFamily="18" charset="0"/>
-                              </a:rPr>
-                            </m:ctrlPr>
-                          </m:accPr>
-                          <m:e>
-                            <m:r>
-                              <a:rPr lang="en-US" sz="1200" b="0" i="1" smtClean="0">
-                                <a:latin typeface="Cambria Math" panose="02040503050406030204" pitchFamily="18" charset="0"/>
-                              </a:rPr>
-                              <m:t>𝐴</m:t>
-                            </m:r>
-                          </m:e>
-                        </m:acc>
-                      </m:oMath>
-                    </m:oMathPara>
-                  </a14:m>
-                  <a:endParaRPr lang="en-US" sz="1200" dirty="0"/>
-                </a:p>
-              </p:txBody>
-            </p:sp>
-          </mc:Choice>
-          <mc:Fallback>
-            <p:sp>
-              <p:nvSpPr>
-                <p:cNvPr id="23" name="TextBox 22">
-                  <a:extLst>
-                    <a:ext uri="{FF2B5EF4-FFF2-40B4-BE49-F238E27FC236}">
-                      <a16:creationId xmlns:a16="http://schemas.microsoft.com/office/drawing/2014/main" id="{5F7D5D2A-992E-6B4F-B6D6-A4D5A11A9F7C}"/>
-                    </a:ext>
-                  </a:extLst>
-                </p:cNvPr>
-                <p:cNvSpPr txBox="1">
-                  <a:spLocks noRot="1" noChangeAspect="1" noMove="1" noResize="1" noEditPoints="1" noAdjustHandles="1" noChangeArrowheads="1" noChangeShapeType="1" noTextEdit="1"/>
-                </p:cNvSpPr>
-                <p:nvPr/>
-              </p:nvSpPr>
-              <p:spPr>
-                <a:xfrm>
-                  <a:off x="4905895" y="4715215"/>
-                  <a:ext cx="503424" cy="185051"/>
-                </a:xfrm>
-                <a:prstGeom prst="rect">
-                  <a:avLst/>
-                </a:prstGeom>
-                <a:blipFill>
-                  <a:blip r:embed="rId6"/>
-                  <a:stretch>
-                    <a:fillRect t="-6250"/>
-                  </a:stretch>
-                </a:blipFill>
-              </p:spPr>
-              <p:txBody>
-                <a:bodyPr/>
-                <a:lstStyle/>
-                <a:p>
-                  <a:r>
-                    <a:rPr lang="en-US">
-                      <a:noFill/>
-                    </a:rPr>
-                    <a:t> </a:t>
-                  </a:r>
-                </a:p>
-              </p:txBody>
-            </p:sp>
-          </mc:Fallback>
-        </mc:AlternateContent>
-        <mc:AlternateContent xmlns:mc="http://schemas.openxmlformats.org/markup-compatibility/2006">
-          <mc:Choice xmlns:a14="http://schemas.microsoft.com/office/drawing/2010/main" Requires="a14">
-            <p:sp>
-              <p:nvSpPr>
-                <p:cNvPr id="24" name="TextBox 23">
-                  <a:extLst>
-                    <a:ext uri="{FF2B5EF4-FFF2-40B4-BE49-F238E27FC236}">
-                      <a16:creationId xmlns:a16="http://schemas.microsoft.com/office/drawing/2014/main" id="{E4569705-1E99-BC4E-83D6-06F8B4497F4C}"/>
-                    </a:ext>
-                  </a:extLst>
-                </p:cNvPr>
-                <p:cNvSpPr txBox="1"/>
-                <p:nvPr/>
-              </p:nvSpPr>
-              <p:spPr>
-                <a:xfrm>
-                  <a:off x="5745650" y="4702526"/>
-                  <a:ext cx="593999" cy="185051"/>
-                </a:xfrm>
-                <a:prstGeom prst="rect">
-                  <a:avLst/>
-                </a:prstGeom>
-                <a:noFill/>
-              </p:spPr>
-              <p:txBody>
-                <a:bodyPr wrap="square" lIns="0" tIns="0" rIns="0" bIns="0" rtlCol="0">
-                  <a:spAutoFit/>
-                </a:bodyPr>
-                <a:lstStyle/>
-                <a:p>
-                  <a14:m>
-                    <m:oMathPara xmlns:m="http://schemas.openxmlformats.org/officeDocument/2006/math">
-                      <m:oMathParaPr>
-                        <m:jc m:val="centerGroup"/>
-                      </m:oMathParaPr>
-                      <m:oMath xmlns:m="http://schemas.openxmlformats.org/officeDocument/2006/math">
-                        <m:acc>
-                          <m:accPr>
-                            <m:chr m:val="̅"/>
-                            <m:ctrlPr>
-                              <a:rPr lang="en-US" sz="1200" i="1" smtClean="0">
-                                <a:latin typeface="Cambria Math" panose="02040503050406030204" pitchFamily="18" charset="0"/>
-                              </a:rPr>
-                            </m:ctrlPr>
-                          </m:accPr>
-                          <m:e>
-                            <m:r>
-                              <a:rPr lang="en-US" sz="1200" b="0" i="1" smtClean="0">
-                                <a:latin typeface="Cambria Math" panose="02040503050406030204" pitchFamily="18" charset="0"/>
-                              </a:rPr>
-                              <m:t>𝐴</m:t>
-                            </m:r>
-                          </m:e>
-                        </m:acc>
-                      </m:oMath>
-                    </m:oMathPara>
-                  </a14:m>
-                  <a:endParaRPr lang="en-US" sz="1200" dirty="0"/>
-                </a:p>
-              </p:txBody>
-            </p:sp>
-          </mc:Choice>
-          <mc:Fallback>
-            <p:sp>
-              <p:nvSpPr>
-                <p:cNvPr id="24" name="TextBox 23">
-                  <a:extLst>
-                    <a:ext uri="{FF2B5EF4-FFF2-40B4-BE49-F238E27FC236}">
-                      <a16:creationId xmlns:a16="http://schemas.microsoft.com/office/drawing/2014/main" id="{E4569705-1E99-BC4E-83D6-06F8B4497F4C}"/>
-                    </a:ext>
-                  </a:extLst>
-                </p:cNvPr>
-                <p:cNvSpPr txBox="1">
-                  <a:spLocks noRot="1" noChangeAspect="1" noMove="1" noResize="1" noEditPoints="1" noAdjustHandles="1" noChangeArrowheads="1" noChangeShapeType="1" noTextEdit="1"/>
-                </p:cNvSpPr>
-                <p:nvPr/>
-              </p:nvSpPr>
-              <p:spPr>
-                <a:xfrm>
-                  <a:off x="5745650" y="4702526"/>
-                  <a:ext cx="593999" cy="185051"/>
-                </a:xfrm>
-                <a:prstGeom prst="rect">
-                  <a:avLst/>
-                </a:prstGeom>
-                <a:blipFill>
-                  <a:blip r:embed="rId7"/>
-                  <a:stretch>
-                    <a:fillRect t="-6250"/>
-                  </a:stretch>
-                </a:blipFill>
-              </p:spPr>
-              <p:txBody>
-                <a:bodyPr/>
-                <a:lstStyle/>
-                <a:p>
-                  <a:r>
-                    <a:rPr lang="en-US">
-                      <a:noFill/>
-                    </a:rPr>
-                    <a:t> </a:t>
-                  </a:r>
-                </a:p>
-              </p:txBody>
-            </p:sp>
-          </mc:Fallback>
-        </mc:AlternateContent>
         <p:sp>
           <p:nvSpPr>
             <p:cNvPr id="25" name="TextBox 24">
@@ -4823,8 +4612,8 @@
           </p:nvSpPr>
           <p:spPr>
             <a:xfrm>
-              <a:off x="4587155" y="4425527"/>
-              <a:ext cx="849913" cy="276999"/>
+              <a:off x="5583695" y="4048355"/>
+              <a:ext cx="1510956" cy="492443"/>
             </a:xfrm>
             <a:prstGeom prst="rect">
               <a:avLst/>
@@ -4860,8 +4649,8 @@
           </p:nvSpPr>
           <p:spPr>
             <a:xfrm>
-              <a:off x="5389906" y="4429902"/>
-              <a:ext cx="1045479" cy="276999"/>
+              <a:off x="7000514" y="4045135"/>
+              <a:ext cx="1858629" cy="492443"/>
             </a:xfrm>
             <a:prstGeom prst="rect">
               <a:avLst/>
@@ -4897,8 +4686,8 @@
           </p:nvSpPr>
           <p:spPr>
             <a:xfrm>
-              <a:off x="4831888" y="5270964"/>
-              <a:ext cx="1200970" cy="276999"/>
+              <a:off x="5827928" y="5210952"/>
+              <a:ext cx="2679366" cy="492443"/>
             </a:xfrm>
             <a:prstGeom prst="rect">
               <a:avLst/>
@@ -4912,378 +4701,16 @@
             <a:lstStyle/>
             <a:p>
               <a:r>
-                <a:rPr lang="en-US" sz="1200" dirty="0" err="1">
+                <a:rPr lang="en-US" sz="1200" b="1" dirty="0" err="1">
                   <a:latin typeface="Helvetica" pitchFamily="2" charset="0"/>
                 </a:rPr>
                 <a:t>Cov</a:t>
               </a:r>
               <a:r>
-                <a:rPr lang="en-US" sz="1200" dirty="0">
+                <a:rPr lang="en-US" sz="1200" b="1" dirty="0">
                   <a:latin typeface="Helvetica" pitchFamily="2" charset="0"/>
                 </a:rPr>
-                <a:t>(Gen, Env)</a:t>
-              </a:r>
-            </a:p>
-          </p:txBody>
-        </p:sp>
-        <p:sp>
-          <p:nvSpPr>
-            <p:cNvPr id="31" name="TextBox 30">
-              <a:extLst>
-                <a:ext uri="{FF2B5EF4-FFF2-40B4-BE49-F238E27FC236}">
-                  <a16:creationId xmlns:a16="http://schemas.microsoft.com/office/drawing/2014/main" id="{2C7EB768-CAED-FA4A-A550-607B995F559F}"/>
-                </a:ext>
-              </a:extLst>
-            </p:cNvPr>
-            <p:cNvSpPr txBox="1"/>
-            <p:nvPr/>
-          </p:nvSpPr>
-          <p:spPr>
-            <a:xfrm>
-              <a:off x="4668490" y="4669242"/>
-              <a:ext cx="474810" cy="276999"/>
-            </a:xfrm>
-            <a:prstGeom prst="rect">
-              <a:avLst/>
-            </a:prstGeom>
-            <a:noFill/>
-          </p:spPr>
-          <p:txBody>
-            <a:bodyPr wrap="none" rtlCol="0">
-              <a:spAutoFit/>
-            </a:bodyPr>
-            <a:lstStyle/>
-            <a:p>
-              <a:r>
-                <a:rPr lang="en-US" sz="1200" dirty="0">
-                  <a:latin typeface="Helvetica" pitchFamily="2" charset="0"/>
-                </a:rPr>
-                <a:t>Gen</a:t>
-              </a:r>
-            </a:p>
-          </p:txBody>
-        </p:sp>
-        <p:sp>
-          <p:nvSpPr>
-            <p:cNvPr id="32" name="TextBox 31">
-              <a:extLst>
-                <a:ext uri="{FF2B5EF4-FFF2-40B4-BE49-F238E27FC236}">
-                  <a16:creationId xmlns:a16="http://schemas.microsoft.com/office/drawing/2014/main" id="{8D74F83D-EAF6-C84B-9479-1D53C2211075}"/>
-                </a:ext>
-              </a:extLst>
-            </p:cNvPr>
-            <p:cNvSpPr txBox="1"/>
-            <p:nvPr/>
-          </p:nvSpPr>
-          <p:spPr>
-            <a:xfrm>
-              <a:off x="5583696" y="4665301"/>
-              <a:ext cx="449162" cy="276999"/>
-            </a:xfrm>
-            <a:prstGeom prst="rect">
-              <a:avLst/>
-            </a:prstGeom>
-            <a:noFill/>
-          </p:spPr>
-          <p:txBody>
-            <a:bodyPr wrap="none" rtlCol="0">
-              <a:spAutoFit/>
-            </a:bodyPr>
-            <a:lstStyle/>
-            <a:p>
-              <a:r>
-                <a:rPr lang="en-US" sz="1200" dirty="0">
-                  <a:latin typeface="Helvetica" pitchFamily="2" charset="0"/>
-                </a:rPr>
-                <a:t>Env</a:t>
-              </a:r>
-            </a:p>
-          </p:txBody>
-        </p:sp>
-        <mc:AlternateContent xmlns:mc="http://schemas.openxmlformats.org/markup-compatibility/2006">
-          <mc:Choice xmlns:a14="http://schemas.microsoft.com/office/drawing/2010/main" Requires="a14">
-            <p:sp>
-              <p:nvSpPr>
-                <p:cNvPr id="33" name="TextBox 32">
-                  <a:extLst>
-                    <a:ext uri="{FF2B5EF4-FFF2-40B4-BE49-F238E27FC236}">
-                      <a16:creationId xmlns:a16="http://schemas.microsoft.com/office/drawing/2014/main" id="{B313A373-9433-BF49-B645-82EBB1EED7C2}"/>
-                    </a:ext>
-                  </a:extLst>
-                </p:cNvPr>
-                <p:cNvSpPr txBox="1"/>
-                <p:nvPr/>
-              </p:nvSpPr>
-              <p:spPr>
-                <a:xfrm>
-                  <a:off x="4905895" y="4987839"/>
-                  <a:ext cx="503424" cy="185051"/>
-                </a:xfrm>
-                <a:prstGeom prst="rect">
-                  <a:avLst/>
-                </a:prstGeom>
-                <a:noFill/>
-              </p:spPr>
-              <p:txBody>
-                <a:bodyPr wrap="square" lIns="0" tIns="0" rIns="0" bIns="0" rtlCol="0">
-                  <a:spAutoFit/>
-                </a:bodyPr>
-                <a:lstStyle/>
-                <a:p>
-                  <a14:m>
-                    <m:oMathPara xmlns:m="http://schemas.openxmlformats.org/officeDocument/2006/math">
-                      <m:oMathParaPr>
-                        <m:jc m:val="centerGroup"/>
-                      </m:oMathParaPr>
-                      <m:oMath xmlns:m="http://schemas.openxmlformats.org/officeDocument/2006/math">
-                        <m:acc>
-                          <m:accPr>
-                            <m:chr m:val="̅"/>
-                            <m:ctrlPr>
-                              <a:rPr lang="en-US" sz="1200" i="1" smtClean="0">
-                                <a:latin typeface="Cambria Math" panose="02040503050406030204" pitchFamily="18" charset="0"/>
-                              </a:rPr>
-                            </m:ctrlPr>
-                          </m:accPr>
-                          <m:e>
-                            <m:r>
-                              <a:rPr lang="en-US" sz="1200" b="0" i="1" smtClean="0">
-                                <a:latin typeface="Cambria Math" panose="02040503050406030204" pitchFamily="18" charset="0"/>
-                              </a:rPr>
-                              <m:t>𝐵</m:t>
-                            </m:r>
-                          </m:e>
-                        </m:acc>
-                      </m:oMath>
-                    </m:oMathPara>
-                  </a14:m>
-                  <a:endParaRPr lang="en-US" sz="1200" dirty="0"/>
-                </a:p>
-              </p:txBody>
-            </p:sp>
-          </mc:Choice>
-          <mc:Fallback>
-            <p:sp>
-              <p:nvSpPr>
-                <p:cNvPr id="33" name="TextBox 32">
-                  <a:extLst>
-                    <a:ext uri="{FF2B5EF4-FFF2-40B4-BE49-F238E27FC236}">
-                      <a16:creationId xmlns:a16="http://schemas.microsoft.com/office/drawing/2014/main" id="{B313A373-9433-BF49-B645-82EBB1EED7C2}"/>
-                    </a:ext>
-                  </a:extLst>
-                </p:cNvPr>
-                <p:cNvSpPr txBox="1">
-                  <a:spLocks noRot="1" noChangeAspect="1" noMove="1" noResize="1" noEditPoints="1" noAdjustHandles="1" noChangeArrowheads="1" noChangeShapeType="1" noTextEdit="1"/>
-                </p:cNvSpPr>
-                <p:nvPr/>
-              </p:nvSpPr>
-              <p:spPr>
-                <a:xfrm>
-                  <a:off x="4905895" y="4987839"/>
-                  <a:ext cx="503424" cy="185051"/>
-                </a:xfrm>
-                <a:prstGeom prst="rect">
-                  <a:avLst/>
-                </a:prstGeom>
-                <a:blipFill>
-                  <a:blip r:embed="rId8"/>
-                  <a:stretch>
-                    <a:fillRect t="-6250"/>
-                  </a:stretch>
-                </a:blipFill>
-              </p:spPr>
-              <p:txBody>
-                <a:bodyPr/>
-                <a:lstStyle/>
-                <a:p>
-                  <a:r>
-                    <a:rPr lang="en-US">
-                      <a:noFill/>
-                    </a:rPr>
-                    <a:t> </a:t>
-                  </a:r>
-                </a:p>
-              </p:txBody>
-            </p:sp>
-          </mc:Fallback>
-        </mc:AlternateContent>
-        <mc:AlternateContent xmlns:mc="http://schemas.openxmlformats.org/markup-compatibility/2006">
-          <mc:Choice xmlns:a14="http://schemas.microsoft.com/office/drawing/2010/main" Requires="a14">
-            <p:sp>
-              <p:nvSpPr>
-                <p:cNvPr id="34" name="TextBox 33">
-                  <a:extLst>
-                    <a:ext uri="{FF2B5EF4-FFF2-40B4-BE49-F238E27FC236}">
-                      <a16:creationId xmlns:a16="http://schemas.microsoft.com/office/drawing/2014/main" id="{6BCAD9F6-9210-4142-8DEB-9C30778F5380}"/>
-                    </a:ext>
-                  </a:extLst>
-                </p:cNvPr>
-                <p:cNvSpPr txBox="1"/>
-                <p:nvPr/>
-              </p:nvSpPr>
-              <p:spPr>
-                <a:xfrm>
-                  <a:off x="5745650" y="4975150"/>
-                  <a:ext cx="593999" cy="185051"/>
-                </a:xfrm>
-                <a:prstGeom prst="rect">
-                  <a:avLst/>
-                </a:prstGeom>
-                <a:noFill/>
-              </p:spPr>
-              <p:txBody>
-                <a:bodyPr wrap="square" lIns="0" tIns="0" rIns="0" bIns="0" rtlCol="0">
-                  <a:spAutoFit/>
-                </a:bodyPr>
-                <a:lstStyle/>
-                <a:p>
-                  <a14:m>
-                    <m:oMathPara xmlns:m="http://schemas.openxmlformats.org/officeDocument/2006/math">
-                      <m:oMathParaPr>
-                        <m:jc m:val="centerGroup"/>
-                      </m:oMathParaPr>
-                      <m:oMath xmlns:m="http://schemas.openxmlformats.org/officeDocument/2006/math">
-                        <m:acc>
-                          <m:accPr>
-                            <m:chr m:val="̅"/>
-                            <m:ctrlPr>
-                              <a:rPr lang="en-US" sz="1200" i="1" smtClean="0">
-                                <a:latin typeface="Cambria Math" panose="02040503050406030204" pitchFamily="18" charset="0"/>
-                              </a:rPr>
-                            </m:ctrlPr>
-                          </m:accPr>
-                          <m:e>
-                            <m:r>
-                              <a:rPr lang="en-US" sz="1200" b="0" i="1" smtClean="0">
-                                <a:latin typeface="Cambria Math" panose="02040503050406030204" pitchFamily="18" charset="0"/>
-                              </a:rPr>
-                              <m:t>𝐵</m:t>
-                            </m:r>
-                          </m:e>
-                        </m:acc>
-                      </m:oMath>
-                    </m:oMathPara>
-                  </a14:m>
-                  <a:endParaRPr lang="en-US" sz="1200" dirty="0"/>
-                </a:p>
-              </p:txBody>
-            </p:sp>
-          </mc:Choice>
-          <mc:Fallback>
-            <p:sp>
-              <p:nvSpPr>
-                <p:cNvPr id="34" name="TextBox 33">
-                  <a:extLst>
-                    <a:ext uri="{FF2B5EF4-FFF2-40B4-BE49-F238E27FC236}">
-                      <a16:creationId xmlns:a16="http://schemas.microsoft.com/office/drawing/2014/main" id="{6BCAD9F6-9210-4142-8DEB-9C30778F5380}"/>
-                    </a:ext>
-                  </a:extLst>
-                </p:cNvPr>
-                <p:cNvSpPr txBox="1">
-                  <a:spLocks noRot="1" noChangeAspect="1" noMove="1" noResize="1" noEditPoints="1" noAdjustHandles="1" noChangeArrowheads="1" noChangeShapeType="1" noTextEdit="1"/>
-                </p:cNvSpPr>
-                <p:nvPr/>
-              </p:nvSpPr>
-              <p:spPr>
-                <a:xfrm>
-                  <a:off x="5745650" y="4975150"/>
-                  <a:ext cx="593999" cy="185051"/>
-                </a:xfrm>
-                <a:prstGeom prst="rect">
-                  <a:avLst/>
-                </a:prstGeom>
-                <a:blipFill>
-                  <a:blip r:embed="rId9"/>
-                  <a:stretch>
-                    <a:fillRect t="-6250"/>
-                  </a:stretch>
-                </a:blipFill>
-              </p:spPr>
-              <p:txBody>
-                <a:bodyPr/>
-                <a:lstStyle/>
-                <a:p>
-                  <a:r>
-                    <a:rPr lang="en-US">
-                      <a:noFill/>
-                    </a:rPr>
-                    <a:t> </a:t>
-                  </a:r>
-                </a:p>
-              </p:txBody>
-            </p:sp>
-          </mc:Fallback>
-        </mc:AlternateContent>
-        <p:sp>
-          <p:nvSpPr>
-            <p:cNvPr id="35" name="TextBox 34">
-              <a:extLst>
-                <a:ext uri="{FF2B5EF4-FFF2-40B4-BE49-F238E27FC236}">
-                  <a16:creationId xmlns:a16="http://schemas.microsoft.com/office/drawing/2014/main" id="{A61C4069-8F0D-7849-8F26-0D69D276FBB7}"/>
-                </a:ext>
-              </a:extLst>
-            </p:cNvPr>
-            <p:cNvSpPr txBox="1"/>
-            <p:nvPr/>
-          </p:nvSpPr>
-          <p:spPr>
-            <a:xfrm>
-              <a:off x="4668490" y="4941866"/>
-              <a:ext cx="474810" cy="276999"/>
-            </a:xfrm>
-            <a:prstGeom prst="rect">
-              <a:avLst/>
-            </a:prstGeom>
-            <a:noFill/>
-          </p:spPr>
-          <p:txBody>
-            <a:bodyPr wrap="none" rtlCol="0">
-              <a:spAutoFit/>
-            </a:bodyPr>
-            <a:lstStyle/>
-            <a:p>
-              <a:r>
-                <a:rPr lang="en-US" sz="1200" dirty="0">
-                  <a:latin typeface="Helvetica" pitchFamily="2" charset="0"/>
-                </a:rPr>
-                <a:t>Gen</a:t>
-              </a:r>
-            </a:p>
-          </p:txBody>
-        </p:sp>
-        <p:sp>
-          <p:nvSpPr>
-            <p:cNvPr id="36" name="TextBox 35">
-              <a:extLst>
-                <a:ext uri="{FF2B5EF4-FFF2-40B4-BE49-F238E27FC236}">
-                  <a16:creationId xmlns:a16="http://schemas.microsoft.com/office/drawing/2014/main" id="{3DD40DE1-E353-8B49-98A3-CBF34AB3F5AE}"/>
-                </a:ext>
-              </a:extLst>
-            </p:cNvPr>
-            <p:cNvSpPr txBox="1"/>
-            <p:nvPr/>
-          </p:nvSpPr>
-          <p:spPr>
-            <a:xfrm>
-              <a:off x="5583696" y="4937925"/>
-              <a:ext cx="449162" cy="276999"/>
-            </a:xfrm>
-            <a:prstGeom prst="rect">
-              <a:avLst/>
-            </a:prstGeom>
-            <a:noFill/>
-          </p:spPr>
-          <p:txBody>
-            <a:bodyPr wrap="none" rtlCol="0">
-              <a:spAutoFit/>
-            </a:bodyPr>
-            <a:lstStyle/>
-            <a:p>
-              <a:r>
-                <a:rPr lang="en-US" sz="1200" dirty="0">
-                  <a:latin typeface="Helvetica" pitchFamily="2" charset="0"/>
-                </a:rPr>
-                <a:t>Env</a:t>
+                <a:t>(Gen, Env) &gt; 0</a:t>
               </a:r>
             </a:p>
           </p:txBody>
@@ -5302,8 +4729,8 @@
           </p:nvSpPr>
           <p:spPr>
             <a:xfrm>
-              <a:off x="4457466" y="4350087"/>
-              <a:ext cx="2093696" cy="1250125"/>
+              <a:off x="5588145" y="3954975"/>
+              <a:ext cx="3204633" cy="1772468"/>
             </a:xfrm>
             <a:prstGeom prst="rect">
               <a:avLst/>
@@ -5336,11 +4763,3543 @@
             <a:lstStyle/>
             <a:p>
               <a:pPr algn="ctr"/>
-              <a:endParaRPr lang="en-US"/>
+              <a:endParaRPr lang="en-US" sz="1013"/>
             </a:p>
           </p:txBody>
         </p:sp>
       </p:grpSp>
+      <p:sp>
+        <p:nvSpPr>
+          <p:cNvPr id="2" name="Diamond 1">
+            <a:extLst>
+              <a:ext uri="{FF2B5EF4-FFF2-40B4-BE49-F238E27FC236}">
+                <a16:creationId xmlns:a16="http://schemas.microsoft.com/office/drawing/2014/main" id="{88F8FFFA-EEC6-F849-89EF-13C55884913F}"/>
+              </a:ext>
+            </a:extLst>
+          </p:cNvPr>
+          <p:cNvSpPr>
+            <a:spLocks noChangeAspect="1"/>
+          </p:cNvSpPr>
+          <p:nvPr/>
+        </p:nvSpPr>
+        <p:spPr>
+          <a:xfrm>
+            <a:off x="1326390" y="2065883"/>
+            <a:ext cx="257175" cy="257175"/>
+          </a:xfrm>
+          <a:prstGeom prst="diamond">
+            <a:avLst/>
+          </a:prstGeom>
+          <a:solidFill>
+            <a:srgbClr val="7030A0"/>
+          </a:solidFill>
+          <a:ln>
+            <a:solidFill>
+              <a:srgbClr val="7030A0"/>
+            </a:solidFill>
+          </a:ln>
+        </p:spPr>
+        <p:style>
+          <a:lnRef idx="2">
+            <a:schemeClr val="accent1">
+              <a:shade val="50000"/>
+            </a:schemeClr>
+          </a:lnRef>
+          <a:fillRef idx="1">
+            <a:schemeClr val="accent1"/>
+          </a:fillRef>
+          <a:effectRef idx="0">
+            <a:schemeClr val="accent1"/>
+          </a:effectRef>
+          <a:fontRef idx="minor">
+            <a:schemeClr val="lt1"/>
+          </a:fontRef>
+        </p:style>
+        <p:txBody>
+          <a:bodyPr rot="0" spcFirstLastPara="0" vertOverflow="overflow" horzOverflow="overflow" vert="horz" wrap="square" lIns="51435" tIns="25718" rIns="51435" bIns="25718" numCol="1" spcCol="0" rtlCol="0" fromWordArt="0" anchor="ctr" anchorCtr="0" forceAA="0" compatLnSpc="1">
+            <a:prstTxWarp prst="textNoShape">
+              <a:avLst/>
+            </a:prstTxWarp>
+            <a:noAutofit/>
+          </a:bodyPr>
+          <a:lstStyle/>
+          <a:p>
+            <a:pPr algn="ctr"/>
+            <a:endParaRPr lang="en-US" sz="1013"/>
+          </a:p>
+        </p:txBody>
+      </p:sp>
+      <p:sp>
+        <p:nvSpPr>
+          <p:cNvPr id="49" name="Diamond 48">
+            <a:extLst>
+              <a:ext uri="{FF2B5EF4-FFF2-40B4-BE49-F238E27FC236}">
+                <a16:creationId xmlns:a16="http://schemas.microsoft.com/office/drawing/2014/main" id="{5932ADAE-F96D-A64D-85E2-1D7909A69984}"/>
+              </a:ext>
+            </a:extLst>
+          </p:cNvPr>
+          <p:cNvSpPr>
+            <a:spLocks noChangeAspect="1"/>
+          </p:cNvSpPr>
+          <p:nvPr/>
+        </p:nvSpPr>
+        <p:spPr>
+          <a:xfrm>
+            <a:off x="4864162" y="644579"/>
+            <a:ext cx="257175" cy="257175"/>
+          </a:xfrm>
+          <a:prstGeom prst="diamond">
+            <a:avLst/>
+          </a:prstGeom>
+          <a:solidFill>
+            <a:srgbClr val="7030A0"/>
+          </a:solidFill>
+          <a:ln>
+            <a:solidFill>
+              <a:srgbClr val="7030A0"/>
+            </a:solidFill>
+          </a:ln>
+        </p:spPr>
+        <p:style>
+          <a:lnRef idx="2">
+            <a:schemeClr val="accent1">
+              <a:shade val="50000"/>
+            </a:schemeClr>
+          </a:lnRef>
+          <a:fillRef idx="1">
+            <a:schemeClr val="accent1"/>
+          </a:fillRef>
+          <a:effectRef idx="0">
+            <a:schemeClr val="accent1"/>
+          </a:effectRef>
+          <a:fontRef idx="minor">
+            <a:schemeClr val="lt1"/>
+          </a:fontRef>
+        </p:style>
+        <p:txBody>
+          <a:bodyPr rot="0" spcFirstLastPara="0" vertOverflow="overflow" horzOverflow="overflow" vert="horz" wrap="square" lIns="51435" tIns="25718" rIns="51435" bIns="25718" numCol="1" spcCol="0" rtlCol="0" fromWordArt="0" anchor="ctr" anchorCtr="0" forceAA="0" compatLnSpc="1">
+            <a:prstTxWarp prst="textNoShape">
+              <a:avLst/>
+            </a:prstTxWarp>
+            <a:noAutofit/>
+          </a:bodyPr>
+          <a:lstStyle/>
+          <a:p>
+            <a:pPr algn="ctr"/>
+            <a:endParaRPr lang="en-US" sz="1013"/>
+          </a:p>
+        </p:txBody>
+      </p:sp>
+      <p:sp>
+        <p:nvSpPr>
+          <p:cNvPr id="50" name="Half Frame 49">
+            <a:extLst>
+              <a:ext uri="{FF2B5EF4-FFF2-40B4-BE49-F238E27FC236}">
+                <a16:creationId xmlns:a16="http://schemas.microsoft.com/office/drawing/2014/main" id="{AD80314C-68D1-4E47-9599-77F489151546}"/>
+              </a:ext>
+            </a:extLst>
+          </p:cNvPr>
+          <p:cNvSpPr/>
+          <p:nvPr/>
+        </p:nvSpPr>
+        <p:spPr>
+          <a:xfrm rot="16200000">
+            <a:off x="1680912" y="3897204"/>
+            <a:ext cx="3594967" cy="5423203"/>
+          </a:xfrm>
+          <a:prstGeom prst="halfFrame">
+            <a:avLst>
+              <a:gd name="adj1" fmla="val 771"/>
+              <a:gd name="adj2" fmla="val 626"/>
+            </a:avLst>
+          </a:prstGeom>
+          <a:solidFill>
+            <a:schemeClr val="tx1"/>
+          </a:solidFill>
+          <a:ln>
+            <a:solidFill>
+              <a:schemeClr val="tx1"/>
+            </a:solidFill>
+          </a:ln>
+        </p:spPr>
+        <p:style>
+          <a:lnRef idx="2">
+            <a:schemeClr val="accent1">
+              <a:shade val="50000"/>
+            </a:schemeClr>
+          </a:lnRef>
+          <a:fillRef idx="1">
+            <a:schemeClr val="accent1"/>
+          </a:fillRef>
+          <a:effectRef idx="0">
+            <a:schemeClr val="accent1"/>
+          </a:effectRef>
+          <a:fontRef idx="minor">
+            <a:schemeClr val="lt1"/>
+          </a:fontRef>
+        </p:style>
+        <p:txBody>
+          <a:bodyPr rtlCol="0" anchor="ctr"/>
+          <a:lstStyle/>
+          <a:p>
+            <a:pPr algn="ctr"/>
+            <a:endParaRPr lang="en-US" sz="1013">
+              <a:solidFill>
+                <a:schemeClr val="tx1"/>
+              </a:solidFill>
+            </a:endParaRPr>
+          </a:p>
+        </p:txBody>
+      </p:sp>
+      <p:sp>
+        <p:nvSpPr>
+          <p:cNvPr id="55" name="TextBox 54">
+            <a:extLst>
+              <a:ext uri="{FF2B5EF4-FFF2-40B4-BE49-F238E27FC236}">
+                <a16:creationId xmlns:a16="http://schemas.microsoft.com/office/drawing/2014/main" id="{B28D19FB-A45D-1047-8DD5-07CBCEAC55D0}"/>
+              </a:ext>
+            </a:extLst>
+          </p:cNvPr>
+          <p:cNvSpPr txBox="1"/>
+          <p:nvPr/>
+        </p:nvSpPr>
+        <p:spPr>
+          <a:xfrm>
+            <a:off x="895778" y="4873831"/>
+            <a:ext cx="2945037" cy="338554"/>
+          </a:xfrm>
+          <a:prstGeom prst="rect">
+            <a:avLst/>
+          </a:prstGeom>
+          <a:noFill/>
+        </p:spPr>
+        <p:txBody>
+          <a:bodyPr wrap="none" rtlCol="0">
+            <a:spAutoFit/>
+          </a:bodyPr>
+          <a:lstStyle/>
+          <a:p>
+            <a:r>
+              <a:rPr lang="en-US" sz="1600" b="1" dirty="0">
+                <a:latin typeface="Helvetica" pitchFamily="2" charset="0"/>
+              </a:rPr>
+              <a:t>b. Countergradient Variation</a:t>
+            </a:r>
+          </a:p>
+        </p:txBody>
+      </p:sp>
+      <p:sp>
+        <p:nvSpPr>
+          <p:cNvPr id="56" name="Oval 55">
+            <a:extLst>
+              <a:ext uri="{FF2B5EF4-FFF2-40B4-BE49-F238E27FC236}">
+                <a16:creationId xmlns:a16="http://schemas.microsoft.com/office/drawing/2014/main" id="{87B53E32-3C2C-A945-A154-9A90F533BCED}"/>
+              </a:ext>
+            </a:extLst>
+          </p:cNvPr>
+          <p:cNvSpPr/>
+          <p:nvPr/>
+        </p:nvSpPr>
+        <p:spPr>
+          <a:xfrm>
+            <a:off x="1319823" y="6324621"/>
+            <a:ext cx="257175" cy="257175"/>
+          </a:xfrm>
+          <a:prstGeom prst="ellipse">
+            <a:avLst/>
+          </a:prstGeom>
+          <a:solidFill>
+            <a:schemeClr val="accent6">
+              <a:lumMod val="50000"/>
+            </a:schemeClr>
+          </a:solidFill>
+          <a:ln>
+            <a:noFill/>
+          </a:ln>
+        </p:spPr>
+        <p:style>
+          <a:lnRef idx="2">
+            <a:schemeClr val="accent1">
+              <a:shade val="50000"/>
+            </a:schemeClr>
+          </a:lnRef>
+          <a:fillRef idx="1">
+            <a:schemeClr val="accent1"/>
+          </a:fillRef>
+          <a:effectRef idx="0">
+            <a:schemeClr val="accent1"/>
+          </a:effectRef>
+          <a:fontRef idx="minor">
+            <a:schemeClr val="lt1"/>
+          </a:fontRef>
+        </p:style>
+        <p:txBody>
+          <a:bodyPr rtlCol="0" anchor="ctr"/>
+          <a:lstStyle/>
+          <a:p>
+            <a:pPr algn="ctr"/>
+            <a:endParaRPr lang="en-US" sz="1013"/>
+          </a:p>
+        </p:txBody>
+      </p:sp>
+      <p:sp>
+        <p:nvSpPr>
+          <p:cNvPr id="59" name="Oval 58">
+            <a:extLst>
+              <a:ext uri="{FF2B5EF4-FFF2-40B4-BE49-F238E27FC236}">
+                <a16:creationId xmlns:a16="http://schemas.microsoft.com/office/drawing/2014/main" id="{3048685E-FA1F-9446-81C1-52674EAC1E4D}"/>
+              </a:ext>
+            </a:extLst>
+          </p:cNvPr>
+          <p:cNvSpPr/>
+          <p:nvPr/>
+        </p:nvSpPr>
+        <p:spPr>
+          <a:xfrm>
+            <a:off x="4856279" y="4891842"/>
+            <a:ext cx="257175" cy="257175"/>
+          </a:xfrm>
+          <a:prstGeom prst="ellipse">
+            <a:avLst/>
+          </a:prstGeom>
+          <a:solidFill>
+            <a:schemeClr val="accent6">
+              <a:lumMod val="50000"/>
+            </a:schemeClr>
+          </a:solidFill>
+          <a:ln>
+            <a:noFill/>
+          </a:ln>
+        </p:spPr>
+        <p:style>
+          <a:lnRef idx="2">
+            <a:schemeClr val="accent1">
+              <a:shade val="50000"/>
+            </a:schemeClr>
+          </a:lnRef>
+          <a:fillRef idx="1">
+            <a:schemeClr val="accent1"/>
+          </a:fillRef>
+          <a:effectRef idx="0">
+            <a:schemeClr val="accent1"/>
+          </a:effectRef>
+          <a:fontRef idx="minor">
+            <a:schemeClr val="lt1"/>
+          </a:fontRef>
+        </p:style>
+        <p:txBody>
+          <a:bodyPr rtlCol="0" anchor="ctr"/>
+          <a:lstStyle/>
+          <a:p>
+            <a:pPr algn="ctr"/>
+            <a:endParaRPr lang="en-US" sz="1013"/>
+          </a:p>
+        </p:txBody>
+      </p:sp>
+      <p:cxnSp>
+        <p:nvCxnSpPr>
+          <p:cNvPr id="62" name="Straight Connector 61">
+            <a:extLst>
+              <a:ext uri="{FF2B5EF4-FFF2-40B4-BE49-F238E27FC236}">
+                <a16:creationId xmlns:a16="http://schemas.microsoft.com/office/drawing/2014/main" id="{17489C33-CC0D-1549-98C0-43EE53EDF4CA}"/>
+              </a:ext>
+            </a:extLst>
+          </p:cNvPr>
+          <p:cNvCxnSpPr>
+            <a:stCxn id="56" idx="6"/>
+            <a:endCxn id="59" idx="2"/>
+          </p:cNvCxnSpPr>
+          <p:nvPr/>
+        </p:nvCxnSpPr>
+        <p:spPr>
+          <a:xfrm flipV="1">
+            <a:off x="1576998" y="5020430"/>
+            <a:ext cx="3279281" cy="1432779"/>
+          </a:xfrm>
+          <a:prstGeom prst="line">
+            <a:avLst/>
+          </a:prstGeom>
+          <a:ln w="12700">
+            <a:solidFill>
+              <a:schemeClr val="accent6">
+                <a:lumMod val="50000"/>
+              </a:schemeClr>
+            </a:solidFill>
+            <a:prstDash val="dash"/>
+          </a:ln>
+        </p:spPr>
+        <p:style>
+          <a:lnRef idx="1">
+            <a:schemeClr val="accent1"/>
+          </a:lnRef>
+          <a:fillRef idx="0">
+            <a:schemeClr val="accent1"/>
+          </a:fillRef>
+          <a:effectRef idx="0">
+            <a:schemeClr val="accent1"/>
+          </a:effectRef>
+          <a:fontRef idx="minor">
+            <a:schemeClr val="tx1"/>
+          </a:fontRef>
+        </p:style>
+      </p:cxnSp>
+      <p:sp>
+        <p:nvSpPr>
+          <p:cNvPr id="63" name="Diamond 62">
+            <a:extLst>
+              <a:ext uri="{FF2B5EF4-FFF2-40B4-BE49-F238E27FC236}">
+                <a16:creationId xmlns:a16="http://schemas.microsoft.com/office/drawing/2014/main" id="{21B6F42B-0BCA-9841-AA37-CB2388262F4E}"/>
+              </a:ext>
+            </a:extLst>
+          </p:cNvPr>
+          <p:cNvSpPr>
+            <a:spLocks noChangeAspect="1"/>
+          </p:cNvSpPr>
+          <p:nvPr/>
+        </p:nvSpPr>
+        <p:spPr>
+          <a:xfrm>
+            <a:off x="1307040" y="7869522"/>
+            <a:ext cx="257175" cy="257175"/>
+          </a:xfrm>
+          <a:prstGeom prst="diamond">
+            <a:avLst/>
+          </a:prstGeom>
+          <a:solidFill>
+            <a:srgbClr val="7030A0"/>
+          </a:solidFill>
+          <a:ln>
+            <a:solidFill>
+              <a:srgbClr val="7030A0"/>
+            </a:solidFill>
+          </a:ln>
+        </p:spPr>
+        <p:style>
+          <a:lnRef idx="2">
+            <a:schemeClr val="accent1">
+              <a:shade val="50000"/>
+            </a:schemeClr>
+          </a:lnRef>
+          <a:fillRef idx="1">
+            <a:schemeClr val="accent1"/>
+          </a:fillRef>
+          <a:effectRef idx="0">
+            <a:schemeClr val="accent1"/>
+          </a:effectRef>
+          <a:fontRef idx="minor">
+            <a:schemeClr val="lt1"/>
+          </a:fontRef>
+        </p:style>
+        <p:txBody>
+          <a:bodyPr rot="0" spcFirstLastPara="0" vertOverflow="overflow" horzOverflow="overflow" vert="horz" wrap="square" lIns="51435" tIns="25718" rIns="51435" bIns="25718" numCol="1" spcCol="0" rtlCol="0" fromWordArt="0" anchor="ctr" anchorCtr="0" forceAA="0" compatLnSpc="1">
+            <a:prstTxWarp prst="textNoShape">
+              <a:avLst/>
+            </a:prstTxWarp>
+            <a:noAutofit/>
+          </a:bodyPr>
+          <a:lstStyle/>
+          <a:p>
+            <a:pPr algn="ctr"/>
+            <a:endParaRPr lang="en-US" sz="1013"/>
+          </a:p>
+        </p:txBody>
+      </p:sp>
+      <p:sp>
+        <p:nvSpPr>
+          <p:cNvPr id="64" name="Diamond 63">
+            <a:extLst>
+              <a:ext uri="{FF2B5EF4-FFF2-40B4-BE49-F238E27FC236}">
+                <a16:creationId xmlns:a16="http://schemas.microsoft.com/office/drawing/2014/main" id="{FCD7B95A-5F9D-0D41-9E88-32F0A103234F}"/>
+              </a:ext>
+            </a:extLst>
+          </p:cNvPr>
+          <p:cNvSpPr>
+            <a:spLocks noChangeAspect="1"/>
+          </p:cNvSpPr>
+          <p:nvPr/>
+        </p:nvSpPr>
+        <p:spPr>
+          <a:xfrm>
+            <a:off x="4858340" y="6447054"/>
+            <a:ext cx="257175" cy="257175"/>
+          </a:xfrm>
+          <a:prstGeom prst="diamond">
+            <a:avLst/>
+          </a:prstGeom>
+          <a:solidFill>
+            <a:srgbClr val="7030A0"/>
+          </a:solidFill>
+          <a:ln>
+            <a:solidFill>
+              <a:srgbClr val="7030A0"/>
+            </a:solidFill>
+          </a:ln>
+        </p:spPr>
+        <p:style>
+          <a:lnRef idx="2">
+            <a:schemeClr val="accent1">
+              <a:shade val="50000"/>
+            </a:schemeClr>
+          </a:lnRef>
+          <a:fillRef idx="1">
+            <a:schemeClr val="accent1"/>
+          </a:fillRef>
+          <a:effectRef idx="0">
+            <a:schemeClr val="accent1"/>
+          </a:effectRef>
+          <a:fontRef idx="minor">
+            <a:schemeClr val="lt1"/>
+          </a:fontRef>
+        </p:style>
+        <p:txBody>
+          <a:bodyPr rot="0" spcFirstLastPara="0" vertOverflow="overflow" horzOverflow="overflow" vert="horz" wrap="square" lIns="51435" tIns="25718" rIns="51435" bIns="25718" numCol="1" spcCol="0" rtlCol="0" fromWordArt="0" anchor="ctr" anchorCtr="0" forceAA="0" compatLnSpc="1">
+            <a:prstTxWarp prst="textNoShape">
+              <a:avLst/>
+            </a:prstTxWarp>
+            <a:noAutofit/>
+          </a:bodyPr>
+          <a:lstStyle/>
+          <a:p>
+            <a:pPr algn="ctr"/>
+            <a:endParaRPr lang="en-US" sz="1013"/>
+          </a:p>
+        </p:txBody>
+      </p:sp>
+      <p:sp>
+        <p:nvSpPr>
+          <p:cNvPr id="65" name="Left Brace 64">
+            <a:extLst>
+              <a:ext uri="{FF2B5EF4-FFF2-40B4-BE49-F238E27FC236}">
+                <a16:creationId xmlns:a16="http://schemas.microsoft.com/office/drawing/2014/main" id="{BB05CDDA-DA3F-4F49-8C73-D0BAA23C089B}"/>
+              </a:ext>
+            </a:extLst>
+          </p:cNvPr>
+          <p:cNvSpPr/>
+          <p:nvPr/>
+        </p:nvSpPr>
+        <p:spPr>
+          <a:xfrm rot="4021445">
+            <a:off x="3133130" y="1139355"/>
+            <a:ext cx="137160" cy="3566160"/>
+          </a:xfrm>
+          <a:prstGeom prst="leftBrace">
+            <a:avLst>
+              <a:gd name="adj1" fmla="val 74153"/>
+              <a:gd name="adj2" fmla="val 50000"/>
+            </a:avLst>
+          </a:prstGeom>
+          <a:ln>
+            <a:solidFill>
+              <a:schemeClr val="tx1"/>
+            </a:solidFill>
+          </a:ln>
+        </p:spPr>
+        <p:style>
+          <a:lnRef idx="1">
+            <a:schemeClr val="accent1"/>
+          </a:lnRef>
+          <a:fillRef idx="0">
+            <a:schemeClr val="accent1"/>
+          </a:fillRef>
+          <a:effectRef idx="0">
+            <a:schemeClr val="accent1"/>
+          </a:effectRef>
+          <a:fontRef idx="minor">
+            <a:schemeClr val="tx1"/>
+          </a:fontRef>
+        </p:style>
+        <p:txBody>
+          <a:bodyPr rtlCol="0" anchor="ctr"/>
+          <a:lstStyle/>
+          <a:p>
+            <a:pPr algn="ctr"/>
+            <a:endParaRPr lang="en-US" sz="1013"/>
+          </a:p>
+        </p:txBody>
+      </p:sp>
+      <p:sp>
+        <p:nvSpPr>
+          <p:cNvPr id="70" name="TextBox 69">
+            <a:extLst>
+              <a:ext uri="{FF2B5EF4-FFF2-40B4-BE49-F238E27FC236}">
+                <a16:creationId xmlns:a16="http://schemas.microsoft.com/office/drawing/2014/main" id="{6D872D9C-CB51-3144-83EC-D948D40FCE6E}"/>
+              </a:ext>
+            </a:extLst>
+          </p:cNvPr>
+          <p:cNvSpPr txBox="1"/>
+          <p:nvPr/>
+        </p:nvSpPr>
+        <p:spPr>
+          <a:xfrm>
+            <a:off x="895778" y="551167"/>
+            <a:ext cx="2420856" cy="338554"/>
+          </a:xfrm>
+          <a:prstGeom prst="rect">
+            <a:avLst/>
+          </a:prstGeom>
+          <a:noFill/>
+        </p:spPr>
+        <p:txBody>
+          <a:bodyPr wrap="none" rtlCol="0">
+            <a:spAutoFit/>
+          </a:bodyPr>
+          <a:lstStyle/>
+          <a:p>
+            <a:r>
+              <a:rPr lang="en-US" sz="1600" b="1" dirty="0">
+                <a:latin typeface="Helvetica" pitchFamily="2" charset="0"/>
+              </a:rPr>
+              <a:t>a. </a:t>
+            </a:r>
+            <a:r>
+              <a:rPr lang="en-US" sz="1600" b="1" dirty="0" err="1">
+                <a:latin typeface="Helvetica" pitchFamily="2" charset="0"/>
+              </a:rPr>
+              <a:t>Cogradient</a:t>
+            </a:r>
+            <a:r>
+              <a:rPr lang="en-US" sz="1600" b="1" dirty="0">
+                <a:latin typeface="Helvetica" pitchFamily="2" charset="0"/>
+              </a:rPr>
+              <a:t> Variation</a:t>
+            </a:r>
+          </a:p>
+        </p:txBody>
+      </p:sp>
+      <mc:AlternateContent xmlns:mc="http://schemas.openxmlformats.org/markup-compatibility/2006">
+        <mc:Choice xmlns:a14="http://schemas.microsoft.com/office/drawing/2010/main" Requires="a14">
+          <p:sp>
+            <p:nvSpPr>
+              <p:cNvPr id="71" name="TextBox 70">
+                <a:extLst>
+                  <a:ext uri="{FF2B5EF4-FFF2-40B4-BE49-F238E27FC236}">
+                    <a16:creationId xmlns:a16="http://schemas.microsoft.com/office/drawing/2014/main" id="{F289B9AC-0345-2449-B403-DCC50FD6297A}"/>
+                  </a:ext>
+                </a:extLst>
+              </p:cNvPr>
+              <p:cNvSpPr txBox="1"/>
+              <p:nvPr/>
+            </p:nvSpPr>
+            <p:spPr>
+              <a:xfrm>
+                <a:off x="505933" y="1238273"/>
+                <a:ext cx="367675" cy="184666"/>
+              </a:xfrm>
+              <a:prstGeom prst="rect">
+                <a:avLst/>
+              </a:prstGeom>
+              <a:noFill/>
+            </p:spPr>
+            <p:txBody>
+              <a:bodyPr wrap="square" lIns="0" tIns="0" rIns="0" bIns="0" rtlCol="0">
+                <a:spAutoFit/>
+              </a:bodyPr>
+              <a:lstStyle/>
+              <a:p>
+                <a:pPr/>
+                <a14:m>
+                  <m:oMathPara xmlns:m="http://schemas.openxmlformats.org/officeDocument/2006/math">
+                    <m:oMathParaPr>
+                      <m:jc m:val="centerGroup"/>
+                    </m:oMathParaPr>
+                    <m:oMath xmlns:m="http://schemas.openxmlformats.org/officeDocument/2006/math">
+                      <m:acc>
+                        <m:accPr>
+                          <m:chr m:val="̅"/>
+                          <m:ctrlPr>
+                            <a:rPr lang="en-US" sz="1200" i="1">
+                              <a:latin typeface="Cambria Math" panose="02040503050406030204" pitchFamily="18" charset="0"/>
+                            </a:rPr>
+                          </m:ctrlPr>
+                        </m:accPr>
+                        <m:e>
+                          <m:r>
+                            <a:rPr lang="en-US" sz="1200" i="1">
+                              <a:latin typeface="Cambria Math" panose="02040503050406030204" pitchFamily="18" charset="0"/>
+                            </a:rPr>
+                            <m:t>𝐵</m:t>
+                          </m:r>
+                        </m:e>
+                      </m:acc>
+                    </m:oMath>
+                  </m:oMathPara>
+                </a14:m>
+                <a:endParaRPr lang="en-US" sz="1200" dirty="0"/>
+              </a:p>
+            </p:txBody>
+          </p:sp>
+        </mc:Choice>
+        <mc:Fallback>
+          <p:sp>
+            <p:nvSpPr>
+              <p:cNvPr id="71" name="TextBox 70">
+                <a:extLst>
+                  <a:ext uri="{FF2B5EF4-FFF2-40B4-BE49-F238E27FC236}">
+                    <a16:creationId xmlns:a16="http://schemas.microsoft.com/office/drawing/2014/main" id="{F289B9AC-0345-2449-B403-DCC50FD6297A}"/>
+                  </a:ext>
+                </a:extLst>
+              </p:cNvPr>
+              <p:cNvSpPr txBox="1">
+                <a:spLocks noRot="1" noChangeAspect="1" noMove="1" noResize="1" noEditPoints="1" noAdjustHandles="1" noChangeArrowheads="1" noChangeShapeType="1" noTextEdit="1"/>
+              </p:cNvSpPr>
+              <p:nvPr/>
+            </p:nvSpPr>
+            <p:spPr>
+              <a:xfrm>
+                <a:off x="505933" y="1238273"/>
+                <a:ext cx="367675" cy="184666"/>
+              </a:xfrm>
+              <a:prstGeom prst="rect">
+                <a:avLst/>
+              </a:prstGeom>
+              <a:blipFill>
+                <a:blip r:embed="rId5"/>
+                <a:stretch>
+                  <a:fillRect t="-6667"/>
+                </a:stretch>
+              </a:blipFill>
+            </p:spPr>
+            <p:txBody>
+              <a:bodyPr/>
+              <a:lstStyle/>
+              <a:p>
+                <a:r>
+                  <a:rPr lang="en-US">
+                    <a:noFill/>
+                  </a:rPr>
+                  <a:t> </a:t>
+                </a:r>
+              </a:p>
+            </p:txBody>
+          </p:sp>
+        </mc:Fallback>
+      </mc:AlternateContent>
+      <p:sp>
+        <p:nvSpPr>
+          <p:cNvPr id="72" name="TextBox 71">
+            <a:extLst>
+              <a:ext uri="{FF2B5EF4-FFF2-40B4-BE49-F238E27FC236}">
+                <a16:creationId xmlns:a16="http://schemas.microsoft.com/office/drawing/2014/main" id="{36A3EF37-1282-8948-A824-5CFA82E50D79}"/>
+              </a:ext>
+            </a:extLst>
+          </p:cNvPr>
+          <p:cNvSpPr txBox="1"/>
+          <p:nvPr/>
+        </p:nvSpPr>
+        <p:spPr>
+          <a:xfrm>
+            <a:off x="230447" y="2870116"/>
+            <a:ext cx="449162" cy="276999"/>
+          </a:xfrm>
+          <a:prstGeom prst="rect">
+            <a:avLst/>
+          </a:prstGeom>
+          <a:noFill/>
+        </p:spPr>
+        <p:txBody>
+          <a:bodyPr wrap="none" rtlCol="0">
+            <a:spAutoFit/>
+          </a:bodyPr>
+          <a:lstStyle/>
+          <a:p>
+            <a:r>
+              <a:rPr lang="en-US" sz="1200" dirty="0">
+                <a:latin typeface="Helvetica" pitchFamily="2" charset="0"/>
+              </a:rPr>
+              <a:t>Env</a:t>
+            </a:r>
+          </a:p>
+        </p:txBody>
+      </p:sp>
+      <p:sp>
+        <p:nvSpPr>
+          <p:cNvPr id="73" name="TextBox 72">
+            <a:extLst>
+              <a:ext uri="{FF2B5EF4-FFF2-40B4-BE49-F238E27FC236}">
+                <a16:creationId xmlns:a16="http://schemas.microsoft.com/office/drawing/2014/main" id="{68EE2D28-8E16-5141-8419-36086509F8DE}"/>
+              </a:ext>
+            </a:extLst>
+          </p:cNvPr>
+          <p:cNvSpPr txBox="1"/>
+          <p:nvPr/>
+        </p:nvSpPr>
+        <p:spPr>
+          <a:xfrm>
+            <a:off x="215660" y="2652173"/>
+            <a:ext cx="474810" cy="276999"/>
+          </a:xfrm>
+          <a:prstGeom prst="rect">
+            <a:avLst/>
+          </a:prstGeom>
+          <a:noFill/>
+        </p:spPr>
+        <p:txBody>
+          <a:bodyPr wrap="none" rtlCol="0">
+            <a:spAutoFit/>
+          </a:bodyPr>
+          <a:lstStyle/>
+          <a:p>
+            <a:r>
+              <a:rPr lang="en-US" sz="1200" dirty="0">
+                <a:latin typeface="Helvetica" pitchFamily="2" charset="0"/>
+              </a:rPr>
+              <a:t>Gen</a:t>
+            </a:r>
+          </a:p>
+        </p:txBody>
+      </p:sp>
+      <mc:AlternateContent xmlns:mc="http://schemas.openxmlformats.org/markup-compatibility/2006">
+        <mc:Choice xmlns:a14="http://schemas.microsoft.com/office/drawing/2010/main" Requires="a14">
+          <p:sp>
+            <p:nvSpPr>
+              <p:cNvPr id="74" name="TextBox 73">
+                <a:extLst>
+                  <a:ext uri="{FF2B5EF4-FFF2-40B4-BE49-F238E27FC236}">
+                    <a16:creationId xmlns:a16="http://schemas.microsoft.com/office/drawing/2014/main" id="{860066C9-60EC-214E-8970-299606741C21}"/>
+                  </a:ext>
+                </a:extLst>
+              </p:cNvPr>
+              <p:cNvSpPr txBox="1"/>
+              <p:nvPr/>
+            </p:nvSpPr>
+            <p:spPr>
+              <a:xfrm>
+                <a:off x="503563" y="2913607"/>
+                <a:ext cx="334124" cy="185051"/>
+              </a:xfrm>
+              <a:prstGeom prst="rect">
+                <a:avLst/>
+              </a:prstGeom>
+              <a:noFill/>
+            </p:spPr>
+            <p:txBody>
+              <a:bodyPr wrap="square" lIns="0" tIns="0" rIns="0" bIns="0" rtlCol="0">
+                <a:spAutoFit/>
+              </a:bodyPr>
+              <a:lstStyle/>
+              <a:p>
+                <a:pPr/>
+                <a14:m>
+                  <m:oMathPara xmlns:m="http://schemas.openxmlformats.org/officeDocument/2006/math">
+                    <m:oMathParaPr>
+                      <m:jc m:val="centerGroup"/>
+                    </m:oMathParaPr>
+                    <m:oMath xmlns:m="http://schemas.openxmlformats.org/officeDocument/2006/math">
+                      <m:acc>
+                        <m:accPr>
+                          <m:chr m:val="̅"/>
+                          <m:ctrlPr>
+                            <a:rPr lang="en-US" sz="1200" i="1">
+                              <a:latin typeface="Cambria Math" panose="02040503050406030204" pitchFamily="18" charset="0"/>
+                            </a:rPr>
+                          </m:ctrlPr>
+                        </m:accPr>
+                        <m:e>
+                          <m:r>
+                            <a:rPr lang="en-US" sz="1200" i="1">
+                              <a:latin typeface="Cambria Math" panose="02040503050406030204" pitchFamily="18" charset="0"/>
+                            </a:rPr>
+                            <m:t>𝐴</m:t>
+                          </m:r>
+                        </m:e>
+                      </m:acc>
+                    </m:oMath>
+                  </m:oMathPara>
+                </a14:m>
+                <a:endParaRPr lang="en-US" sz="1200" dirty="0"/>
+              </a:p>
+            </p:txBody>
+          </p:sp>
+        </mc:Choice>
+        <mc:Fallback>
+          <p:sp>
+            <p:nvSpPr>
+              <p:cNvPr id="74" name="TextBox 73">
+                <a:extLst>
+                  <a:ext uri="{FF2B5EF4-FFF2-40B4-BE49-F238E27FC236}">
+                    <a16:creationId xmlns:a16="http://schemas.microsoft.com/office/drawing/2014/main" id="{860066C9-60EC-214E-8970-299606741C21}"/>
+                  </a:ext>
+                </a:extLst>
+              </p:cNvPr>
+              <p:cNvSpPr txBox="1">
+                <a:spLocks noRot="1" noChangeAspect="1" noMove="1" noResize="1" noEditPoints="1" noAdjustHandles="1" noChangeArrowheads="1" noChangeShapeType="1" noTextEdit="1"/>
+              </p:cNvSpPr>
+              <p:nvPr/>
+            </p:nvSpPr>
+            <p:spPr>
+              <a:xfrm>
+                <a:off x="503563" y="2913607"/>
+                <a:ext cx="334124" cy="185051"/>
+              </a:xfrm>
+              <a:prstGeom prst="rect">
+                <a:avLst/>
+              </a:prstGeom>
+              <a:blipFill>
+                <a:blip r:embed="rId6"/>
+                <a:stretch>
+                  <a:fillRect/>
+                </a:stretch>
+              </a:blipFill>
+            </p:spPr>
+            <p:txBody>
+              <a:bodyPr/>
+              <a:lstStyle/>
+              <a:p>
+                <a:r>
+                  <a:rPr lang="en-US">
+                    <a:noFill/>
+                  </a:rPr>
+                  <a:t> </a:t>
+                </a:r>
+              </a:p>
+            </p:txBody>
+          </p:sp>
+        </mc:Fallback>
+      </mc:AlternateContent>
+      <mc:AlternateContent xmlns:mc="http://schemas.openxmlformats.org/markup-compatibility/2006">
+        <mc:Choice xmlns:a14="http://schemas.microsoft.com/office/drawing/2010/main" Requires="a14">
+          <p:sp>
+            <p:nvSpPr>
+              <p:cNvPr id="75" name="TextBox 74">
+                <a:extLst>
+                  <a:ext uri="{FF2B5EF4-FFF2-40B4-BE49-F238E27FC236}">
+                    <a16:creationId xmlns:a16="http://schemas.microsoft.com/office/drawing/2014/main" id="{00F21617-9DF7-3D44-9737-2754C8D6B468}"/>
+                  </a:ext>
+                </a:extLst>
+              </p:cNvPr>
+              <p:cNvSpPr txBox="1"/>
+              <p:nvPr/>
+            </p:nvSpPr>
+            <p:spPr>
+              <a:xfrm>
+                <a:off x="4596346" y="3420094"/>
+                <a:ext cx="334124" cy="184666"/>
+              </a:xfrm>
+              <a:prstGeom prst="rect">
+                <a:avLst/>
+              </a:prstGeom>
+              <a:noFill/>
+            </p:spPr>
+            <p:txBody>
+              <a:bodyPr wrap="square" lIns="0" tIns="0" rIns="0" bIns="0" rtlCol="0">
+                <a:spAutoFit/>
+              </a:bodyPr>
+              <a:lstStyle/>
+              <a:p>
+                <a:pPr/>
+                <a14:m>
+                  <m:oMathPara xmlns:m="http://schemas.openxmlformats.org/officeDocument/2006/math">
+                    <m:oMathParaPr>
+                      <m:jc m:val="centerGroup"/>
+                    </m:oMathParaPr>
+                    <m:oMath xmlns:m="http://schemas.openxmlformats.org/officeDocument/2006/math">
+                      <m:acc>
+                        <m:accPr>
+                          <m:chr m:val="̅"/>
+                          <m:ctrlPr>
+                            <a:rPr lang="en-US" sz="1200" i="1">
+                              <a:latin typeface="Cambria Math" panose="02040503050406030204" pitchFamily="18" charset="0"/>
+                            </a:rPr>
+                          </m:ctrlPr>
+                        </m:accPr>
+                        <m:e>
+                          <m:r>
+                            <a:rPr lang="en-US" sz="1200" i="1">
+                              <a:latin typeface="Cambria Math" panose="02040503050406030204" pitchFamily="18" charset="0"/>
+                            </a:rPr>
+                            <m:t>𝐵</m:t>
+                          </m:r>
+                        </m:e>
+                      </m:acc>
+                    </m:oMath>
+                  </m:oMathPara>
+                </a14:m>
+                <a:endParaRPr lang="en-US" sz="1200" dirty="0"/>
+              </a:p>
+            </p:txBody>
+          </p:sp>
+        </mc:Choice>
+        <mc:Fallback>
+          <p:sp>
+            <p:nvSpPr>
+              <p:cNvPr id="75" name="TextBox 74">
+                <a:extLst>
+                  <a:ext uri="{FF2B5EF4-FFF2-40B4-BE49-F238E27FC236}">
+                    <a16:creationId xmlns:a16="http://schemas.microsoft.com/office/drawing/2014/main" id="{00F21617-9DF7-3D44-9737-2754C8D6B468}"/>
+                  </a:ext>
+                </a:extLst>
+              </p:cNvPr>
+              <p:cNvSpPr txBox="1">
+                <a:spLocks noRot="1" noChangeAspect="1" noMove="1" noResize="1" noEditPoints="1" noAdjustHandles="1" noChangeArrowheads="1" noChangeShapeType="1" noTextEdit="1"/>
+              </p:cNvSpPr>
+              <p:nvPr/>
+            </p:nvSpPr>
+            <p:spPr>
+              <a:xfrm>
+                <a:off x="4596346" y="3420094"/>
+                <a:ext cx="334124" cy="184666"/>
+              </a:xfrm>
+              <a:prstGeom prst="rect">
+                <a:avLst/>
+              </a:prstGeom>
+              <a:blipFill>
+                <a:blip r:embed="rId7"/>
+                <a:stretch>
+                  <a:fillRect t="-6250"/>
+                </a:stretch>
+              </a:blipFill>
+            </p:spPr>
+            <p:txBody>
+              <a:bodyPr/>
+              <a:lstStyle/>
+              <a:p>
+                <a:r>
+                  <a:rPr lang="en-US">
+                    <a:noFill/>
+                  </a:rPr>
+                  <a:t> </a:t>
+                </a:r>
+              </a:p>
+            </p:txBody>
+          </p:sp>
+        </mc:Fallback>
+      </mc:AlternateContent>
+      <p:sp>
+        <p:nvSpPr>
+          <p:cNvPr id="77" name="TextBox 76">
+            <a:extLst>
+              <a:ext uri="{FF2B5EF4-FFF2-40B4-BE49-F238E27FC236}">
+                <a16:creationId xmlns:a16="http://schemas.microsoft.com/office/drawing/2014/main" id="{208E86C4-B531-2240-83BE-11D8EDD900B7}"/>
+              </a:ext>
+            </a:extLst>
+          </p:cNvPr>
+          <p:cNvSpPr txBox="1"/>
+          <p:nvPr/>
+        </p:nvSpPr>
+        <p:spPr>
+          <a:xfrm>
+            <a:off x="4300119" y="3371809"/>
+            <a:ext cx="474810" cy="276999"/>
+          </a:xfrm>
+          <a:prstGeom prst="rect">
+            <a:avLst/>
+          </a:prstGeom>
+          <a:noFill/>
+        </p:spPr>
+        <p:txBody>
+          <a:bodyPr wrap="none" rtlCol="0">
+            <a:spAutoFit/>
+          </a:bodyPr>
+          <a:lstStyle/>
+          <a:p>
+            <a:r>
+              <a:rPr lang="en-US" sz="1200" dirty="0">
+                <a:latin typeface="Helvetica" pitchFamily="2" charset="0"/>
+              </a:rPr>
+              <a:t>Gen</a:t>
+            </a:r>
+          </a:p>
+        </p:txBody>
+      </p:sp>
+      <p:sp>
+        <p:nvSpPr>
+          <p:cNvPr id="78" name="TextBox 77">
+            <a:extLst>
+              <a:ext uri="{FF2B5EF4-FFF2-40B4-BE49-F238E27FC236}">
+                <a16:creationId xmlns:a16="http://schemas.microsoft.com/office/drawing/2014/main" id="{98A69DCB-E287-6246-8992-9B28C3070168}"/>
+              </a:ext>
+            </a:extLst>
+          </p:cNvPr>
+          <p:cNvSpPr txBox="1"/>
+          <p:nvPr/>
+        </p:nvSpPr>
+        <p:spPr>
+          <a:xfrm>
+            <a:off x="5101668" y="3365720"/>
+            <a:ext cx="449162" cy="276999"/>
+          </a:xfrm>
+          <a:prstGeom prst="rect">
+            <a:avLst/>
+          </a:prstGeom>
+          <a:noFill/>
+        </p:spPr>
+        <p:txBody>
+          <a:bodyPr wrap="none" rtlCol="0">
+            <a:spAutoFit/>
+          </a:bodyPr>
+          <a:lstStyle/>
+          <a:p>
+            <a:r>
+              <a:rPr lang="en-US" sz="1200" dirty="0">
+                <a:latin typeface="Helvetica" pitchFamily="2" charset="0"/>
+              </a:rPr>
+              <a:t>Env</a:t>
+            </a:r>
+          </a:p>
+        </p:txBody>
+      </p:sp>
+      <mc:AlternateContent xmlns:mc="http://schemas.openxmlformats.org/markup-compatibility/2006">
+        <mc:Choice xmlns:a14="http://schemas.microsoft.com/office/drawing/2010/main" Requires="a14">
+          <p:sp>
+            <p:nvSpPr>
+              <p:cNvPr id="79" name="TextBox 78">
+                <a:extLst>
+                  <a:ext uri="{FF2B5EF4-FFF2-40B4-BE49-F238E27FC236}">
+                    <a16:creationId xmlns:a16="http://schemas.microsoft.com/office/drawing/2014/main" id="{34DF168F-9050-4A4A-8AF6-17B77379442A}"/>
+                  </a:ext>
+                </a:extLst>
+              </p:cNvPr>
+              <p:cNvSpPr txBox="1"/>
+              <p:nvPr/>
+            </p:nvSpPr>
+            <p:spPr>
+              <a:xfrm>
+                <a:off x="5378524" y="3412331"/>
+                <a:ext cx="334124" cy="184666"/>
+              </a:xfrm>
+              <a:prstGeom prst="rect">
+                <a:avLst/>
+              </a:prstGeom>
+              <a:noFill/>
+            </p:spPr>
+            <p:txBody>
+              <a:bodyPr wrap="square" lIns="0" tIns="0" rIns="0" bIns="0" rtlCol="0">
+                <a:spAutoFit/>
+              </a:bodyPr>
+              <a:lstStyle/>
+              <a:p>
+                <a:pPr/>
+                <a14:m>
+                  <m:oMathPara xmlns:m="http://schemas.openxmlformats.org/officeDocument/2006/math">
+                    <m:oMathParaPr>
+                      <m:jc m:val="centerGroup"/>
+                    </m:oMathParaPr>
+                    <m:oMath xmlns:m="http://schemas.openxmlformats.org/officeDocument/2006/math">
+                      <m:acc>
+                        <m:accPr>
+                          <m:chr m:val="̅"/>
+                          <m:ctrlPr>
+                            <a:rPr lang="en-US" sz="1200" i="1">
+                              <a:latin typeface="Cambria Math" panose="02040503050406030204" pitchFamily="18" charset="0"/>
+                            </a:rPr>
+                          </m:ctrlPr>
+                        </m:accPr>
+                        <m:e>
+                          <m:r>
+                            <a:rPr lang="en-US" sz="1200" i="1">
+                              <a:latin typeface="Cambria Math" panose="02040503050406030204" pitchFamily="18" charset="0"/>
+                            </a:rPr>
+                            <m:t>𝐵</m:t>
+                          </m:r>
+                        </m:e>
+                      </m:acc>
+                    </m:oMath>
+                  </m:oMathPara>
+                </a14:m>
+                <a:endParaRPr lang="en-US" sz="1200" dirty="0"/>
+              </a:p>
+            </p:txBody>
+          </p:sp>
+        </mc:Choice>
+        <mc:Fallback>
+          <p:sp>
+            <p:nvSpPr>
+              <p:cNvPr id="79" name="TextBox 78">
+                <a:extLst>
+                  <a:ext uri="{FF2B5EF4-FFF2-40B4-BE49-F238E27FC236}">
+                    <a16:creationId xmlns:a16="http://schemas.microsoft.com/office/drawing/2014/main" id="{34DF168F-9050-4A4A-8AF6-17B77379442A}"/>
+                  </a:ext>
+                </a:extLst>
+              </p:cNvPr>
+              <p:cNvSpPr txBox="1">
+                <a:spLocks noRot="1" noChangeAspect="1" noMove="1" noResize="1" noEditPoints="1" noAdjustHandles="1" noChangeArrowheads="1" noChangeShapeType="1" noTextEdit="1"/>
+              </p:cNvSpPr>
+              <p:nvPr/>
+            </p:nvSpPr>
+            <p:spPr>
+              <a:xfrm>
+                <a:off x="5378524" y="3412331"/>
+                <a:ext cx="334124" cy="184666"/>
+              </a:xfrm>
+              <a:prstGeom prst="rect">
+                <a:avLst/>
+              </a:prstGeom>
+              <a:blipFill>
+                <a:blip r:embed="rId8"/>
+                <a:stretch>
+                  <a:fillRect t="-6667" b="-6667"/>
+                </a:stretch>
+              </a:blipFill>
+            </p:spPr>
+            <p:txBody>
+              <a:bodyPr/>
+              <a:lstStyle/>
+              <a:p>
+                <a:r>
+                  <a:rPr lang="en-US">
+                    <a:noFill/>
+                  </a:rPr>
+                  <a:t> </a:t>
+                </a:r>
+              </a:p>
+            </p:txBody>
+          </p:sp>
+        </mc:Fallback>
+      </mc:AlternateContent>
+      <p:sp>
+        <p:nvSpPr>
+          <p:cNvPr id="81" name="TextBox 80">
+            <a:extLst>
+              <a:ext uri="{FF2B5EF4-FFF2-40B4-BE49-F238E27FC236}">
+                <a16:creationId xmlns:a16="http://schemas.microsoft.com/office/drawing/2014/main" id="{95D63EB3-545D-7F4E-AD11-631513E4A87B}"/>
+              </a:ext>
+            </a:extLst>
+          </p:cNvPr>
+          <p:cNvSpPr txBox="1"/>
+          <p:nvPr/>
+        </p:nvSpPr>
+        <p:spPr>
+          <a:xfrm>
+            <a:off x="4302735" y="3186502"/>
+            <a:ext cx="474810" cy="276999"/>
+          </a:xfrm>
+          <a:prstGeom prst="rect">
+            <a:avLst/>
+          </a:prstGeom>
+          <a:noFill/>
+        </p:spPr>
+        <p:txBody>
+          <a:bodyPr wrap="none" rtlCol="0">
+            <a:spAutoFit/>
+          </a:bodyPr>
+          <a:lstStyle/>
+          <a:p>
+            <a:r>
+              <a:rPr lang="en-US" sz="1200" dirty="0">
+                <a:latin typeface="Helvetica" pitchFamily="2" charset="0"/>
+              </a:rPr>
+              <a:t>Gen</a:t>
+            </a:r>
+          </a:p>
+        </p:txBody>
+      </p:sp>
+      <p:sp>
+        <p:nvSpPr>
+          <p:cNvPr id="82" name="TextBox 81">
+            <a:extLst>
+              <a:ext uri="{FF2B5EF4-FFF2-40B4-BE49-F238E27FC236}">
+                <a16:creationId xmlns:a16="http://schemas.microsoft.com/office/drawing/2014/main" id="{CEFB638B-63D1-814D-91BC-0BF6A0E1BB7A}"/>
+              </a:ext>
+            </a:extLst>
+          </p:cNvPr>
+          <p:cNvSpPr txBox="1"/>
+          <p:nvPr/>
+        </p:nvSpPr>
+        <p:spPr>
+          <a:xfrm>
+            <a:off x="5104284" y="3180413"/>
+            <a:ext cx="449162" cy="276999"/>
+          </a:xfrm>
+          <a:prstGeom prst="rect">
+            <a:avLst/>
+          </a:prstGeom>
+          <a:noFill/>
+        </p:spPr>
+        <p:txBody>
+          <a:bodyPr wrap="none" rtlCol="0">
+            <a:spAutoFit/>
+          </a:bodyPr>
+          <a:lstStyle/>
+          <a:p>
+            <a:r>
+              <a:rPr lang="en-US" sz="1200" dirty="0">
+                <a:latin typeface="Helvetica" pitchFamily="2" charset="0"/>
+              </a:rPr>
+              <a:t>Env</a:t>
+            </a:r>
+          </a:p>
+        </p:txBody>
+      </p:sp>
+      <mc:AlternateContent xmlns:mc="http://schemas.openxmlformats.org/markup-compatibility/2006">
+        <mc:Choice xmlns:a14="http://schemas.microsoft.com/office/drawing/2010/main" Requires="a14">
+          <p:sp>
+            <p:nvSpPr>
+              <p:cNvPr id="88" name="TextBox 87">
+                <a:extLst>
+                  <a:ext uri="{FF2B5EF4-FFF2-40B4-BE49-F238E27FC236}">
+                    <a16:creationId xmlns:a16="http://schemas.microsoft.com/office/drawing/2014/main" id="{5AA15B55-30AF-014F-B3E5-8AA6446A70FE}"/>
+                  </a:ext>
+                </a:extLst>
+              </p:cNvPr>
+              <p:cNvSpPr txBox="1"/>
+              <p:nvPr/>
+            </p:nvSpPr>
+            <p:spPr>
+              <a:xfrm>
+                <a:off x="4610958" y="3220100"/>
+                <a:ext cx="334124" cy="185051"/>
+              </a:xfrm>
+              <a:prstGeom prst="rect">
+                <a:avLst/>
+              </a:prstGeom>
+              <a:noFill/>
+            </p:spPr>
+            <p:txBody>
+              <a:bodyPr wrap="square" lIns="0" tIns="0" rIns="0" bIns="0" rtlCol="0">
+                <a:spAutoFit/>
+              </a:bodyPr>
+              <a:lstStyle/>
+              <a:p>
+                <a:pPr/>
+                <a14:m>
+                  <m:oMathPara xmlns:m="http://schemas.openxmlformats.org/officeDocument/2006/math">
+                    <m:oMathParaPr>
+                      <m:jc m:val="centerGroup"/>
+                    </m:oMathParaPr>
+                    <m:oMath xmlns:m="http://schemas.openxmlformats.org/officeDocument/2006/math">
+                      <m:acc>
+                        <m:accPr>
+                          <m:chr m:val="̅"/>
+                          <m:ctrlPr>
+                            <a:rPr lang="en-US" sz="1200" i="1">
+                              <a:latin typeface="Cambria Math" panose="02040503050406030204" pitchFamily="18" charset="0"/>
+                            </a:rPr>
+                          </m:ctrlPr>
+                        </m:accPr>
+                        <m:e>
+                          <m:r>
+                            <a:rPr lang="en-US" sz="1200" i="1">
+                              <a:latin typeface="Cambria Math" panose="02040503050406030204" pitchFamily="18" charset="0"/>
+                            </a:rPr>
+                            <m:t>𝐴</m:t>
+                          </m:r>
+                        </m:e>
+                      </m:acc>
+                    </m:oMath>
+                  </m:oMathPara>
+                </a14:m>
+                <a:endParaRPr lang="en-US" sz="1200" dirty="0"/>
+              </a:p>
+            </p:txBody>
+          </p:sp>
+        </mc:Choice>
+        <mc:Fallback>
+          <p:sp>
+            <p:nvSpPr>
+              <p:cNvPr id="88" name="TextBox 87">
+                <a:extLst>
+                  <a:ext uri="{FF2B5EF4-FFF2-40B4-BE49-F238E27FC236}">
+                    <a16:creationId xmlns:a16="http://schemas.microsoft.com/office/drawing/2014/main" id="{5AA15B55-30AF-014F-B3E5-8AA6446A70FE}"/>
+                  </a:ext>
+                </a:extLst>
+              </p:cNvPr>
+              <p:cNvSpPr txBox="1">
+                <a:spLocks noRot="1" noChangeAspect="1" noMove="1" noResize="1" noEditPoints="1" noAdjustHandles="1" noChangeArrowheads="1" noChangeShapeType="1" noTextEdit="1"/>
+              </p:cNvSpPr>
+              <p:nvPr/>
+            </p:nvSpPr>
+            <p:spPr>
+              <a:xfrm>
+                <a:off x="4610958" y="3220100"/>
+                <a:ext cx="334124" cy="185051"/>
+              </a:xfrm>
+              <a:prstGeom prst="rect">
+                <a:avLst/>
+              </a:prstGeom>
+              <a:blipFill>
+                <a:blip r:embed="rId9"/>
+                <a:stretch>
+                  <a:fillRect t="-6667"/>
+                </a:stretch>
+              </a:blipFill>
+            </p:spPr>
+            <p:txBody>
+              <a:bodyPr/>
+              <a:lstStyle/>
+              <a:p>
+                <a:r>
+                  <a:rPr lang="en-US">
+                    <a:noFill/>
+                  </a:rPr>
+                  <a:t> </a:t>
+                </a:r>
+              </a:p>
+            </p:txBody>
+          </p:sp>
+        </mc:Fallback>
+      </mc:AlternateContent>
+      <mc:AlternateContent xmlns:mc="http://schemas.openxmlformats.org/markup-compatibility/2006">
+        <mc:Choice xmlns:a14="http://schemas.microsoft.com/office/drawing/2010/main" Requires="a14">
+          <p:sp>
+            <p:nvSpPr>
+              <p:cNvPr id="89" name="TextBox 88">
+                <a:extLst>
+                  <a:ext uri="{FF2B5EF4-FFF2-40B4-BE49-F238E27FC236}">
+                    <a16:creationId xmlns:a16="http://schemas.microsoft.com/office/drawing/2014/main" id="{90B5AD58-2F9B-7E42-885A-613EEAA27D05}"/>
+                  </a:ext>
+                </a:extLst>
+              </p:cNvPr>
+              <p:cNvSpPr txBox="1"/>
+              <p:nvPr/>
+            </p:nvSpPr>
+            <p:spPr>
+              <a:xfrm>
+                <a:off x="5400430" y="3218665"/>
+                <a:ext cx="334124" cy="185051"/>
+              </a:xfrm>
+              <a:prstGeom prst="rect">
+                <a:avLst/>
+              </a:prstGeom>
+              <a:noFill/>
+            </p:spPr>
+            <p:txBody>
+              <a:bodyPr wrap="square" lIns="0" tIns="0" rIns="0" bIns="0" rtlCol="0">
+                <a:spAutoFit/>
+              </a:bodyPr>
+              <a:lstStyle/>
+              <a:p>
+                <a:pPr/>
+                <a14:m>
+                  <m:oMathPara xmlns:m="http://schemas.openxmlformats.org/officeDocument/2006/math">
+                    <m:oMathParaPr>
+                      <m:jc m:val="centerGroup"/>
+                    </m:oMathParaPr>
+                    <m:oMath xmlns:m="http://schemas.openxmlformats.org/officeDocument/2006/math">
+                      <m:acc>
+                        <m:accPr>
+                          <m:chr m:val="̅"/>
+                          <m:ctrlPr>
+                            <a:rPr lang="en-US" sz="1200" i="1">
+                              <a:latin typeface="Cambria Math" panose="02040503050406030204" pitchFamily="18" charset="0"/>
+                            </a:rPr>
+                          </m:ctrlPr>
+                        </m:accPr>
+                        <m:e>
+                          <m:r>
+                            <a:rPr lang="en-US" sz="1200" i="1">
+                              <a:latin typeface="Cambria Math" panose="02040503050406030204" pitchFamily="18" charset="0"/>
+                            </a:rPr>
+                            <m:t>𝐴</m:t>
+                          </m:r>
+                        </m:e>
+                      </m:acc>
+                    </m:oMath>
+                  </m:oMathPara>
+                </a14:m>
+                <a:endParaRPr lang="en-US" sz="1200" dirty="0"/>
+              </a:p>
+            </p:txBody>
+          </p:sp>
+        </mc:Choice>
+        <mc:Fallback>
+          <p:sp>
+            <p:nvSpPr>
+              <p:cNvPr id="89" name="TextBox 88">
+                <a:extLst>
+                  <a:ext uri="{FF2B5EF4-FFF2-40B4-BE49-F238E27FC236}">
+                    <a16:creationId xmlns:a16="http://schemas.microsoft.com/office/drawing/2014/main" id="{90B5AD58-2F9B-7E42-885A-613EEAA27D05}"/>
+                  </a:ext>
+                </a:extLst>
+              </p:cNvPr>
+              <p:cNvSpPr txBox="1">
+                <a:spLocks noRot="1" noChangeAspect="1" noMove="1" noResize="1" noEditPoints="1" noAdjustHandles="1" noChangeArrowheads="1" noChangeShapeType="1" noTextEdit="1"/>
+              </p:cNvSpPr>
+              <p:nvPr/>
+            </p:nvSpPr>
+            <p:spPr>
+              <a:xfrm>
+                <a:off x="5400430" y="3218665"/>
+                <a:ext cx="334124" cy="185051"/>
+              </a:xfrm>
+              <a:prstGeom prst="rect">
+                <a:avLst/>
+              </a:prstGeom>
+              <a:blipFill>
+                <a:blip r:embed="rId10"/>
+                <a:stretch>
+                  <a:fillRect/>
+                </a:stretch>
+              </a:blipFill>
+            </p:spPr>
+            <p:txBody>
+              <a:bodyPr/>
+              <a:lstStyle/>
+              <a:p>
+                <a:r>
+                  <a:rPr lang="en-US">
+                    <a:noFill/>
+                  </a:rPr>
+                  <a:t> </a:t>
+                </a:r>
+              </a:p>
+            </p:txBody>
+          </p:sp>
+        </mc:Fallback>
+      </mc:AlternateContent>
+      <p:cxnSp>
+        <p:nvCxnSpPr>
+          <p:cNvPr id="90" name="Straight Connector 89">
+            <a:extLst>
+              <a:ext uri="{FF2B5EF4-FFF2-40B4-BE49-F238E27FC236}">
+                <a16:creationId xmlns:a16="http://schemas.microsoft.com/office/drawing/2014/main" id="{E31CCAD2-657D-7A49-A2E2-99AFB1F82489}"/>
+              </a:ext>
+            </a:extLst>
+          </p:cNvPr>
+          <p:cNvCxnSpPr>
+            <a:cxnSpLocks/>
+          </p:cNvCxnSpPr>
+          <p:nvPr/>
+        </p:nvCxnSpPr>
+        <p:spPr>
+          <a:xfrm flipV="1">
+            <a:off x="1533848" y="6608795"/>
+            <a:ext cx="3320012" cy="1421304"/>
+          </a:xfrm>
+          <a:prstGeom prst="line">
+            <a:avLst/>
+          </a:prstGeom>
+          <a:ln w="12700">
+            <a:solidFill>
+              <a:srgbClr val="7030A0"/>
+            </a:solidFill>
+            <a:prstDash val="dash"/>
+          </a:ln>
+        </p:spPr>
+        <p:style>
+          <a:lnRef idx="1">
+            <a:schemeClr val="accent1"/>
+          </a:lnRef>
+          <a:fillRef idx="0">
+            <a:schemeClr val="accent1"/>
+          </a:fillRef>
+          <a:effectRef idx="0">
+            <a:schemeClr val="accent1"/>
+          </a:effectRef>
+          <a:fontRef idx="minor">
+            <a:schemeClr val="tx1"/>
+          </a:fontRef>
+        </p:style>
+      </p:cxnSp>
+      <p:sp>
+        <p:nvSpPr>
+          <p:cNvPr id="91" name="Left Brace 90">
+            <a:extLst>
+              <a:ext uri="{FF2B5EF4-FFF2-40B4-BE49-F238E27FC236}">
+                <a16:creationId xmlns:a16="http://schemas.microsoft.com/office/drawing/2014/main" id="{C56B338A-B800-C246-AAC1-28AD42A32CB3}"/>
+              </a:ext>
+            </a:extLst>
+          </p:cNvPr>
+          <p:cNvSpPr/>
+          <p:nvPr/>
+        </p:nvSpPr>
+        <p:spPr>
+          <a:xfrm>
+            <a:off x="1175073" y="6440648"/>
+            <a:ext cx="106412" cy="1568327"/>
+          </a:xfrm>
+          <a:prstGeom prst="leftBrace">
+            <a:avLst/>
+          </a:prstGeom>
+          <a:ln>
+            <a:solidFill>
+              <a:schemeClr val="tx1"/>
+            </a:solidFill>
+          </a:ln>
+        </p:spPr>
+        <p:style>
+          <a:lnRef idx="1">
+            <a:schemeClr val="accent1"/>
+          </a:lnRef>
+          <a:fillRef idx="0">
+            <a:schemeClr val="accent1"/>
+          </a:fillRef>
+          <a:effectRef idx="0">
+            <a:schemeClr val="accent1"/>
+          </a:effectRef>
+          <a:fontRef idx="minor">
+            <a:schemeClr val="tx1"/>
+          </a:fontRef>
+        </p:style>
+        <p:txBody>
+          <a:bodyPr rtlCol="0" anchor="ctr"/>
+          <a:lstStyle/>
+          <a:p>
+            <a:pPr algn="ctr"/>
+            <a:endParaRPr lang="en-US" sz="1013"/>
+          </a:p>
+        </p:txBody>
+      </p:sp>
+      <p:sp>
+        <p:nvSpPr>
+          <p:cNvPr id="92" name="Left Brace 91">
+            <a:extLst>
+              <a:ext uri="{FF2B5EF4-FFF2-40B4-BE49-F238E27FC236}">
+                <a16:creationId xmlns:a16="http://schemas.microsoft.com/office/drawing/2014/main" id="{75089612-5E56-474F-86EB-5C28FEE295C6}"/>
+              </a:ext>
+            </a:extLst>
+          </p:cNvPr>
+          <p:cNvSpPr/>
+          <p:nvPr/>
+        </p:nvSpPr>
+        <p:spPr>
+          <a:xfrm>
+            <a:off x="4715916" y="5038843"/>
+            <a:ext cx="106412" cy="1538323"/>
+          </a:xfrm>
+          <a:prstGeom prst="leftBrace">
+            <a:avLst/>
+          </a:prstGeom>
+          <a:ln>
+            <a:solidFill>
+              <a:schemeClr val="tx1"/>
+            </a:solidFill>
+          </a:ln>
+        </p:spPr>
+        <p:style>
+          <a:lnRef idx="1">
+            <a:schemeClr val="accent1"/>
+          </a:lnRef>
+          <a:fillRef idx="0">
+            <a:schemeClr val="accent1"/>
+          </a:fillRef>
+          <a:effectRef idx="0">
+            <a:schemeClr val="accent1"/>
+          </a:effectRef>
+          <a:fontRef idx="minor">
+            <a:schemeClr val="tx1"/>
+          </a:fontRef>
+        </p:style>
+        <p:txBody>
+          <a:bodyPr rtlCol="0" anchor="ctr"/>
+          <a:lstStyle/>
+          <a:p>
+            <a:pPr algn="ctr"/>
+            <a:endParaRPr lang="en-US" sz="1013"/>
+          </a:p>
+        </p:txBody>
+      </p:sp>
+      <p:cxnSp>
+        <p:nvCxnSpPr>
+          <p:cNvPr id="93" name="Straight Arrow Connector 92">
+            <a:extLst>
+              <a:ext uri="{FF2B5EF4-FFF2-40B4-BE49-F238E27FC236}">
+                <a16:creationId xmlns:a16="http://schemas.microsoft.com/office/drawing/2014/main" id="{FF707177-402E-9D4F-B3DE-A281FB3E73C0}"/>
+              </a:ext>
+            </a:extLst>
+          </p:cNvPr>
+          <p:cNvCxnSpPr>
+            <a:cxnSpLocks/>
+          </p:cNvCxnSpPr>
+          <p:nvPr/>
+        </p:nvCxnSpPr>
+        <p:spPr>
+          <a:xfrm flipH="1">
+            <a:off x="816535" y="7224811"/>
+            <a:ext cx="400239" cy="0"/>
+          </a:xfrm>
+          <a:prstGeom prst="straightConnector1">
+            <a:avLst/>
+          </a:prstGeom>
+          <a:ln w="9525">
+            <a:solidFill>
+              <a:schemeClr val="tx1"/>
+            </a:solidFill>
+            <a:tailEnd type="triangle"/>
+          </a:ln>
+        </p:spPr>
+        <p:style>
+          <a:lnRef idx="1">
+            <a:schemeClr val="accent1"/>
+          </a:lnRef>
+          <a:fillRef idx="0">
+            <a:schemeClr val="accent1"/>
+          </a:fillRef>
+          <a:effectRef idx="0">
+            <a:schemeClr val="accent1"/>
+          </a:effectRef>
+          <a:fontRef idx="minor">
+            <a:schemeClr val="tx1"/>
+          </a:fontRef>
+        </p:style>
+      </p:cxnSp>
+      <p:cxnSp>
+        <p:nvCxnSpPr>
+          <p:cNvPr id="94" name="Straight Arrow Connector 93">
+            <a:extLst>
+              <a:ext uri="{FF2B5EF4-FFF2-40B4-BE49-F238E27FC236}">
+                <a16:creationId xmlns:a16="http://schemas.microsoft.com/office/drawing/2014/main" id="{AA9E00F4-A14E-5748-A796-F85BE28DAB54}"/>
+              </a:ext>
+            </a:extLst>
+          </p:cNvPr>
+          <p:cNvCxnSpPr>
+            <a:cxnSpLocks/>
+            <a:stCxn id="92" idx="1"/>
+          </p:cNvCxnSpPr>
+          <p:nvPr/>
+        </p:nvCxnSpPr>
+        <p:spPr>
+          <a:xfrm flipH="1">
+            <a:off x="816536" y="5808005"/>
+            <a:ext cx="3899380" cy="0"/>
+          </a:xfrm>
+          <a:prstGeom prst="straightConnector1">
+            <a:avLst/>
+          </a:prstGeom>
+          <a:ln w="9525">
+            <a:solidFill>
+              <a:schemeClr val="tx1"/>
+            </a:solidFill>
+            <a:tailEnd type="triangle"/>
+          </a:ln>
+        </p:spPr>
+        <p:style>
+          <a:lnRef idx="1">
+            <a:schemeClr val="accent1"/>
+          </a:lnRef>
+          <a:fillRef idx="0">
+            <a:schemeClr val="accent1"/>
+          </a:fillRef>
+          <a:effectRef idx="0">
+            <a:schemeClr val="accent1"/>
+          </a:effectRef>
+          <a:fontRef idx="minor">
+            <a:schemeClr val="tx1"/>
+          </a:fontRef>
+        </p:style>
+      </p:cxnSp>
+      <p:sp>
+        <p:nvSpPr>
+          <p:cNvPr id="95" name="Left Brace 94">
+            <a:extLst>
+              <a:ext uri="{FF2B5EF4-FFF2-40B4-BE49-F238E27FC236}">
+                <a16:creationId xmlns:a16="http://schemas.microsoft.com/office/drawing/2014/main" id="{8D2B2E4C-B3E5-7949-969E-08BB7D8F9EC7}"/>
+              </a:ext>
+            </a:extLst>
+          </p:cNvPr>
+          <p:cNvSpPr/>
+          <p:nvPr/>
+        </p:nvSpPr>
+        <p:spPr>
+          <a:xfrm rot="4021445">
+            <a:off x="3105943" y="3881723"/>
+            <a:ext cx="137160" cy="3566160"/>
+          </a:xfrm>
+          <a:prstGeom prst="leftBrace">
+            <a:avLst>
+              <a:gd name="adj1" fmla="val 74153"/>
+              <a:gd name="adj2" fmla="val 50000"/>
+            </a:avLst>
+          </a:prstGeom>
+          <a:ln>
+            <a:solidFill>
+              <a:schemeClr val="tx1"/>
+            </a:solidFill>
+          </a:ln>
+        </p:spPr>
+        <p:style>
+          <a:lnRef idx="1">
+            <a:schemeClr val="accent1"/>
+          </a:lnRef>
+          <a:fillRef idx="0">
+            <a:schemeClr val="accent1"/>
+          </a:fillRef>
+          <a:effectRef idx="0">
+            <a:schemeClr val="accent1"/>
+          </a:effectRef>
+          <a:fontRef idx="minor">
+            <a:schemeClr val="tx1"/>
+          </a:fontRef>
+        </p:style>
+        <p:txBody>
+          <a:bodyPr rtlCol="0" anchor="ctr"/>
+          <a:lstStyle/>
+          <a:p>
+            <a:pPr algn="ctr"/>
+            <a:endParaRPr lang="en-US" sz="1013"/>
+          </a:p>
+        </p:txBody>
+      </p:sp>
+      <p:cxnSp>
+        <p:nvCxnSpPr>
+          <p:cNvPr id="96" name="Straight Arrow Connector 95">
+            <a:extLst>
+              <a:ext uri="{FF2B5EF4-FFF2-40B4-BE49-F238E27FC236}">
+                <a16:creationId xmlns:a16="http://schemas.microsoft.com/office/drawing/2014/main" id="{BB29A216-4489-1646-9313-EC4EF3827886}"/>
+              </a:ext>
+            </a:extLst>
+          </p:cNvPr>
+          <p:cNvCxnSpPr>
+            <a:cxnSpLocks/>
+          </p:cNvCxnSpPr>
+          <p:nvPr/>
+        </p:nvCxnSpPr>
+        <p:spPr>
+          <a:xfrm flipH="1">
+            <a:off x="816535" y="5594672"/>
+            <a:ext cx="2322201" cy="0"/>
+          </a:xfrm>
+          <a:prstGeom prst="straightConnector1">
+            <a:avLst/>
+          </a:prstGeom>
+          <a:ln w="9525">
+            <a:solidFill>
+              <a:schemeClr val="tx1"/>
+            </a:solidFill>
+            <a:tailEnd type="triangle"/>
+          </a:ln>
+        </p:spPr>
+        <p:style>
+          <a:lnRef idx="1">
+            <a:schemeClr val="accent1"/>
+          </a:lnRef>
+          <a:fillRef idx="0">
+            <a:schemeClr val="accent1"/>
+          </a:fillRef>
+          <a:effectRef idx="0">
+            <a:schemeClr val="accent1"/>
+          </a:effectRef>
+          <a:fontRef idx="minor">
+            <a:schemeClr val="tx1"/>
+          </a:fontRef>
+        </p:style>
+      </p:cxnSp>
+      <p:cxnSp>
+        <p:nvCxnSpPr>
+          <p:cNvPr id="97" name="Straight Arrow Connector 96">
+            <a:extLst>
+              <a:ext uri="{FF2B5EF4-FFF2-40B4-BE49-F238E27FC236}">
+                <a16:creationId xmlns:a16="http://schemas.microsoft.com/office/drawing/2014/main" id="{4FAD6CF5-F120-3648-BD75-DB90E949BD8C}"/>
+              </a:ext>
+            </a:extLst>
+          </p:cNvPr>
+          <p:cNvCxnSpPr>
+            <a:cxnSpLocks/>
+          </p:cNvCxnSpPr>
+          <p:nvPr/>
+        </p:nvCxnSpPr>
+        <p:spPr>
+          <a:xfrm flipH="1">
+            <a:off x="816535" y="7125529"/>
+            <a:ext cx="2337968" cy="0"/>
+          </a:xfrm>
+          <a:prstGeom prst="straightConnector1">
+            <a:avLst/>
+          </a:prstGeom>
+          <a:ln w="9525">
+            <a:solidFill>
+              <a:schemeClr val="tx1"/>
+            </a:solidFill>
+            <a:tailEnd type="triangle"/>
+          </a:ln>
+        </p:spPr>
+        <p:style>
+          <a:lnRef idx="1">
+            <a:schemeClr val="accent1"/>
+          </a:lnRef>
+          <a:fillRef idx="0">
+            <a:schemeClr val="accent1"/>
+          </a:fillRef>
+          <a:effectRef idx="0">
+            <a:schemeClr val="accent1"/>
+          </a:effectRef>
+          <a:fontRef idx="minor">
+            <a:schemeClr val="tx1"/>
+          </a:fontRef>
+        </p:style>
+      </p:cxnSp>
+      <p:sp>
+        <p:nvSpPr>
+          <p:cNvPr id="98" name="Left Brace 97">
+            <a:extLst>
+              <a:ext uri="{FF2B5EF4-FFF2-40B4-BE49-F238E27FC236}">
+                <a16:creationId xmlns:a16="http://schemas.microsoft.com/office/drawing/2014/main" id="{654AE7FD-C64D-BB4A-8F7F-10F47882BBA0}"/>
+              </a:ext>
+            </a:extLst>
+          </p:cNvPr>
+          <p:cNvSpPr/>
+          <p:nvPr/>
+        </p:nvSpPr>
+        <p:spPr>
+          <a:xfrm rot="4021445">
+            <a:off x="3108356" y="5405513"/>
+            <a:ext cx="137160" cy="3566160"/>
+          </a:xfrm>
+          <a:prstGeom prst="leftBrace">
+            <a:avLst>
+              <a:gd name="adj1" fmla="val 74153"/>
+              <a:gd name="adj2" fmla="val 50000"/>
+            </a:avLst>
+          </a:prstGeom>
+          <a:ln>
+            <a:solidFill>
+              <a:schemeClr val="tx1"/>
+            </a:solidFill>
+          </a:ln>
+        </p:spPr>
+        <p:style>
+          <a:lnRef idx="1">
+            <a:schemeClr val="accent1"/>
+          </a:lnRef>
+          <a:fillRef idx="0">
+            <a:schemeClr val="accent1"/>
+          </a:fillRef>
+          <a:effectRef idx="0">
+            <a:schemeClr val="accent1"/>
+          </a:effectRef>
+          <a:fontRef idx="minor">
+            <a:schemeClr val="tx1"/>
+          </a:fontRef>
+        </p:style>
+        <p:txBody>
+          <a:bodyPr rtlCol="0" anchor="ctr"/>
+          <a:lstStyle/>
+          <a:p>
+            <a:pPr algn="ctr"/>
+            <a:endParaRPr lang="en-US" sz="1013"/>
+          </a:p>
+        </p:txBody>
+      </p:sp>
+      <p:sp>
+        <p:nvSpPr>
+          <p:cNvPr id="99" name="TextBox 98">
+            <a:extLst>
+              <a:ext uri="{FF2B5EF4-FFF2-40B4-BE49-F238E27FC236}">
+                <a16:creationId xmlns:a16="http://schemas.microsoft.com/office/drawing/2014/main" id="{C02CE329-EDDE-3A41-8707-9391A5B1273F}"/>
+              </a:ext>
+            </a:extLst>
+          </p:cNvPr>
+          <p:cNvSpPr txBox="1"/>
+          <p:nvPr/>
+        </p:nvSpPr>
+        <p:spPr>
+          <a:xfrm rot="16200000">
+            <a:off x="-488599" y="6290190"/>
+            <a:ext cx="1287532" cy="369332"/>
+          </a:xfrm>
+          <a:prstGeom prst="rect">
+            <a:avLst/>
+          </a:prstGeom>
+          <a:noFill/>
+        </p:spPr>
+        <p:txBody>
+          <a:bodyPr wrap="none" rtlCol="0">
+            <a:spAutoFit/>
+          </a:bodyPr>
+          <a:lstStyle/>
+          <a:p>
+            <a:r>
+              <a:rPr lang="en-US" dirty="0">
+                <a:latin typeface="Helvetica" pitchFamily="2" charset="0"/>
+              </a:rPr>
+              <a:t>Phenotype</a:t>
+            </a:r>
+          </a:p>
+        </p:txBody>
+      </p:sp>
+      <mc:AlternateContent xmlns:mc="http://schemas.openxmlformats.org/markup-compatibility/2006">
+        <mc:Choice xmlns:a14="http://schemas.microsoft.com/office/drawing/2010/main" Requires="a14">
+          <p:sp>
+            <p:nvSpPr>
+              <p:cNvPr id="100" name="TextBox 99">
+                <a:extLst>
+                  <a:ext uri="{FF2B5EF4-FFF2-40B4-BE49-F238E27FC236}">
+                    <a16:creationId xmlns:a16="http://schemas.microsoft.com/office/drawing/2014/main" id="{12B41EE7-9153-1443-B8C2-4E8EDAFA4D1E}"/>
+                  </a:ext>
+                </a:extLst>
+              </p:cNvPr>
+              <p:cNvSpPr txBox="1"/>
+              <p:nvPr/>
+            </p:nvSpPr>
+            <p:spPr>
+              <a:xfrm>
+                <a:off x="535275" y="5531470"/>
+                <a:ext cx="334124" cy="185051"/>
+              </a:xfrm>
+              <a:prstGeom prst="rect">
+                <a:avLst/>
+              </a:prstGeom>
+              <a:noFill/>
+            </p:spPr>
+            <p:txBody>
+              <a:bodyPr wrap="square" lIns="0" tIns="0" rIns="0" bIns="0" rtlCol="0">
+                <a:spAutoFit/>
+              </a:bodyPr>
+              <a:lstStyle/>
+              <a:p>
+                <a:pPr/>
+                <a14:m>
+                  <m:oMathPara xmlns:m="http://schemas.openxmlformats.org/officeDocument/2006/math">
+                    <m:oMathParaPr>
+                      <m:jc m:val="centerGroup"/>
+                    </m:oMathParaPr>
+                    <m:oMath xmlns:m="http://schemas.openxmlformats.org/officeDocument/2006/math">
+                      <m:acc>
+                        <m:accPr>
+                          <m:chr m:val="̅"/>
+                          <m:ctrlPr>
+                            <a:rPr lang="en-US" sz="1200" i="1">
+                              <a:latin typeface="Cambria Math" panose="02040503050406030204" pitchFamily="18" charset="0"/>
+                            </a:rPr>
+                          </m:ctrlPr>
+                        </m:accPr>
+                        <m:e>
+                          <m:r>
+                            <a:rPr lang="en-US" sz="1200" i="1">
+                              <a:latin typeface="Cambria Math" panose="02040503050406030204" pitchFamily="18" charset="0"/>
+                            </a:rPr>
+                            <m:t>𝐴</m:t>
+                          </m:r>
+                        </m:e>
+                      </m:acc>
+                    </m:oMath>
+                  </m:oMathPara>
+                </a14:m>
+                <a:endParaRPr lang="en-US" sz="1200" dirty="0"/>
+              </a:p>
+            </p:txBody>
+          </p:sp>
+        </mc:Choice>
+        <mc:Fallback>
+          <p:sp>
+            <p:nvSpPr>
+              <p:cNvPr id="100" name="TextBox 99">
+                <a:extLst>
+                  <a:ext uri="{FF2B5EF4-FFF2-40B4-BE49-F238E27FC236}">
+                    <a16:creationId xmlns:a16="http://schemas.microsoft.com/office/drawing/2014/main" id="{12B41EE7-9153-1443-B8C2-4E8EDAFA4D1E}"/>
+                  </a:ext>
+                </a:extLst>
+              </p:cNvPr>
+              <p:cNvSpPr txBox="1">
+                <a:spLocks noRot="1" noChangeAspect="1" noMove="1" noResize="1" noEditPoints="1" noAdjustHandles="1" noChangeArrowheads="1" noChangeShapeType="1" noTextEdit="1"/>
+              </p:cNvSpPr>
+              <p:nvPr/>
+            </p:nvSpPr>
+            <p:spPr>
+              <a:xfrm>
+                <a:off x="535275" y="5531470"/>
+                <a:ext cx="334124" cy="185051"/>
+              </a:xfrm>
+              <a:prstGeom prst="rect">
+                <a:avLst/>
+              </a:prstGeom>
+              <a:blipFill>
+                <a:blip r:embed="rId11"/>
+                <a:stretch>
+                  <a:fillRect t="-13333"/>
+                </a:stretch>
+              </a:blipFill>
+            </p:spPr>
+            <p:txBody>
+              <a:bodyPr/>
+              <a:lstStyle/>
+              <a:p>
+                <a:r>
+                  <a:rPr lang="en-US">
+                    <a:noFill/>
+                  </a:rPr>
+                  <a:t> </a:t>
+                </a:r>
+              </a:p>
+            </p:txBody>
+          </p:sp>
+        </mc:Fallback>
+      </mc:AlternateContent>
+      <mc:AlternateContent xmlns:mc="http://schemas.openxmlformats.org/markup-compatibility/2006">
+        <mc:Choice xmlns:a14="http://schemas.microsoft.com/office/drawing/2010/main" Requires="a14">
+          <p:sp>
+            <p:nvSpPr>
+              <p:cNvPr id="101" name="TextBox 100">
+                <a:extLst>
+                  <a:ext uri="{FF2B5EF4-FFF2-40B4-BE49-F238E27FC236}">
+                    <a16:creationId xmlns:a16="http://schemas.microsoft.com/office/drawing/2014/main" id="{BA588386-9606-F044-A832-679EA702F72C}"/>
+                  </a:ext>
+                </a:extLst>
+              </p:cNvPr>
+              <p:cNvSpPr txBox="1"/>
+              <p:nvPr/>
+            </p:nvSpPr>
+            <p:spPr>
+              <a:xfrm>
+                <a:off x="524046" y="5760446"/>
+                <a:ext cx="334124" cy="184666"/>
+              </a:xfrm>
+              <a:prstGeom prst="rect">
+                <a:avLst/>
+              </a:prstGeom>
+              <a:noFill/>
+            </p:spPr>
+            <p:txBody>
+              <a:bodyPr wrap="square" lIns="0" tIns="0" rIns="0" bIns="0" rtlCol="0">
+                <a:spAutoFit/>
+              </a:bodyPr>
+              <a:lstStyle/>
+              <a:p>
+                <a:pPr/>
+                <a14:m>
+                  <m:oMathPara xmlns:m="http://schemas.openxmlformats.org/officeDocument/2006/math">
+                    <m:oMathParaPr>
+                      <m:jc m:val="centerGroup"/>
+                    </m:oMathParaPr>
+                    <m:oMath xmlns:m="http://schemas.openxmlformats.org/officeDocument/2006/math">
+                      <m:acc>
+                        <m:accPr>
+                          <m:chr m:val="̅"/>
+                          <m:ctrlPr>
+                            <a:rPr lang="en-US" sz="1200" i="1">
+                              <a:latin typeface="Cambria Math" panose="02040503050406030204" pitchFamily="18" charset="0"/>
+                            </a:rPr>
+                          </m:ctrlPr>
+                        </m:accPr>
+                        <m:e>
+                          <m:r>
+                            <a:rPr lang="en-US" sz="1200" i="1">
+                              <a:latin typeface="Cambria Math" panose="02040503050406030204" pitchFamily="18" charset="0"/>
+                            </a:rPr>
+                            <m:t>𝐵</m:t>
+                          </m:r>
+                        </m:e>
+                      </m:acc>
+                    </m:oMath>
+                  </m:oMathPara>
+                </a14:m>
+                <a:endParaRPr lang="en-US" sz="1200" dirty="0"/>
+              </a:p>
+            </p:txBody>
+          </p:sp>
+        </mc:Choice>
+        <mc:Fallback>
+          <p:sp>
+            <p:nvSpPr>
+              <p:cNvPr id="101" name="TextBox 100">
+                <a:extLst>
+                  <a:ext uri="{FF2B5EF4-FFF2-40B4-BE49-F238E27FC236}">
+                    <a16:creationId xmlns:a16="http://schemas.microsoft.com/office/drawing/2014/main" id="{BA588386-9606-F044-A832-679EA702F72C}"/>
+                  </a:ext>
+                </a:extLst>
+              </p:cNvPr>
+              <p:cNvSpPr txBox="1">
+                <a:spLocks noRot="1" noChangeAspect="1" noMove="1" noResize="1" noEditPoints="1" noAdjustHandles="1" noChangeArrowheads="1" noChangeShapeType="1" noTextEdit="1"/>
+              </p:cNvSpPr>
+              <p:nvPr/>
+            </p:nvSpPr>
+            <p:spPr>
+              <a:xfrm>
+                <a:off x="524046" y="5760446"/>
+                <a:ext cx="334124" cy="184666"/>
+              </a:xfrm>
+              <a:prstGeom prst="rect">
+                <a:avLst/>
+              </a:prstGeom>
+              <a:blipFill>
+                <a:blip r:embed="rId12"/>
+                <a:stretch>
+                  <a:fillRect t="-6667"/>
+                </a:stretch>
+              </a:blipFill>
+            </p:spPr>
+            <p:txBody>
+              <a:bodyPr/>
+              <a:lstStyle/>
+              <a:p>
+                <a:r>
+                  <a:rPr lang="en-US">
+                    <a:noFill/>
+                  </a:rPr>
+                  <a:t> </a:t>
+                </a:r>
+              </a:p>
+            </p:txBody>
+          </p:sp>
+        </mc:Fallback>
+      </mc:AlternateContent>
+      <p:sp>
+        <p:nvSpPr>
+          <p:cNvPr id="102" name="TextBox 101">
+            <a:extLst>
+              <a:ext uri="{FF2B5EF4-FFF2-40B4-BE49-F238E27FC236}">
+                <a16:creationId xmlns:a16="http://schemas.microsoft.com/office/drawing/2014/main" id="{0F70874A-0272-E348-9B10-6029042E46D2}"/>
+              </a:ext>
+            </a:extLst>
+          </p:cNvPr>
+          <p:cNvSpPr txBox="1"/>
+          <p:nvPr/>
+        </p:nvSpPr>
+        <p:spPr>
+          <a:xfrm>
+            <a:off x="249802" y="5709273"/>
+            <a:ext cx="449162" cy="276999"/>
+          </a:xfrm>
+          <a:prstGeom prst="rect">
+            <a:avLst/>
+          </a:prstGeom>
+          <a:noFill/>
+        </p:spPr>
+        <p:txBody>
+          <a:bodyPr wrap="none" rtlCol="0">
+            <a:spAutoFit/>
+          </a:bodyPr>
+          <a:lstStyle/>
+          <a:p>
+            <a:r>
+              <a:rPr lang="en-US" sz="1200" dirty="0">
+                <a:latin typeface="Helvetica" pitchFamily="2" charset="0"/>
+              </a:rPr>
+              <a:t>Env</a:t>
+            </a:r>
+          </a:p>
+        </p:txBody>
+      </p:sp>
+      <p:sp>
+        <p:nvSpPr>
+          <p:cNvPr id="103" name="TextBox 102">
+            <a:extLst>
+              <a:ext uri="{FF2B5EF4-FFF2-40B4-BE49-F238E27FC236}">
+                <a16:creationId xmlns:a16="http://schemas.microsoft.com/office/drawing/2014/main" id="{8C93066C-6937-A147-A647-F1F0249570F1}"/>
+              </a:ext>
+            </a:extLst>
+          </p:cNvPr>
+          <p:cNvSpPr txBox="1"/>
+          <p:nvPr/>
+        </p:nvSpPr>
+        <p:spPr>
+          <a:xfrm>
+            <a:off x="250781" y="5491330"/>
+            <a:ext cx="474810" cy="276999"/>
+          </a:xfrm>
+          <a:prstGeom prst="rect">
+            <a:avLst/>
+          </a:prstGeom>
+          <a:noFill/>
+        </p:spPr>
+        <p:txBody>
+          <a:bodyPr wrap="none" rtlCol="0">
+            <a:spAutoFit/>
+          </a:bodyPr>
+          <a:lstStyle/>
+          <a:p>
+            <a:r>
+              <a:rPr lang="en-US" sz="1200" dirty="0">
+                <a:latin typeface="Helvetica" pitchFamily="2" charset="0"/>
+              </a:rPr>
+              <a:t>Gen</a:t>
+            </a:r>
+          </a:p>
+        </p:txBody>
+      </p:sp>
+      <mc:AlternateContent xmlns:mc="http://schemas.openxmlformats.org/markup-compatibility/2006">
+        <mc:Choice xmlns:a14="http://schemas.microsoft.com/office/drawing/2010/main" Requires="a14">
+          <p:sp>
+            <p:nvSpPr>
+              <p:cNvPr id="104" name="TextBox 103">
+                <a:extLst>
+                  <a:ext uri="{FF2B5EF4-FFF2-40B4-BE49-F238E27FC236}">
+                    <a16:creationId xmlns:a16="http://schemas.microsoft.com/office/drawing/2014/main" id="{57F65A52-5C01-8F40-9BD1-89D55F997785}"/>
+                  </a:ext>
+                </a:extLst>
+              </p:cNvPr>
+              <p:cNvSpPr txBox="1"/>
+              <p:nvPr/>
+            </p:nvSpPr>
+            <p:spPr>
+              <a:xfrm>
+                <a:off x="514615" y="7003927"/>
+                <a:ext cx="367675" cy="184666"/>
+              </a:xfrm>
+              <a:prstGeom prst="rect">
+                <a:avLst/>
+              </a:prstGeom>
+              <a:noFill/>
+            </p:spPr>
+            <p:txBody>
+              <a:bodyPr wrap="square" lIns="0" tIns="0" rIns="0" bIns="0" rtlCol="0">
+                <a:spAutoFit/>
+              </a:bodyPr>
+              <a:lstStyle/>
+              <a:p>
+                <a:pPr/>
+                <a14:m>
+                  <m:oMathPara xmlns:m="http://schemas.openxmlformats.org/officeDocument/2006/math">
+                    <m:oMathParaPr>
+                      <m:jc m:val="centerGroup"/>
+                    </m:oMathParaPr>
+                    <m:oMath xmlns:m="http://schemas.openxmlformats.org/officeDocument/2006/math">
+                      <m:acc>
+                        <m:accPr>
+                          <m:chr m:val="̅"/>
+                          <m:ctrlPr>
+                            <a:rPr lang="en-US" sz="1200" i="1">
+                              <a:latin typeface="Cambria Math" panose="02040503050406030204" pitchFamily="18" charset="0"/>
+                            </a:rPr>
+                          </m:ctrlPr>
+                        </m:accPr>
+                        <m:e>
+                          <m:r>
+                            <a:rPr lang="en-US" sz="1200" i="1">
+                              <a:latin typeface="Cambria Math" panose="02040503050406030204" pitchFamily="18" charset="0"/>
+                            </a:rPr>
+                            <m:t>𝐵</m:t>
+                          </m:r>
+                        </m:e>
+                      </m:acc>
+                    </m:oMath>
+                  </m:oMathPara>
+                </a14:m>
+                <a:endParaRPr lang="en-US" sz="1200" dirty="0"/>
+              </a:p>
+            </p:txBody>
+          </p:sp>
+        </mc:Choice>
+        <mc:Fallback>
+          <p:sp>
+            <p:nvSpPr>
+              <p:cNvPr id="104" name="TextBox 103">
+                <a:extLst>
+                  <a:ext uri="{FF2B5EF4-FFF2-40B4-BE49-F238E27FC236}">
+                    <a16:creationId xmlns:a16="http://schemas.microsoft.com/office/drawing/2014/main" id="{57F65A52-5C01-8F40-9BD1-89D55F997785}"/>
+                  </a:ext>
+                </a:extLst>
+              </p:cNvPr>
+              <p:cNvSpPr txBox="1">
+                <a:spLocks noRot="1" noChangeAspect="1" noMove="1" noResize="1" noEditPoints="1" noAdjustHandles="1" noChangeArrowheads="1" noChangeShapeType="1" noTextEdit="1"/>
+              </p:cNvSpPr>
+              <p:nvPr/>
+            </p:nvSpPr>
+            <p:spPr>
+              <a:xfrm>
+                <a:off x="514615" y="7003927"/>
+                <a:ext cx="367675" cy="184666"/>
+              </a:xfrm>
+              <a:prstGeom prst="rect">
+                <a:avLst/>
+              </a:prstGeom>
+              <a:blipFill>
+                <a:blip r:embed="rId13"/>
+                <a:stretch>
+                  <a:fillRect/>
+                </a:stretch>
+              </a:blipFill>
+            </p:spPr>
+            <p:txBody>
+              <a:bodyPr/>
+              <a:lstStyle/>
+              <a:p>
+                <a:r>
+                  <a:rPr lang="en-US">
+                    <a:noFill/>
+                  </a:rPr>
+                  <a:t> </a:t>
+                </a:r>
+              </a:p>
+            </p:txBody>
+          </p:sp>
+        </mc:Fallback>
+      </mc:AlternateContent>
+      <p:sp>
+        <p:nvSpPr>
+          <p:cNvPr id="105" name="TextBox 104">
+            <a:extLst>
+              <a:ext uri="{FF2B5EF4-FFF2-40B4-BE49-F238E27FC236}">
+                <a16:creationId xmlns:a16="http://schemas.microsoft.com/office/drawing/2014/main" id="{21CEAEAB-8CB1-704B-94D8-A2BC39D545F4}"/>
+              </a:ext>
+            </a:extLst>
+          </p:cNvPr>
+          <p:cNvSpPr txBox="1"/>
+          <p:nvPr/>
+        </p:nvSpPr>
+        <p:spPr>
+          <a:xfrm>
+            <a:off x="249130" y="7169154"/>
+            <a:ext cx="449162" cy="276999"/>
+          </a:xfrm>
+          <a:prstGeom prst="rect">
+            <a:avLst/>
+          </a:prstGeom>
+          <a:noFill/>
+        </p:spPr>
+        <p:txBody>
+          <a:bodyPr wrap="none" rtlCol="0">
+            <a:spAutoFit/>
+          </a:bodyPr>
+          <a:lstStyle/>
+          <a:p>
+            <a:r>
+              <a:rPr lang="en-US" sz="1200" dirty="0">
+                <a:latin typeface="Helvetica" pitchFamily="2" charset="0"/>
+              </a:rPr>
+              <a:t>Env</a:t>
+            </a:r>
+          </a:p>
+        </p:txBody>
+      </p:sp>
+      <p:sp>
+        <p:nvSpPr>
+          <p:cNvPr id="106" name="TextBox 105">
+            <a:extLst>
+              <a:ext uri="{FF2B5EF4-FFF2-40B4-BE49-F238E27FC236}">
+                <a16:creationId xmlns:a16="http://schemas.microsoft.com/office/drawing/2014/main" id="{B3EA99BA-FD61-1E4F-B824-CF4086D47980}"/>
+              </a:ext>
+            </a:extLst>
+          </p:cNvPr>
+          <p:cNvSpPr txBox="1"/>
+          <p:nvPr/>
+        </p:nvSpPr>
+        <p:spPr>
+          <a:xfrm>
+            <a:off x="234343" y="6951211"/>
+            <a:ext cx="474810" cy="276999"/>
+          </a:xfrm>
+          <a:prstGeom prst="rect">
+            <a:avLst/>
+          </a:prstGeom>
+          <a:noFill/>
+        </p:spPr>
+        <p:txBody>
+          <a:bodyPr wrap="none" rtlCol="0">
+            <a:spAutoFit/>
+          </a:bodyPr>
+          <a:lstStyle/>
+          <a:p>
+            <a:r>
+              <a:rPr lang="en-US" sz="1200" dirty="0">
+                <a:latin typeface="Helvetica" pitchFamily="2" charset="0"/>
+              </a:rPr>
+              <a:t>Gen</a:t>
+            </a:r>
+          </a:p>
+        </p:txBody>
+      </p:sp>
+      <mc:AlternateContent xmlns:mc="http://schemas.openxmlformats.org/markup-compatibility/2006">
+        <mc:Choice xmlns:a14="http://schemas.microsoft.com/office/drawing/2010/main" Requires="a14">
+          <p:sp>
+            <p:nvSpPr>
+              <p:cNvPr id="107" name="TextBox 106">
+                <a:extLst>
+                  <a:ext uri="{FF2B5EF4-FFF2-40B4-BE49-F238E27FC236}">
+                    <a16:creationId xmlns:a16="http://schemas.microsoft.com/office/drawing/2014/main" id="{836C51F9-A7CB-484F-8E13-2E84E06D33E4}"/>
+                  </a:ext>
+                </a:extLst>
+              </p:cNvPr>
+              <p:cNvSpPr txBox="1"/>
+              <p:nvPr/>
+            </p:nvSpPr>
+            <p:spPr>
+              <a:xfrm>
+                <a:off x="522246" y="7212645"/>
+                <a:ext cx="334124" cy="185051"/>
+              </a:xfrm>
+              <a:prstGeom prst="rect">
+                <a:avLst/>
+              </a:prstGeom>
+              <a:noFill/>
+            </p:spPr>
+            <p:txBody>
+              <a:bodyPr wrap="square" lIns="0" tIns="0" rIns="0" bIns="0" rtlCol="0">
+                <a:spAutoFit/>
+              </a:bodyPr>
+              <a:lstStyle/>
+              <a:p>
+                <a:pPr/>
+                <a14:m>
+                  <m:oMathPara xmlns:m="http://schemas.openxmlformats.org/officeDocument/2006/math">
+                    <m:oMathParaPr>
+                      <m:jc m:val="centerGroup"/>
+                    </m:oMathParaPr>
+                    <m:oMath xmlns:m="http://schemas.openxmlformats.org/officeDocument/2006/math">
+                      <m:acc>
+                        <m:accPr>
+                          <m:chr m:val="̅"/>
+                          <m:ctrlPr>
+                            <a:rPr lang="en-US" sz="1200" i="1">
+                              <a:latin typeface="Cambria Math" panose="02040503050406030204" pitchFamily="18" charset="0"/>
+                            </a:rPr>
+                          </m:ctrlPr>
+                        </m:accPr>
+                        <m:e>
+                          <m:r>
+                            <a:rPr lang="en-US" sz="1200" i="1">
+                              <a:latin typeface="Cambria Math" panose="02040503050406030204" pitchFamily="18" charset="0"/>
+                            </a:rPr>
+                            <m:t>𝐴</m:t>
+                          </m:r>
+                        </m:e>
+                      </m:acc>
+                    </m:oMath>
+                  </m:oMathPara>
+                </a14:m>
+                <a:endParaRPr lang="en-US" sz="1200" dirty="0"/>
+              </a:p>
+            </p:txBody>
+          </p:sp>
+        </mc:Choice>
+        <mc:Fallback>
+          <p:sp>
+            <p:nvSpPr>
+              <p:cNvPr id="107" name="TextBox 106">
+                <a:extLst>
+                  <a:ext uri="{FF2B5EF4-FFF2-40B4-BE49-F238E27FC236}">
+                    <a16:creationId xmlns:a16="http://schemas.microsoft.com/office/drawing/2014/main" id="{836C51F9-A7CB-484F-8E13-2E84E06D33E4}"/>
+                  </a:ext>
+                </a:extLst>
+              </p:cNvPr>
+              <p:cNvSpPr txBox="1">
+                <a:spLocks noRot="1" noChangeAspect="1" noMove="1" noResize="1" noEditPoints="1" noAdjustHandles="1" noChangeArrowheads="1" noChangeShapeType="1" noTextEdit="1"/>
+              </p:cNvSpPr>
+              <p:nvPr/>
+            </p:nvSpPr>
+            <p:spPr>
+              <a:xfrm>
+                <a:off x="522246" y="7212645"/>
+                <a:ext cx="334124" cy="185051"/>
+              </a:xfrm>
+              <a:prstGeom prst="rect">
+                <a:avLst/>
+              </a:prstGeom>
+              <a:blipFill>
+                <a:blip r:embed="rId14"/>
+                <a:stretch>
+                  <a:fillRect t="-6667" b="-6667"/>
+                </a:stretch>
+              </a:blipFill>
+            </p:spPr>
+            <p:txBody>
+              <a:bodyPr/>
+              <a:lstStyle/>
+              <a:p>
+                <a:r>
+                  <a:rPr lang="en-US">
+                    <a:noFill/>
+                  </a:rPr>
+                  <a:t> </a:t>
+                </a:r>
+              </a:p>
+            </p:txBody>
+          </p:sp>
+        </mc:Fallback>
+      </mc:AlternateContent>
+      <p:sp>
+        <p:nvSpPr>
+          <p:cNvPr id="108" name="Rectangle 107">
+            <a:extLst>
+              <a:ext uri="{FF2B5EF4-FFF2-40B4-BE49-F238E27FC236}">
+                <a16:creationId xmlns:a16="http://schemas.microsoft.com/office/drawing/2014/main" id="{47E94BF5-FFEC-EC49-A3C1-68F6983E31D5}"/>
+              </a:ext>
+            </a:extLst>
+          </p:cNvPr>
+          <p:cNvSpPr/>
+          <p:nvPr/>
+        </p:nvSpPr>
+        <p:spPr>
+          <a:xfrm>
+            <a:off x="1410742" y="8294549"/>
+            <a:ext cx="75888" cy="219232"/>
+          </a:xfrm>
+          <a:prstGeom prst="rect">
+            <a:avLst/>
+          </a:prstGeom>
+          <a:solidFill>
+            <a:schemeClr val="accent6">
+              <a:lumMod val="50000"/>
+            </a:schemeClr>
+          </a:solidFill>
+          <a:ln>
+            <a:noFill/>
+          </a:ln>
+        </p:spPr>
+        <p:style>
+          <a:lnRef idx="2">
+            <a:schemeClr val="accent1">
+              <a:shade val="50000"/>
+            </a:schemeClr>
+          </a:lnRef>
+          <a:fillRef idx="1">
+            <a:schemeClr val="accent1"/>
+          </a:fillRef>
+          <a:effectRef idx="0">
+            <a:schemeClr val="accent1"/>
+          </a:effectRef>
+          <a:fontRef idx="minor">
+            <a:schemeClr val="lt1"/>
+          </a:fontRef>
+        </p:style>
+        <p:txBody>
+          <a:bodyPr rtlCol="0" anchor="ctr"/>
+          <a:lstStyle/>
+          <a:p>
+            <a:pPr algn="ctr"/>
+            <a:endParaRPr lang="en-US" sz="1013"/>
+          </a:p>
+        </p:txBody>
+      </p:sp>
+      <p:sp>
+        <p:nvSpPr>
+          <p:cNvPr id="109" name="Rectangle 108">
+            <a:extLst>
+              <a:ext uri="{FF2B5EF4-FFF2-40B4-BE49-F238E27FC236}">
+                <a16:creationId xmlns:a16="http://schemas.microsoft.com/office/drawing/2014/main" id="{8C81D151-B475-CF47-BDB5-30093FB9AAAA}"/>
+              </a:ext>
+            </a:extLst>
+          </p:cNvPr>
+          <p:cNvSpPr/>
+          <p:nvPr/>
+        </p:nvSpPr>
+        <p:spPr>
+          <a:xfrm>
+            <a:off x="4952053" y="8301179"/>
+            <a:ext cx="75888" cy="219232"/>
+          </a:xfrm>
+          <a:prstGeom prst="rect">
+            <a:avLst/>
+          </a:prstGeom>
+          <a:solidFill>
+            <a:srgbClr val="7030A0"/>
+          </a:solidFill>
+          <a:ln>
+            <a:noFill/>
+          </a:ln>
+        </p:spPr>
+        <p:style>
+          <a:lnRef idx="2">
+            <a:schemeClr val="accent1">
+              <a:shade val="50000"/>
+            </a:schemeClr>
+          </a:lnRef>
+          <a:fillRef idx="1">
+            <a:schemeClr val="accent1"/>
+          </a:fillRef>
+          <a:effectRef idx="0">
+            <a:schemeClr val="accent1"/>
+          </a:effectRef>
+          <a:fontRef idx="minor">
+            <a:schemeClr val="lt1"/>
+          </a:fontRef>
+        </p:style>
+        <p:txBody>
+          <a:bodyPr rtlCol="0" anchor="ctr"/>
+          <a:lstStyle/>
+          <a:p>
+            <a:pPr algn="ctr"/>
+            <a:endParaRPr lang="en-US" sz="1013"/>
+          </a:p>
+        </p:txBody>
+      </p:sp>
+      <p:sp>
+        <p:nvSpPr>
+          <p:cNvPr id="110" name="TextBox 109">
+            <a:extLst>
+              <a:ext uri="{FF2B5EF4-FFF2-40B4-BE49-F238E27FC236}">
+                <a16:creationId xmlns:a16="http://schemas.microsoft.com/office/drawing/2014/main" id="{904AB8B4-B322-8648-A221-40D4F94871AA}"/>
+              </a:ext>
+            </a:extLst>
+          </p:cNvPr>
+          <p:cNvSpPr txBox="1"/>
+          <p:nvPr/>
+        </p:nvSpPr>
+        <p:spPr>
+          <a:xfrm>
+            <a:off x="735537" y="8486810"/>
+            <a:ext cx="1349857" cy="307777"/>
+          </a:xfrm>
+          <a:prstGeom prst="rect">
+            <a:avLst/>
+          </a:prstGeom>
+          <a:noFill/>
+        </p:spPr>
+        <p:txBody>
+          <a:bodyPr wrap="none" rtlCol="0">
+            <a:spAutoFit/>
+          </a:bodyPr>
+          <a:lstStyle/>
+          <a:p>
+            <a:r>
+              <a:rPr lang="en-US" sz="1400" dirty="0">
+                <a:latin typeface="Helvetica" pitchFamily="2" charset="0"/>
+              </a:rPr>
+              <a:t>Environment A</a:t>
+            </a:r>
+          </a:p>
+        </p:txBody>
+      </p:sp>
+      <p:sp>
+        <p:nvSpPr>
+          <p:cNvPr id="111" name="TextBox 110">
+            <a:extLst>
+              <a:ext uri="{FF2B5EF4-FFF2-40B4-BE49-F238E27FC236}">
+                <a16:creationId xmlns:a16="http://schemas.microsoft.com/office/drawing/2014/main" id="{72F656AE-7659-CC40-8275-4CEA9DB03618}"/>
+              </a:ext>
+            </a:extLst>
+          </p:cNvPr>
+          <p:cNvSpPr txBox="1"/>
+          <p:nvPr/>
+        </p:nvSpPr>
+        <p:spPr>
+          <a:xfrm>
+            <a:off x="4269783" y="8487828"/>
+            <a:ext cx="1359668" cy="307777"/>
+          </a:xfrm>
+          <a:prstGeom prst="rect">
+            <a:avLst/>
+          </a:prstGeom>
+          <a:noFill/>
+        </p:spPr>
+        <p:txBody>
+          <a:bodyPr wrap="none" rtlCol="0">
+            <a:spAutoFit/>
+          </a:bodyPr>
+          <a:lstStyle/>
+          <a:p>
+            <a:r>
+              <a:rPr lang="en-US" sz="1400" dirty="0">
+                <a:latin typeface="Helvetica" pitchFamily="2" charset="0"/>
+              </a:rPr>
+              <a:t>Environment B</a:t>
+            </a:r>
+          </a:p>
+        </p:txBody>
+      </p:sp>
+      <p:sp>
+        <p:nvSpPr>
+          <p:cNvPr id="116" name="TextBox 115">
+            <a:extLst>
+              <a:ext uri="{FF2B5EF4-FFF2-40B4-BE49-F238E27FC236}">
+                <a16:creationId xmlns:a16="http://schemas.microsoft.com/office/drawing/2014/main" id="{5C50C1F5-BD26-3F44-B74D-5C8267925F5A}"/>
+              </a:ext>
+            </a:extLst>
+          </p:cNvPr>
+          <p:cNvSpPr txBox="1"/>
+          <p:nvPr/>
+        </p:nvSpPr>
+        <p:spPr>
+          <a:xfrm>
+            <a:off x="5089867" y="6436962"/>
+            <a:ext cx="872355" cy="248209"/>
+          </a:xfrm>
+          <a:prstGeom prst="rect">
+            <a:avLst/>
+          </a:prstGeom>
+          <a:noFill/>
+        </p:spPr>
+        <p:txBody>
+          <a:bodyPr wrap="none" rtlCol="0">
+            <a:spAutoFit/>
+          </a:bodyPr>
+          <a:lstStyle/>
+          <a:p>
+            <a:r>
+              <a:rPr lang="en-US" sz="1013" dirty="0">
+                <a:latin typeface="Helvetica" pitchFamily="2" charset="0"/>
+              </a:rPr>
+              <a:t>Genotype B</a:t>
+            </a:r>
+          </a:p>
+        </p:txBody>
+      </p:sp>
+      <p:sp>
+        <p:nvSpPr>
+          <p:cNvPr id="117" name="TextBox 116">
+            <a:extLst>
+              <a:ext uri="{FF2B5EF4-FFF2-40B4-BE49-F238E27FC236}">
+                <a16:creationId xmlns:a16="http://schemas.microsoft.com/office/drawing/2014/main" id="{6DA69C26-5810-8349-9B28-E3D37E0ED779}"/>
+              </a:ext>
+            </a:extLst>
+          </p:cNvPr>
+          <p:cNvSpPr txBox="1"/>
+          <p:nvPr/>
+        </p:nvSpPr>
+        <p:spPr>
+          <a:xfrm>
+            <a:off x="5060424" y="4909052"/>
+            <a:ext cx="872355" cy="248209"/>
+          </a:xfrm>
+          <a:prstGeom prst="rect">
+            <a:avLst/>
+          </a:prstGeom>
+          <a:noFill/>
+        </p:spPr>
+        <p:txBody>
+          <a:bodyPr wrap="none" rtlCol="0">
+            <a:spAutoFit/>
+          </a:bodyPr>
+          <a:lstStyle/>
+          <a:p>
+            <a:r>
+              <a:rPr lang="en-US" sz="1013" dirty="0">
+                <a:latin typeface="Helvetica" pitchFamily="2" charset="0"/>
+              </a:rPr>
+              <a:t>Genotype A</a:t>
+            </a:r>
+          </a:p>
+        </p:txBody>
+      </p:sp>
+      <p:grpSp>
+        <p:nvGrpSpPr>
+          <p:cNvPr id="118" name="Group 117">
+            <a:extLst>
+              <a:ext uri="{FF2B5EF4-FFF2-40B4-BE49-F238E27FC236}">
+                <a16:creationId xmlns:a16="http://schemas.microsoft.com/office/drawing/2014/main" id="{B4100C4D-6DC7-0048-AB44-63245760F5C7}"/>
+              </a:ext>
+            </a:extLst>
+          </p:cNvPr>
+          <p:cNvGrpSpPr/>
+          <p:nvPr/>
+        </p:nvGrpSpPr>
+        <p:grpSpPr>
+          <a:xfrm>
+            <a:off x="4119782" y="7158490"/>
+            <a:ext cx="1842440" cy="997013"/>
+            <a:chOff x="5583695" y="3954975"/>
+            <a:chExt cx="3275448" cy="1772468"/>
+          </a:xfrm>
+        </p:grpSpPr>
+        <p:sp>
+          <p:nvSpPr>
+            <p:cNvPr id="119" name="TextBox 118">
+              <a:extLst>
+                <a:ext uri="{FF2B5EF4-FFF2-40B4-BE49-F238E27FC236}">
+                  <a16:creationId xmlns:a16="http://schemas.microsoft.com/office/drawing/2014/main" id="{CAE726EA-918D-7D47-97E1-F959E377C359}"/>
+                </a:ext>
+              </a:extLst>
+            </p:cNvPr>
+            <p:cNvSpPr txBox="1"/>
+            <p:nvPr/>
+          </p:nvSpPr>
+          <p:spPr>
+            <a:xfrm>
+              <a:off x="5583695" y="4048355"/>
+              <a:ext cx="1510956" cy="492443"/>
+            </a:xfrm>
+            <a:prstGeom prst="rect">
+              <a:avLst/>
+            </a:prstGeom>
+            <a:noFill/>
+          </p:spPr>
+          <p:txBody>
+            <a:bodyPr wrap="none" rtlCol="0">
+              <a:spAutoFit/>
+            </a:bodyPr>
+            <a:lstStyle/>
+            <a:p>
+              <a:r>
+                <a:rPr lang="en-US" sz="1200" u="sng" dirty="0">
+                  <a:latin typeface="Helvetica" pitchFamily="2" charset="0"/>
+                </a:rPr>
+                <a:t>Genotype</a:t>
+              </a:r>
+            </a:p>
+          </p:txBody>
+        </p:sp>
+        <p:sp>
+          <p:nvSpPr>
+            <p:cNvPr id="120" name="TextBox 119">
+              <a:extLst>
+                <a:ext uri="{FF2B5EF4-FFF2-40B4-BE49-F238E27FC236}">
+                  <a16:creationId xmlns:a16="http://schemas.microsoft.com/office/drawing/2014/main" id="{01642723-996E-CE44-B348-FD2E7D535561}"/>
+                </a:ext>
+              </a:extLst>
+            </p:cNvPr>
+            <p:cNvSpPr txBox="1"/>
+            <p:nvPr/>
+          </p:nvSpPr>
+          <p:spPr>
+            <a:xfrm>
+              <a:off x="7000514" y="4045135"/>
+              <a:ext cx="1858629" cy="492443"/>
+            </a:xfrm>
+            <a:prstGeom prst="rect">
+              <a:avLst/>
+            </a:prstGeom>
+            <a:noFill/>
+          </p:spPr>
+          <p:txBody>
+            <a:bodyPr wrap="none" rtlCol="0">
+              <a:spAutoFit/>
+            </a:bodyPr>
+            <a:lstStyle/>
+            <a:p>
+              <a:r>
+                <a:rPr lang="en-US" sz="1200" u="sng" dirty="0">
+                  <a:latin typeface="Helvetica" pitchFamily="2" charset="0"/>
+                </a:rPr>
+                <a:t>Environment</a:t>
+              </a:r>
+            </a:p>
+          </p:txBody>
+        </p:sp>
+        <p:sp>
+          <p:nvSpPr>
+            <p:cNvPr id="121" name="TextBox 120">
+              <a:extLst>
+                <a:ext uri="{FF2B5EF4-FFF2-40B4-BE49-F238E27FC236}">
+                  <a16:creationId xmlns:a16="http://schemas.microsoft.com/office/drawing/2014/main" id="{52551D30-7403-E248-8D53-0FDD63D2C442}"/>
+                </a:ext>
+              </a:extLst>
+            </p:cNvPr>
+            <p:cNvSpPr txBox="1"/>
+            <p:nvPr/>
+          </p:nvSpPr>
+          <p:spPr>
+            <a:xfrm>
+              <a:off x="5827928" y="5210952"/>
+              <a:ext cx="2679366" cy="492443"/>
+            </a:xfrm>
+            <a:prstGeom prst="rect">
+              <a:avLst/>
+            </a:prstGeom>
+            <a:noFill/>
+          </p:spPr>
+          <p:txBody>
+            <a:bodyPr wrap="none" rtlCol="0">
+              <a:spAutoFit/>
+            </a:bodyPr>
+            <a:lstStyle/>
+            <a:p>
+              <a:r>
+                <a:rPr lang="en-US" sz="1200" b="1" dirty="0" err="1">
+                  <a:latin typeface="Helvetica" pitchFamily="2" charset="0"/>
+                </a:rPr>
+                <a:t>Cov</a:t>
+              </a:r>
+              <a:r>
+                <a:rPr lang="en-US" sz="1200" b="1" dirty="0">
+                  <a:latin typeface="Helvetica" pitchFamily="2" charset="0"/>
+                </a:rPr>
+                <a:t>(Gen, Env) &lt; 0</a:t>
+              </a:r>
+            </a:p>
+          </p:txBody>
+        </p:sp>
+        <p:sp>
+          <p:nvSpPr>
+            <p:cNvPr id="122" name="Rectangle 121">
+              <a:extLst>
+                <a:ext uri="{FF2B5EF4-FFF2-40B4-BE49-F238E27FC236}">
+                  <a16:creationId xmlns:a16="http://schemas.microsoft.com/office/drawing/2014/main" id="{5803F571-8D95-4942-AD70-99E8F35701DB}"/>
+                </a:ext>
+              </a:extLst>
+            </p:cNvPr>
+            <p:cNvSpPr/>
+            <p:nvPr/>
+          </p:nvSpPr>
+          <p:spPr>
+            <a:xfrm>
+              <a:off x="5588145" y="3954975"/>
+              <a:ext cx="3204633" cy="1772468"/>
+            </a:xfrm>
+            <a:prstGeom prst="rect">
+              <a:avLst/>
+            </a:prstGeom>
+            <a:noFill/>
+            <a:ln>
+              <a:solidFill>
+                <a:schemeClr val="tx1"/>
+              </a:solidFill>
+            </a:ln>
+          </p:spPr>
+          <p:style>
+            <a:lnRef idx="2">
+              <a:schemeClr val="accent1">
+                <a:shade val="50000"/>
+              </a:schemeClr>
+            </a:lnRef>
+            <a:fillRef idx="1">
+              <a:schemeClr val="accent1"/>
+            </a:fillRef>
+            <a:effectRef idx="0">
+              <a:schemeClr val="accent1"/>
+            </a:effectRef>
+            <a:fontRef idx="minor">
+              <a:schemeClr val="lt1"/>
+            </a:fontRef>
+          </p:style>
+          <p:txBody>
+            <a:bodyPr rtlCol="0" anchor="ctr"/>
+            <a:lstStyle/>
+            <a:p>
+              <a:pPr algn="ctr"/>
+              <a:endParaRPr lang="en-US" sz="1013"/>
+            </a:p>
+          </p:txBody>
+        </p:sp>
+      </p:grpSp>
+      <mc:AlternateContent xmlns:mc="http://schemas.openxmlformats.org/markup-compatibility/2006">
+        <mc:Choice xmlns:a14="http://schemas.microsoft.com/office/drawing/2010/main" Requires="a14">
+          <p:sp>
+            <p:nvSpPr>
+              <p:cNvPr id="123" name="TextBox 122">
+                <a:extLst>
+                  <a:ext uri="{FF2B5EF4-FFF2-40B4-BE49-F238E27FC236}">
+                    <a16:creationId xmlns:a16="http://schemas.microsoft.com/office/drawing/2014/main" id="{9AFEA312-684C-8147-8A97-D879294FCEE5}"/>
+                  </a:ext>
+                </a:extLst>
+              </p:cNvPr>
+              <p:cNvSpPr txBox="1"/>
+              <p:nvPr/>
+            </p:nvSpPr>
+            <p:spPr>
+              <a:xfrm>
+                <a:off x="4579416" y="7622772"/>
+                <a:ext cx="334124" cy="184666"/>
+              </a:xfrm>
+              <a:prstGeom prst="rect">
+                <a:avLst/>
+              </a:prstGeom>
+              <a:noFill/>
+            </p:spPr>
+            <p:txBody>
+              <a:bodyPr wrap="square" lIns="0" tIns="0" rIns="0" bIns="0" rtlCol="0">
+                <a:spAutoFit/>
+              </a:bodyPr>
+              <a:lstStyle/>
+              <a:p>
+                <a:pPr/>
+                <a14:m>
+                  <m:oMathPara xmlns:m="http://schemas.openxmlformats.org/officeDocument/2006/math">
+                    <m:oMathParaPr>
+                      <m:jc m:val="centerGroup"/>
+                    </m:oMathParaPr>
+                    <m:oMath xmlns:m="http://schemas.openxmlformats.org/officeDocument/2006/math">
+                      <m:acc>
+                        <m:accPr>
+                          <m:chr m:val="̅"/>
+                          <m:ctrlPr>
+                            <a:rPr lang="en-US" sz="1200" i="1">
+                              <a:latin typeface="Cambria Math" panose="02040503050406030204" pitchFamily="18" charset="0"/>
+                            </a:rPr>
+                          </m:ctrlPr>
+                        </m:accPr>
+                        <m:e>
+                          <m:r>
+                            <a:rPr lang="en-US" sz="1200" i="1">
+                              <a:latin typeface="Cambria Math" panose="02040503050406030204" pitchFamily="18" charset="0"/>
+                            </a:rPr>
+                            <m:t>𝐵</m:t>
+                          </m:r>
+                        </m:e>
+                      </m:acc>
+                    </m:oMath>
+                  </m:oMathPara>
+                </a14:m>
+                <a:endParaRPr lang="en-US" sz="1200" dirty="0"/>
+              </a:p>
+            </p:txBody>
+          </p:sp>
+        </mc:Choice>
+        <mc:Fallback>
+          <p:sp>
+            <p:nvSpPr>
+              <p:cNvPr id="123" name="TextBox 122">
+                <a:extLst>
+                  <a:ext uri="{FF2B5EF4-FFF2-40B4-BE49-F238E27FC236}">
+                    <a16:creationId xmlns:a16="http://schemas.microsoft.com/office/drawing/2014/main" id="{9AFEA312-684C-8147-8A97-D879294FCEE5}"/>
+                  </a:ext>
+                </a:extLst>
+              </p:cNvPr>
+              <p:cNvSpPr txBox="1">
+                <a:spLocks noRot="1" noChangeAspect="1" noMove="1" noResize="1" noEditPoints="1" noAdjustHandles="1" noChangeArrowheads="1" noChangeShapeType="1" noTextEdit="1"/>
+              </p:cNvSpPr>
+              <p:nvPr/>
+            </p:nvSpPr>
+            <p:spPr>
+              <a:xfrm>
+                <a:off x="4579416" y="7622772"/>
+                <a:ext cx="334124" cy="184666"/>
+              </a:xfrm>
+              <a:prstGeom prst="rect">
+                <a:avLst/>
+              </a:prstGeom>
+              <a:blipFill>
+                <a:blip r:embed="rId15"/>
+                <a:stretch>
+                  <a:fillRect t="-13333"/>
+                </a:stretch>
+              </a:blipFill>
+            </p:spPr>
+            <p:txBody>
+              <a:bodyPr/>
+              <a:lstStyle/>
+              <a:p>
+                <a:r>
+                  <a:rPr lang="en-US">
+                    <a:noFill/>
+                  </a:rPr>
+                  <a:t> </a:t>
+                </a:r>
+              </a:p>
+            </p:txBody>
+          </p:sp>
+        </mc:Fallback>
+      </mc:AlternateContent>
+      <p:sp>
+        <p:nvSpPr>
+          <p:cNvPr id="124" name="TextBox 123">
+            <a:extLst>
+              <a:ext uri="{FF2B5EF4-FFF2-40B4-BE49-F238E27FC236}">
+                <a16:creationId xmlns:a16="http://schemas.microsoft.com/office/drawing/2014/main" id="{81B4ED2B-EE3D-364B-812F-4518F2B6A982}"/>
+              </a:ext>
+            </a:extLst>
+          </p:cNvPr>
+          <p:cNvSpPr txBox="1"/>
+          <p:nvPr/>
+        </p:nvSpPr>
+        <p:spPr>
+          <a:xfrm>
+            <a:off x="4283189" y="7574487"/>
+            <a:ext cx="474810" cy="276999"/>
+          </a:xfrm>
+          <a:prstGeom prst="rect">
+            <a:avLst/>
+          </a:prstGeom>
+          <a:noFill/>
+        </p:spPr>
+        <p:txBody>
+          <a:bodyPr wrap="none" rtlCol="0">
+            <a:spAutoFit/>
+          </a:bodyPr>
+          <a:lstStyle/>
+          <a:p>
+            <a:r>
+              <a:rPr lang="en-US" sz="1200" dirty="0">
+                <a:latin typeface="Helvetica" pitchFamily="2" charset="0"/>
+              </a:rPr>
+              <a:t>Gen</a:t>
+            </a:r>
+          </a:p>
+        </p:txBody>
+      </p:sp>
+      <p:sp>
+        <p:nvSpPr>
+          <p:cNvPr id="125" name="TextBox 124">
+            <a:extLst>
+              <a:ext uri="{FF2B5EF4-FFF2-40B4-BE49-F238E27FC236}">
+                <a16:creationId xmlns:a16="http://schemas.microsoft.com/office/drawing/2014/main" id="{C047F273-20E6-8F4E-BC3B-B6983ECDBB66}"/>
+              </a:ext>
+            </a:extLst>
+          </p:cNvPr>
+          <p:cNvSpPr txBox="1"/>
+          <p:nvPr/>
+        </p:nvSpPr>
+        <p:spPr>
+          <a:xfrm>
+            <a:off x="5084738" y="7568398"/>
+            <a:ext cx="449162" cy="276999"/>
+          </a:xfrm>
+          <a:prstGeom prst="rect">
+            <a:avLst/>
+          </a:prstGeom>
+          <a:noFill/>
+        </p:spPr>
+        <p:txBody>
+          <a:bodyPr wrap="none" rtlCol="0">
+            <a:spAutoFit/>
+          </a:bodyPr>
+          <a:lstStyle/>
+          <a:p>
+            <a:r>
+              <a:rPr lang="en-US" sz="1200" dirty="0">
+                <a:latin typeface="Helvetica" pitchFamily="2" charset="0"/>
+              </a:rPr>
+              <a:t>Env</a:t>
+            </a:r>
+          </a:p>
+        </p:txBody>
+      </p:sp>
+      <mc:AlternateContent xmlns:mc="http://schemas.openxmlformats.org/markup-compatibility/2006">
+        <mc:Choice xmlns:a14="http://schemas.microsoft.com/office/drawing/2010/main" Requires="a14">
+          <p:sp>
+            <p:nvSpPr>
+              <p:cNvPr id="126" name="TextBox 125">
+                <a:extLst>
+                  <a:ext uri="{FF2B5EF4-FFF2-40B4-BE49-F238E27FC236}">
+                    <a16:creationId xmlns:a16="http://schemas.microsoft.com/office/drawing/2014/main" id="{345F3ADC-FCF1-564A-B69C-CAEFCE54CCF5}"/>
+                  </a:ext>
+                </a:extLst>
+              </p:cNvPr>
+              <p:cNvSpPr txBox="1"/>
+              <p:nvPr/>
+            </p:nvSpPr>
+            <p:spPr>
+              <a:xfrm>
+                <a:off x="5361594" y="7615009"/>
+                <a:ext cx="334124" cy="184666"/>
+              </a:xfrm>
+              <a:prstGeom prst="rect">
+                <a:avLst/>
+              </a:prstGeom>
+              <a:noFill/>
+            </p:spPr>
+            <p:txBody>
+              <a:bodyPr wrap="square" lIns="0" tIns="0" rIns="0" bIns="0" rtlCol="0">
+                <a:spAutoFit/>
+              </a:bodyPr>
+              <a:lstStyle/>
+              <a:p>
+                <a:pPr/>
+                <a14:m>
+                  <m:oMathPara xmlns:m="http://schemas.openxmlformats.org/officeDocument/2006/math">
+                    <m:oMathParaPr>
+                      <m:jc m:val="centerGroup"/>
+                    </m:oMathParaPr>
+                    <m:oMath xmlns:m="http://schemas.openxmlformats.org/officeDocument/2006/math">
+                      <m:acc>
+                        <m:accPr>
+                          <m:chr m:val="̅"/>
+                          <m:ctrlPr>
+                            <a:rPr lang="en-US" sz="1200" i="1">
+                              <a:latin typeface="Cambria Math" panose="02040503050406030204" pitchFamily="18" charset="0"/>
+                            </a:rPr>
+                          </m:ctrlPr>
+                        </m:accPr>
+                        <m:e>
+                          <m:r>
+                            <a:rPr lang="en-US" sz="1200" i="1">
+                              <a:latin typeface="Cambria Math" panose="02040503050406030204" pitchFamily="18" charset="0"/>
+                            </a:rPr>
+                            <m:t>𝐵</m:t>
+                          </m:r>
+                        </m:e>
+                      </m:acc>
+                    </m:oMath>
+                  </m:oMathPara>
+                </a14:m>
+                <a:endParaRPr lang="en-US" sz="1200" dirty="0"/>
+              </a:p>
+            </p:txBody>
+          </p:sp>
+        </mc:Choice>
+        <mc:Fallback>
+          <p:sp>
+            <p:nvSpPr>
+              <p:cNvPr id="126" name="TextBox 125">
+                <a:extLst>
+                  <a:ext uri="{FF2B5EF4-FFF2-40B4-BE49-F238E27FC236}">
+                    <a16:creationId xmlns:a16="http://schemas.microsoft.com/office/drawing/2014/main" id="{345F3ADC-FCF1-564A-B69C-CAEFCE54CCF5}"/>
+                  </a:ext>
+                </a:extLst>
+              </p:cNvPr>
+              <p:cNvSpPr txBox="1">
+                <a:spLocks noRot="1" noChangeAspect="1" noMove="1" noResize="1" noEditPoints="1" noAdjustHandles="1" noChangeArrowheads="1" noChangeShapeType="1" noTextEdit="1"/>
+              </p:cNvSpPr>
+              <p:nvPr/>
+            </p:nvSpPr>
+            <p:spPr>
+              <a:xfrm>
+                <a:off x="5361594" y="7615009"/>
+                <a:ext cx="334124" cy="184666"/>
+              </a:xfrm>
+              <a:prstGeom prst="rect">
+                <a:avLst/>
+              </a:prstGeom>
+              <a:blipFill>
+                <a:blip r:embed="rId16"/>
+                <a:stretch>
+                  <a:fillRect t="-14286"/>
+                </a:stretch>
+              </a:blipFill>
+            </p:spPr>
+            <p:txBody>
+              <a:bodyPr/>
+              <a:lstStyle/>
+              <a:p>
+                <a:r>
+                  <a:rPr lang="en-US">
+                    <a:noFill/>
+                  </a:rPr>
+                  <a:t> </a:t>
+                </a:r>
+              </a:p>
+            </p:txBody>
+          </p:sp>
+        </mc:Fallback>
+      </mc:AlternateContent>
+      <p:sp>
+        <p:nvSpPr>
+          <p:cNvPr id="127" name="TextBox 126">
+            <a:extLst>
+              <a:ext uri="{FF2B5EF4-FFF2-40B4-BE49-F238E27FC236}">
+                <a16:creationId xmlns:a16="http://schemas.microsoft.com/office/drawing/2014/main" id="{AA3E916F-DE23-C24A-8873-19873525FB0B}"/>
+              </a:ext>
+            </a:extLst>
+          </p:cNvPr>
+          <p:cNvSpPr txBox="1"/>
+          <p:nvPr/>
+        </p:nvSpPr>
+        <p:spPr>
+          <a:xfrm>
+            <a:off x="4285805" y="7389180"/>
+            <a:ext cx="474810" cy="276999"/>
+          </a:xfrm>
+          <a:prstGeom prst="rect">
+            <a:avLst/>
+          </a:prstGeom>
+          <a:noFill/>
+        </p:spPr>
+        <p:txBody>
+          <a:bodyPr wrap="none" rtlCol="0">
+            <a:spAutoFit/>
+          </a:bodyPr>
+          <a:lstStyle/>
+          <a:p>
+            <a:r>
+              <a:rPr lang="en-US" sz="1200" dirty="0">
+                <a:latin typeface="Helvetica" pitchFamily="2" charset="0"/>
+              </a:rPr>
+              <a:t>Gen</a:t>
+            </a:r>
+          </a:p>
+        </p:txBody>
+      </p:sp>
+      <p:sp>
+        <p:nvSpPr>
+          <p:cNvPr id="128" name="TextBox 127">
+            <a:extLst>
+              <a:ext uri="{FF2B5EF4-FFF2-40B4-BE49-F238E27FC236}">
+                <a16:creationId xmlns:a16="http://schemas.microsoft.com/office/drawing/2014/main" id="{ACD311B3-AF74-344C-BCE5-EC676DC14BDE}"/>
+              </a:ext>
+            </a:extLst>
+          </p:cNvPr>
+          <p:cNvSpPr txBox="1"/>
+          <p:nvPr/>
+        </p:nvSpPr>
+        <p:spPr>
+          <a:xfrm>
+            <a:off x="5087354" y="7383091"/>
+            <a:ext cx="449162" cy="276999"/>
+          </a:xfrm>
+          <a:prstGeom prst="rect">
+            <a:avLst/>
+          </a:prstGeom>
+          <a:noFill/>
+        </p:spPr>
+        <p:txBody>
+          <a:bodyPr wrap="none" rtlCol="0">
+            <a:spAutoFit/>
+          </a:bodyPr>
+          <a:lstStyle/>
+          <a:p>
+            <a:r>
+              <a:rPr lang="en-US" sz="1200" dirty="0">
+                <a:latin typeface="Helvetica" pitchFamily="2" charset="0"/>
+              </a:rPr>
+              <a:t>Env</a:t>
+            </a:r>
+          </a:p>
+        </p:txBody>
+      </p:sp>
+      <mc:AlternateContent xmlns:mc="http://schemas.openxmlformats.org/markup-compatibility/2006">
+        <mc:Choice xmlns:a14="http://schemas.microsoft.com/office/drawing/2010/main" Requires="a14">
+          <p:sp>
+            <p:nvSpPr>
+              <p:cNvPr id="129" name="TextBox 128">
+                <a:extLst>
+                  <a:ext uri="{FF2B5EF4-FFF2-40B4-BE49-F238E27FC236}">
+                    <a16:creationId xmlns:a16="http://schemas.microsoft.com/office/drawing/2014/main" id="{6ABC4EED-FCC0-0A4C-A93D-88FB7E8F81CC}"/>
+                  </a:ext>
+                </a:extLst>
+              </p:cNvPr>
+              <p:cNvSpPr txBox="1"/>
+              <p:nvPr/>
+            </p:nvSpPr>
+            <p:spPr>
+              <a:xfrm>
+                <a:off x="4594028" y="7422778"/>
+                <a:ext cx="334124" cy="185051"/>
+              </a:xfrm>
+              <a:prstGeom prst="rect">
+                <a:avLst/>
+              </a:prstGeom>
+              <a:noFill/>
+            </p:spPr>
+            <p:txBody>
+              <a:bodyPr wrap="square" lIns="0" tIns="0" rIns="0" bIns="0" rtlCol="0">
+                <a:spAutoFit/>
+              </a:bodyPr>
+              <a:lstStyle/>
+              <a:p>
+                <a:pPr/>
+                <a14:m>
+                  <m:oMathPara xmlns:m="http://schemas.openxmlformats.org/officeDocument/2006/math">
+                    <m:oMathParaPr>
+                      <m:jc m:val="centerGroup"/>
+                    </m:oMathParaPr>
+                    <m:oMath xmlns:m="http://schemas.openxmlformats.org/officeDocument/2006/math">
+                      <m:acc>
+                        <m:accPr>
+                          <m:chr m:val="̅"/>
+                          <m:ctrlPr>
+                            <a:rPr lang="en-US" sz="1200" i="1">
+                              <a:latin typeface="Cambria Math" panose="02040503050406030204" pitchFamily="18" charset="0"/>
+                            </a:rPr>
+                          </m:ctrlPr>
+                        </m:accPr>
+                        <m:e>
+                          <m:r>
+                            <a:rPr lang="en-US" sz="1200" i="1">
+                              <a:latin typeface="Cambria Math" panose="02040503050406030204" pitchFamily="18" charset="0"/>
+                            </a:rPr>
+                            <m:t>𝐴</m:t>
+                          </m:r>
+                        </m:e>
+                      </m:acc>
+                    </m:oMath>
+                  </m:oMathPara>
+                </a14:m>
+                <a:endParaRPr lang="en-US" sz="1200" dirty="0"/>
+              </a:p>
+            </p:txBody>
+          </p:sp>
+        </mc:Choice>
+        <mc:Fallback>
+          <p:sp>
+            <p:nvSpPr>
+              <p:cNvPr id="129" name="TextBox 128">
+                <a:extLst>
+                  <a:ext uri="{FF2B5EF4-FFF2-40B4-BE49-F238E27FC236}">
+                    <a16:creationId xmlns:a16="http://schemas.microsoft.com/office/drawing/2014/main" id="{6ABC4EED-FCC0-0A4C-A93D-88FB7E8F81CC}"/>
+                  </a:ext>
+                </a:extLst>
+              </p:cNvPr>
+              <p:cNvSpPr txBox="1">
+                <a:spLocks noRot="1" noChangeAspect="1" noMove="1" noResize="1" noEditPoints="1" noAdjustHandles="1" noChangeArrowheads="1" noChangeShapeType="1" noTextEdit="1"/>
+              </p:cNvSpPr>
+              <p:nvPr/>
+            </p:nvSpPr>
+            <p:spPr>
+              <a:xfrm>
+                <a:off x="4594028" y="7422778"/>
+                <a:ext cx="334124" cy="185051"/>
+              </a:xfrm>
+              <a:prstGeom prst="rect">
+                <a:avLst/>
+              </a:prstGeom>
+              <a:blipFill>
+                <a:blip r:embed="rId3"/>
+                <a:stretch>
+                  <a:fillRect t="-6250"/>
+                </a:stretch>
+              </a:blipFill>
+            </p:spPr>
+            <p:txBody>
+              <a:bodyPr/>
+              <a:lstStyle/>
+              <a:p>
+                <a:r>
+                  <a:rPr lang="en-US">
+                    <a:noFill/>
+                  </a:rPr>
+                  <a:t> </a:t>
+                </a:r>
+              </a:p>
+            </p:txBody>
+          </p:sp>
+        </mc:Fallback>
+      </mc:AlternateContent>
+      <mc:AlternateContent xmlns:mc="http://schemas.openxmlformats.org/markup-compatibility/2006">
+        <mc:Choice xmlns:a14="http://schemas.microsoft.com/office/drawing/2010/main" Requires="a14">
+          <p:sp>
+            <p:nvSpPr>
+              <p:cNvPr id="130" name="TextBox 129">
+                <a:extLst>
+                  <a:ext uri="{FF2B5EF4-FFF2-40B4-BE49-F238E27FC236}">
+                    <a16:creationId xmlns:a16="http://schemas.microsoft.com/office/drawing/2014/main" id="{35CBAE62-01DB-B642-B00A-E878A1E41A1F}"/>
+                  </a:ext>
+                </a:extLst>
+              </p:cNvPr>
+              <p:cNvSpPr txBox="1"/>
+              <p:nvPr/>
+            </p:nvSpPr>
+            <p:spPr>
+              <a:xfrm>
+                <a:off x="5383500" y="7421343"/>
+                <a:ext cx="334124" cy="185051"/>
+              </a:xfrm>
+              <a:prstGeom prst="rect">
+                <a:avLst/>
+              </a:prstGeom>
+              <a:noFill/>
+            </p:spPr>
+            <p:txBody>
+              <a:bodyPr wrap="square" lIns="0" tIns="0" rIns="0" bIns="0" rtlCol="0">
+                <a:spAutoFit/>
+              </a:bodyPr>
+              <a:lstStyle/>
+              <a:p>
+                <a:pPr/>
+                <a14:m>
+                  <m:oMathPara xmlns:m="http://schemas.openxmlformats.org/officeDocument/2006/math">
+                    <m:oMathParaPr>
+                      <m:jc m:val="centerGroup"/>
+                    </m:oMathParaPr>
+                    <m:oMath xmlns:m="http://schemas.openxmlformats.org/officeDocument/2006/math">
+                      <m:acc>
+                        <m:accPr>
+                          <m:chr m:val="̅"/>
+                          <m:ctrlPr>
+                            <a:rPr lang="en-US" sz="1200" i="1">
+                              <a:latin typeface="Cambria Math" panose="02040503050406030204" pitchFamily="18" charset="0"/>
+                            </a:rPr>
+                          </m:ctrlPr>
+                        </m:accPr>
+                        <m:e>
+                          <m:r>
+                            <a:rPr lang="en-US" sz="1200" i="1">
+                              <a:latin typeface="Cambria Math" panose="02040503050406030204" pitchFamily="18" charset="0"/>
+                            </a:rPr>
+                            <m:t>𝐴</m:t>
+                          </m:r>
+                        </m:e>
+                      </m:acc>
+                    </m:oMath>
+                  </m:oMathPara>
+                </a14:m>
+                <a:endParaRPr lang="en-US" sz="1200" dirty="0"/>
+              </a:p>
+            </p:txBody>
+          </p:sp>
+        </mc:Choice>
+        <mc:Fallback>
+          <p:sp>
+            <p:nvSpPr>
+              <p:cNvPr id="130" name="TextBox 129">
+                <a:extLst>
+                  <a:ext uri="{FF2B5EF4-FFF2-40B4-BE49-F238E27FC236}">
+                    <a16:creationId xmlns:a16="http://schemas.microsoft.com/office/drawing/2014/main" id="{35CBAE62-01DB-B642-B00A-E878A1E41A1F}"/>
+                  </a:ext>
+                </a:extLst>
+              </p:cNvPr>
+              <p:cNvSpPr txBox="1">
+                <a:spLocks noRot="1" noChangeAspect="1" noMove="1" noResize="1" noEditPoints="1" noAdjustHandles="1" noChangeArrowheads="1" noChangeShapeType="1" noTextEdit="1"/>
+              </p:cNvSpPr>
+              <p:nvPr/>
+            </p:nvSpPr>
+            <p:spPr>
+              <a:xfrm>
+                <a:off x="5383500" y="7421343"/>
+                <a:ext cx="334124" cy="185051"/>
+              </a:xfrm>
+              <a:prstGeom prst="rect">
+                <a:avLst/>
+              </a:prstGeom>
+              <a:blipFill>
+                <a:blip r:embed="rId17"/>
+                <a:stretch>
+                  <a:fillRect t="-6250"/>
+                </a:stretch>
+              </a:blipFill>
+            </p:spPr>
+            <p:txBody>
+              <a:bodyPr/>
+              <a:lstStyle/>
+              <a:p>
+                <a:r>
+                  <a:rPr lang="en-US">
+                    <a:noFill/>
+                  </a:rPr>
+                  <a:t> </a:t>
+                </a:r>
+              </a:p>
+            </p:txBody>
+          </p:sp>
+        </mc:Fallback>
+      </mc:AlternateContent>
     </p:spTree>
     <p:extLst>
       <p:ext uri="{BB962C8B-B14F-4D97-AF65-F5344CB8AC3E}">
@@ -5613,4 +8572,299 @@
     </a:ext>
   </a:extLst>
 </a:theme>
+</file>
+
+<file path=ppt/theme/theme2.xml><?xml version="1.0" encoding="utf-8"?>
+<a:theme xmlns:a="http://schemas.openxmlformats.org/drawingml/2006/main" name="Office Theme">
+  <a:themeElements>
+    <a:clrScheme name="Office">
+      <a:dk1>
+        <a:sysClr val="windowText" lastClr="000000"/>
+      </a:dk1>
+      <a:lt1>
+        <a:sysClr val="window" lastClr="FFFFFF"/>
+      </a:lt1>
+      <a:dk2>
+        <a:srgbClr val="44546A"/>
+      </a:dk2>
+      <a:lt2>
+        <a:srgbClr val="E7E6E6"/>
+      </a:lt2>
+      <a:accent1>
+        <a:srgbClr val="4472C4"/>
+      </a:accent1>
+      <a:accent2>
+        <a:srgbClr val="ED7D31"/>
+      </a:accent2>
+      <a:accent3>
+        <a:srgbClr val="A5A5A5"/>
+      </a:accent3>
+      <a:accent4>
+        <a:srgbClr val="FFC000"/>
+      </a:accent4>
+      <a:accent5>
+        <a:srgbClr val="5B9BD5"/>
+      </a:accent5>
+      <a:accent6>
+        <a:srgbClr val="70AD47"/>
+      </a:accent6>
+      <a:hlink>
+        <a:srgbClr val="0563C1"/>
+      </a:hlink>
+      <a:folHlink>
+        <a:srgbClr val="954F72"/>
+      </a:folHlink>
+    </a:clrScheme>
+    <a:fontScheme name="Office">
+      <a:majorFont>
+        <a:latin typeface="Calibri Light" panose="020F0302020204030204"/>
+        <a:ea typeface=""/>
+        <a:cs typeface=""/>
+        <a:font script="Jpan" typeface="游ゴシック Light"/>
+        <a:font script="Hang" typeface="맑은 고딕"/>
+        <a:font script="Hans" typeface="等线 Light"/>
+        <a:font script="Hant" typeface="新細明體"/>
+        <a:font script="Arab" typeface="Times New Roman"/>
+        <a:font script="Hebr" typeface="Times New Roman"/>
+        <a:font script="Thai" typeface="Angsana New"/>
+        <a:font script="Ethi" typeface="Nyala"/>
+        <a:font script="Beng" typeface="Vrinda"/>
+        <a:font script="Gujr" typeface="Shruti"/>
+        <a:font script="Khmr" typeface="MoolBoran"/>
+        <a:font script="Knda" typeface="Tunga"/>
+        <a:font script="Guru" typeface="Raavi"/>
+        <a:font script="Cans" typeface="Euphemia"/>
+        <a:font script="Cher" typeface="Plantagenet Cherokee"/>
+        <a:font script="Yiii" typeface="Microsoft Yi Baiti"/>
+        <a:font script="Tibt" typeface="Microsoft Himalaya"/>
+        <a:font script="Thaa" typeface="MV Boli"/>
+        <a:font script="Deva" typeface="Mangal"/>
+        <a:font script="Telu" typeface="Gautami"/>
+        <a:font script="Taml" typeface="Latha"/>
+        <a:font script="Syrc" typeface="Estrangelo Edessa"/>
+        <a:font script="Orya" typeface="Kalinga"/>
+        <a:font script="Mlym" typeface="Kartika"/>
+        <a:font script="Laoo" typeface="DokChampa"/>
+        <a:font script="Sinh" typeface="Iskoola Pota"/>
+        <a:font script="Mong" typeface="Mongolian Baiti"/>
+        <a:font script="Viet" typeface="Times New Roman"/>
+        <a:font script="Uigh" typeface="Microsoft Uighur"/>
+        <a:font script="Geor" typeface="Sylfaen"/>
+        <a:font script="Armn" typeface="Arial"/>
+        <a:font script="Bugi" typeface="Leelawadee UI"/>
+        <a:font script="Bopo" typeface="Microsoft JhengHei"/>
+        <a:font script="Java" typeface="Javanese Text"/>
+        <a:font script="Lisu" typeface="Segoe UI"/>
+        <a:font script="Mymr" typeface="Myanmar Text"/>
+        <a:font script="Nkoo" typeface="Ebrima"/>
+        <a:font script="Olck" typeface="Nirmala UI"/>
+        <a:font script="Osma" typeface="Ebrima"/>
+        <a:font script="Phag" typeface="Phagspa"/>
+        <a:font script="Syrn" typeface="Estrangelo Edessa"/>
+        <a:font script="Syrj" typeface="Estrangelo Edessa"/>
+        <a:font script="Syre" typeface="Estrangelo Edessa"/>
+        <a:font script="Sora" typeface="Nirmala UI"/>
+        <a:font script="Tale" typeface="Microsoft Tai Le"/>
+        <a:font script="Talu" typeface="Microsoft New Tai Lue"/>
+        <a:font script="Tfng" typeface="Ebrima"/>
+      </a:majorFont>
+      <a:minorFont>
+        <a:latin typeface="Calibri" panose="020F0502020204030204"/>
+        <a:ea typeface=""/>
+        <a:cs typeface=""/>
+        <a:font script="Jpan" typeface="游ゴシック"/>
+        <a:font script="Hang" typeface="맑은 고딕"/>
+        <a:font script="Hans" typeface="等线"/>
+        <a:font script="Hant" typeface="新細明體"/>
+        <a:font script="Arab" typeface="Arial"/>
+        <a:font script="Hebr" typeface="Arial"/>
+        <a:font script="Thai" typeface="Cordia New"/>
+        <a:font script="Ethi" typeface="Nyala"/>
+        <a:font script="Beng" typeface="Vrinda"/>
+        <a:font script="Gujr" typeface="Shruti"/>
+        <a:font script="Khmr" typeface="DaunPenh"/>
+        <a:font script="Knda" typeface="Tunga"/>
+        <a:font script="Guru" typeface="Raavi"/>
+        <a:font script="Cans" typeface="Euphemia"/>
+        <a:font script="Cher" typeface="Plantagenet Cherokee"/>
+        <a:font script="Yiii" typeface="Microsoft Yi Baiti"/>
+        <a:font script="Tibt" typeface="Microsoft Himalaya"/>
+        <a:font script="Thaa" typeface="MV Boli"/>
+        <a:font script="Deva" typeface="Mangal"/>
+        <a:font script="Telu" typeface="Gautami"/>
+        <a:font script="Taml" typeface="Latha"/>
+        <a:font script="Syrc" typeface="Estrangelo Edessa"/>
+        <a:font script="Orya" typeface="Kalinga"/>
+        <a:font script="Mlym" typeface="Kartika"/>
+        <a:font script="Laoo" typeface="DokChampa"/>
+        <a:font script="Sinh" typeface="Iskoola Pota"/>
+        <a:font script="Mong" typeface="Mongolian Baiti"/>
+        <a:font script="Viet" typeface="Arial"/>
+        <a:font script="Uigh" typeface="Microsoft Uighur"/>
+        <a:font script="Geor" typeface="Sylfaen"/>
+        <a:font script="Armn" typeface="Arial"/>
+        <a:font script="Bugi" typeface="Leelawadee UI"/>
+        <a:font script="Bopo" typeface="Microsoft JhengHei"/>
+        <a:font script="Java" typeface="Javanese Text"/>
+        <a:font script="Lisu" typeface="Segoe UI"/>
+        <a:font script="Mymr" typeface="Myanmar Text"/>
+        <a:font script="Nkoo" typeface="Ebrima"/>
+        <a:font script="Olck" typeface="Nirmala UI"/>
+        <a:font script="Osma" typeface="Ebrima"/>
+        <a:font script="Phag" typeface="Phagspa"/>
+        <a:font script="Syrn" typeface="Estrangelo Edessa"/>
+        <a:font script="Syrj" typeface="Estrangelo Edessa"/>
+        <a:font script="Syre" typeface="Estrangelo Edessa"/>
+        <a:font script="Sora" typeface="Nirmala UI"/>
+        <a:font script="Tale" typeface="Microsoft Tai Le"/>
+        <a:font script="Talu" typeface="Microsoft New Tai Lue"/>
+        <a:font script="Tfng" typeface="Ebrima"/>
+      </a:minorFont>
+    </a:fontScheme>
+    <a:fmtScheme name="Office">
+      <a:fillStyleLst>
+        <a:solidFill>
+          <a:schemeClr val="phClr"/>
+        </a:solidFill>
+        <a:gradFill rotWithShape="1">
+          <a:gsLst>
+            <a:gs pos="0">
+              <a:schemeClr val="phClr">
+                <a:lumMod val="110000"/>
+                <a:satMod val="105000"/>
+                <a:tint val="67000"/>
+              </a:schemeClr>
+            </a:gs>
+            <a:gs pos="50000">
+              <a:schemeClr val="phClr">
+                <a:lumMod val="105000"/>
+                <a:satMod val="103000"/>
+                <a:tint val="73000"/>
+              </a:schemeClr>
+            </a:gs>
+            <a:gs pos="100000">
+              <a:schemeClr val="phClr">
+                <a:lumMod val="105000"/>
+                <a:satMod val="109000"/>
+                <a:tint val="81000"/>
+              </a:schemeClr>
+            </a:gs>
+          </a:gsLst>
+          <a:lin ang="5400000" scaled="0"/>
+        </a:gradFill>
+        <a:gradFill rotWithShape="1">
+          <a:gsLst>
+            <a:gs pos="0">
+              <a:schemeClr val="phClr">
+                <a:satMod val="103000"/>
+                <a:lumMod val="102000"/>
+                <a:tint val="94000"/>
+              </a:schemeClr>
+            </a:gs>
+            <a:gs pos="50000">
+              <a:schemeClr val="phClr">
+                <a:satMod val="110000"/>
+                <a:lumMod val="100000"/>
+                <a:shade val="100000"/>
+              </a:schemeClr>
+            </a:gs>
+            <a:gs pos="100000">
+              <a:schemeClr val="phClr">
+                <a:lumMod val="99000"/>
+                <a:satMod val="120000"/>
+                <a:shade val="78000"/>
+              </a:schemeClr>
+            </a:gs>
+          </a:gsLst>
+          <a:lin ang="5400000" scaled="0"/>
+        </a:gradFill>
+      </a:fillStyleLst>
+      <a:lnStyleLst>
+        <a:ln w="6350" cap="flat" cmpd="sng" algn="ctr">
+          <a:solidFill>
+            <a:schemeClr val="phClr"/>
+          </a:solidFill>
+          <a:prstDash val="solid"/>
+          <a:miter lim="800000"/>
+        </a:ln>
+        <a:ln w="12700" cap="flat" cmpd="sng" algn="ctr">
+          <a:solidFill>
+            <a:schemeClr val="phClr"/>
+          </a:solidFill>
+          <a:prstDash val="solid"/>
+          <a:miter lim="800000"/>
+        </a:ln>
+        <a:ln w="19050" cap="flat" cmpd="sng" algn="ctr">
+          <a:solidFill>
+            <a:schemeClr val="phClr"/>
+          </a:solidFill>
+          <a:prstDash val="solid"/>
+          <a:miter lim="800000"/>
+        </a:ln>
+      </a:lnStyleLst>
+      <a:effectStyleLst>
+        <a:effectStyle>
+          <a:effectLst/>
+        </a:effectStyle>
+        <a:effectStyle>
+          <a:effectLst/>
+        </a:effectStyle>
+        <a:effectStyle>
+          <a:effectLst>
+            <a:outerShdw blurRad="57150" dist="19050" dir="5400000" algn="ctr" rotWithShape="0">
+              <a:srgbClr val="000000">
+                <a:alpha val="63000"/>
+              </a:srgbClr>
+            </a:outerShdw>
+          </a:effectLst>
+        </a:effectStyle>
+      </a:effectStyleLst>
+      <a:bgFillStyleLst>
+        <a:solidFill>
+          <a:schemeClr val="phClr"/>
+        </a:solidFill>
+        <a:solidFill>
+          <a:schemeClr val="phClr">
+            <a:tint val="95000"/>
+            <a:satMod val="170000"/>
+          </a:schemeClr>
+        </a:solidFill>
+        <a:gradFill rotWithShape="1">
+          <a:gsLst>
+            <a:gs pos="0">
+              <a:schemeClr val="phClr">
+                <a:tint val="93000"/>
+                <a:satMod val="150000"/>
+                <a:shade val="98000"/>
+                <a:lumMod val="102000"/>
+              </a:schemeClr>
+            </a:gs>
+            <a:gs pos="50000">
+              <a:schemeClr val="phClr">
+                <a:tint val="98000"/>
+                <a:satMod val="130000"/>
+                <a:shade val="90000"/>
+                <a:lumMod val="103000"/>
+              </a:schemeClr>
+            </a:gs>
+            <a:gs pos="100000">
+              <a:schemeClr val="phClr">
+                <a:shade val="63000"/>
+                <a:satMod val="120000"/>
+              </a:schemeClr>
+            </a:gs>
+          </a:gsLst>
+          <a:lin ang="5400000" scaled="0"/>
+        </a:gradFill>
+      </a:bgFillStyleLst>
+    </a:fmtScheme>
+  </a:themeElements>
+  <a:objectDefaults/>
+  <a:extraClrSchemeLst/>
+  <a:extLst>
+    <a:ext uri="{05A4C25C-085E-4340-85A3-A5531E510DB2}">
+      <thm15:themeFamily xmlns:thm15="http://schemas.microsoft.com/office/thememl/2012/main" name="Office Theme" id="{62F939B6-93AF-4DB8-9C6B-D6C7DFDC589F}" vid="{4A3C46E8-61CC-4603-A589-7422A47A8E4A}"/>
+    </a:ext>
+  </a:extLst>
+</a:theme>
 </file>